--- a/v3/assets/wiki-assets/Map.pptx
+++ b/v3/assets/wiki-assets/Map.pptx
@@ -3709,7 +3709,7 @@
           <p:nvPr>
             <p:extLst>
               <p:ext uri="{D42A27DB-BD31-4B8C-83A1-F6EECF244321}">
-                <p14:modId xmlns:p14="http://schemas.microsoft.com/office/powerpoint/2010/main" val="371652604"/>
+                <p14:modId xmlns:p14="http://schemas.microsoft.com/office/powerpoint/2010/main" val="2185398590"/>
               </p:ext>
             </p:extLst>
           </p:nvPr>
@@ -13037,23 +13037,10 @@
                     <a:lstStyle/>
                     <a:p>
                       <a:pPr algn="ctr"/>
-                      <a:r>
-                        <a:rPr lang="en-US" sz="800" dirty="0">
-                          <a:latin typeface="3270-MEDIUM" panose="02000609000000000000" pitchFamily="49" charset="77"/>
-                          <a:ea typeface="3270-MEDIUM" panose="02000609000000000000" pitchFamily="49" charset="77"/>
-                        </a:rPr>
-                        <a:t>Lumber Mill</a:t>
-                      </a:r>
-                    </a:p>
-                    <a:p>
-                      <a:pPr algn="ctr"/>
-                      <a:r>
-                        <a:rPr lang="en-US" sz="800" dirty="0">
-                          <a:latin typeface="3270-MEDIUM" panose="02000609000000000000" pitchFamily="49" charset="77"/>
-                          <a:ea typeface="3270-MEDIUM" panose="02000609000000000000" pitchFamily="49" charset="77"/>
-                        </a:rPr>
-                        <a:t>0</a:t>
-                      </a:r>
+                      <a:endParaRPr lang="en-US" sz="800" dirty="0">
+                        <a:latin typeface="3270-MEDIUM" panose="02000609000000000000" pitchFamily="49" charset="77"/>
+                        <a:ea typeface="3270-MEDIUM" panose="02000609000000000000" pitchFamily="49" charset="77"/>
+                      </a:endParaRPr>
                     </a:p>
                   </a:txBody>
                   <a:tcPr anchor="ctr">
@@ -14845,10 +14832,23 @@
                     <a:lstStyle/>
                     <a:p>
                       <a:pPr algn="ctr"/>
-                      <a:endParaRPr lang="en-US" sz="800">
-                        <a:latin typeface="3270-MEDIUM" panose="02000609000000000000" pitchFamily="49" charset="77"/>
-                        <a:ea typeface="3270-MEDIUM" panose="02000609000000000000" pitchFamily="49" charset="77"/>
-                      </a:endParaRPr>
+                      <a:r>
+                        <a:rPr lang="en-US" sz="800" dirty="0">
+                          <a:latin typeface="3270-MEDIUM" panose="02000609000000000000" pitchFamily="49" charset="77"/>
+                          <a:ea typeface="3270-MEDIUM" panose="02000609000000000000" pitchFamily="49" charset="77"/>
+                        </a:rPr>
+                        <a:t>Lumber Mill</a:t>
+                      </a:r>
+                    </a:p>
+                    <a:p>
+                      <a:pPr algn="ctr"/>
+                      <a:r>
+                        <a:rPr lang="en-US" sz="800" dirty="0">
+                          <a:latin typeface="3270-MEDIUM" panose="02000609000000000000" pitchFamily="49" charset="77"/>
+                          <a:ea typeface="3270-MEDIUM" panose="02000609000000000000" pitchFamily="49" charset="77"/>
+                        </a:rPr>
+                        <a:t>0</a:t>
+                      </a:r>
                     </a:p>
                   </a:txBody>
                   <a:tcPr anchor="ctr">
@@ -15050,7 +15050,7 @@
           <p:nvPr>
             <p:extLst>
               <p:ext uri="{D42A27DB-BD31-4B8C-83A1-F6EECF244321}">
-                <p14:modId xmlns:p14="http://schemas.microsoft.com/office/powerpoint/2010/main" val="2568890260"/>
+                <p14:modId xmlns:p14="http://schemas.microsoft.com/office/powerpoint/2010/main" val="559875247"/>
               </p:ext>
             </p:extLst>
           </p:nvPr>
@@ -16461,7 +16461,7 @@
                           <a:ea typeface="Liberation Sans" panose="020B0604020202020204" pitchFamily="34" charset="0"/>
                           <a:cs typeface="Liberation Sans" panose="020B0604020202020204" pitchFamily="34" charset="0"/>
                         </a:rPr>
-                        <a:t>P</a:t>
+                        <a:t>H</a:t>
                       </a:r>
                     </a:p>
                   </a:txBody>
@@ -20839,7 +20839,7 @@
                           <a:ea typeface="Liberation Sans" panose="020B0604020202020204" pitchFamily="34" charset="0"/>
                           <a:cs typeface="Liberation Sans" panose="020B0604020202020204" pitchFamily="34" charset="0"/>
                         </a:rPr>
-                        <a:t>7</a:t>
+                        <a:t>9</a:t>
                       </a:r>
                     </a:p>
                   </a:txBody>
@@ -20905,7 +20905,7 @@
                           <a:ea typeface="Liberation Sans" panose="020B0604020202020204" pitchFamily="34" charset="0"/>
                           <a:cs typeface="Liberation Sans" panose="020B0604020202020204" pitchFamily="34" charset="0"/>
                         </a:rPr>
-                        <a:t>9</a:t>
+                        <a:t>11</a:t>
                       </a:r>
                     </a:p>
                   </a:txBody>
@@ -22454,21 +22454,6 @@
 </file>
 
 <file path=customXml/item1.xml><?xml version="1.0" encoding="utf-8"?>
-<?mso-contentType ?>
-<FormTemplates xmlns="http://schemas.microsoft.com/sharepoint/v3/contenttype/forms">
-  <Display>DocumentLibraryForm</Display>
-  <Edit>DocumentLibraryForm</Edit>
-  <New>DocumentLibraryForm</New>
-</FormTemplates>
-</file>
-
-<file path=customXml/item2.xml><?xml version="1.0" encoding="utf-8"?>
-<p:properties xmlns:p="http://schemas.microsoft.com/office/2006/metadata/properties" xmlns:xsi="http://www.w3.org/2001/XMLSchema-instance" xmlns:pc="http://schemas.microsoft.com/office/infopath/2007/PartnerControls">
-  <documentManagement/>
-</p:properties>
-</file>
-
-<file path=customXml/item3.xml><?xml version="1.0" encoding="utf-8"?>
 <ct:contentTypeSchema xmlns:ct="http://schemas.microsoft.com/office/2006/metadata/contentType" xmlns:ma="http://schemas.microsoft.com/office/2006/metadata/properties/metaAttributes" ct:_="" ma:_="" ma:contentTypeName="Document" ma:contentTypeID="0x0101009EFD646B4F1F2941BFE87072A31DF7CF" ma:contentTypeVersion="13" ma:contentTypeDescription="Create a new document." ma:contentTypeScope="" ma:versionID="2a4ed7486926686d12d961dc35adb93e">
   <xsd:schema xmlns:xsd="http://www.w3.org/2001/XMLSchema" xmlns:xs="http://www.w3.org/2001/XMLSchema" xmlns:p="http://schemas.microsoft.com/office/2006/metadata/properties" xmlns:ns3="1ba648b2-ed19-406a-aaa4-20fcd3e2fab1" xmlns:ns4="5338a460-e029-42e5-b663-835cf590d702" targetNamespace="http://schemas.microsoft.com/office/2006/metadata/properties" ma:root="true" ma:fieldsID="04499dfe8902becef02a577c2521a66a" ns3:_="" ns4:_="">
     <xsd:import namespace="1ba648b2-ed19-406a-aaa4-20fcd3e2fab1"/>
@@ -22691,10 +22676,36 @@
 </ct:contentTypeSchema>
 </file>
 
+<file path=customXml/item2.xml><?xml version="1.0" encoding="utf-8"?>
+<p:properties xmlns:p="http://schemas.microsoft.com/office/2006/metadata/properties" xmlns:xsi="http://www.w3.org/2001/XMLSchema-instance" xmlns:pc="http://schemas.microsoft.com/office/infopath/2007/PartnerControls">
+  <documentManagement/>
+</p:properties>
+</file>
+
+<file path=customXml/item3.xml><?xml version="1.0" encoding="utf-8"?>
+<?mso-contentType ?>
+<FormTemplates xmlns="http://schemas.microsoft.com/sharepoint/v3/contenttype/forms">
+  <Display>DocumentLibraryForm</Display>
+  <Edit>DocumentLibraryForm</Edit>
+  <New>DocumentLibraryForm</New>
+</FormTemplates>
+</file>
+
 <file path=customXml/itemProps1.xml><?xml version="1.0" encoding="utf-8"?>
-<ds:datastoreItem xmlns:ds="http://schemas.openxmlformats.org/officeDocument/2006/customXml" ds:itemID="{170A35C0-7EA7-46DE-9479-911CC97A43B0}">
+<ds:datastoreItem xmlns:ds="http://schemas.openxmlformats.org/officeDocument/2006/customXml" ds:itemID="{0C09A33E-D161-4005-8B3A-4D119472326C}">
   <ds:schemaRefs>
-    <ds:schemaRef ds:uri="http://schemas.microsoft.com/sharepoint/v3/contenttype/forms"/>
+    <ds:schemaRef ds:uri="http://schemas.microsoft.com/office/2006/metadata/contentType"/>
+    <ds:schemaRef ds:uri="http://schemas.microsoft.com/office/2006/metadata/properties/metaAttributes"/>
+    <ds:schemaRef ds:uri="http://www.w3.org/2001/XMLSchema"/>
+    <ds:schemaRef ds:uri="http://schemas.microsoft.com/office/2006/metadata/properties"/>
+    <ds:schemaRef ds:uri="1ba648b2-ed19-406a-aaa4-20fcd3e2fab1"/>
+    <ds:schemaRef ds:uri="5338a460-e029-42e5-b663-835cf590d702"/>
+    <ds:schemaRef ds:uri="http://schemas.microsoft.com/office/2006/documentManagement/types"/>
+    <ds:schemaRef ds:uri="http://schemas.microsoft.com/office/infopath/2007/PartnerControls"/>
+    <ds:schemaRef ds:uri="http://schemas.openxmlformats.org/package/2006/metadata/core-properties"/>
+    <ds:schemaRef ds:uri="http://purl.org/dc/elements/1.1/"/>
+    <ds:schemaRef ds:uri="http://purl.org/dc/terms/"/>
+    <ds:schemaRef ds:uri="http://schemas.microsoft.com/internal/obd"/>
   </ds:schemaRefs>
 </ds:datastoreItem>
 </file>
@@ -22717,20 +22728,9 @@
 </file>
 
 <file path=customXml/itemProps3.xml><?xml version="1.0" encoding="utf-8"?>
-<ds:datastoreItem xmlns:ds="http://schemas.openxmlformats.org/officeDocument/2006/customXml" ds:itemID="{0C09A33E-D161-4005-8B3A-4D119472326C}">
+<ds:datastoreItem xmlns:ds="http://schemas.openxmlformats.org/officeDocument/2006/customXml" ds:itemID="{170A35C0-7EA7-46DE-9479-911CC97A43B0}">
   <ds:schemaRefs>
-    <ds:schemaRef ds:uri="http://schemas.microsoft.com/office/2006/metadata/contentType"/>
-    <ds:schemaRef ds:uri="http://schemas.microsoft.com/office/2006/metadata/properties/metaAttributes"/>
-    <ds:schemaRef ds:uri="http://www.w3.org/2001/XMLSchema"/>
-    <ds:schemaRef ds:uri="http://schemas.microsoft.com/office/2006/metadata/properties"/>
-    <ds:schemaRef ds:uri="1ba648b2-ed19-406a-aaa4-20fcd3e2fab1"/>
-    <ds:schemaRef ds:uri="5338a460-e029-42e5-b663-835cf590d702"/>
-    <ds:schemaRef ds:uri="http://schemas.microsoft.com/office/2006/documentManagement/types"/>
-    <ds:schemaRef ds:uri="http://schemas.microsoft.com/office/infopath/2007/PartnerControls"/>
-    <ds:schemaRef ds:uri="http://schemas.openxmlformats.org/package/2006/metadata/core-properties"/>
-    <ds:schemaRef ds:uri="http://purl.org/dc/elements/1.1/"/>
-    <ds:schemaRef ds:uri="http://purl.org/dc/terms/"/>
-    <ds:schemaRef ds:uri="http://schemas.microsoft.com/internal/obd"/>
+    <ds:schemaRef ds:uri="http://schemas.microsoft.com/sharepoint/v3/contenttype/forms"/>
   </ds:schemaRefs>
 </ds:datastoreItem>
 </file>
--- a/v3/assets/wiki-assets/Map.pptx
+++ b/v3/assets/wiki-assets/Map.pptx
@@ -3709,7 +3709,7 @@
           <p:nvPr>
             <p:extLst>
               <p:ext uri="{D42A27DB-BD31-4B8C-83A1-F6EECF244321}">
-                <p14:modId xmlns:p14="http://schemas.microsoft.com/office/powerpoint/2010/main" val="2185398590"/>
+                <p14:modId xmlns:p14="http://schemas.microsoft.com/office/powerpoint/2010/main" val="1174649216"/>
               </p:ext>
             </p:extLst>
           </p:nvPr>
@@ -4911,7 +4911,7 @@
                       <a:tailEnd type="none" w="med" len="med"/>
                     </a:lnB>
                     <a:solidFill>
-                      <a:schemeClr val="accent6"/>
+                      <a:srgbClr val="F8B373"/>
                     </a:solidFill>
                   </a:tcPr>
                 </a:tc>
@@ -4973,7 +4973,7 @@
                       <a:tailEnd type="none" w="med" len="med"/>
                     </a:lnB>
                     <a:solidFill>
-                      <a:schemeClr val="accent6"/>
+                      <a:srgbClr val="F8B373"/>
                     </a:solidFill>
                   </a:tcPr>
                 </a:tc>
@@ -5058,7 +5058,7 @@
                       <a:tailEnd type="none" w="med" len="med"/>
                     </a:lnB>
                     <a:solidFill>
-                      <a:schemeClr val="accent6"/>
+                      <a:srgbClr val="F8B373"/>
                     </a:solidFill>
                   </a:tcPr>
                 </a:tc>
@@ -5120,827 +5120,7 @@
                       <a:tailEnd type="none" w="med" len="med"/>
                     </a:lnB>
                     <a:solidFill>
-                      <a:schemeClr val="accent6"/>
-                    </a:solidFill>
-                  </a:tcPr>
-                </a:tc>
-                <a:tc>
-                  <a:txBody>
-                    <a:bodyPr/>
-                    <a:lstStyle/>
-                    <a:p>
-                      <a:pPr algn="ctr"/>
-                      <a:endParaRPr lang="en-US" sz="800">
-                        <a:latin typeface="3270-MEDIUM" panose="02000609000000000000" pitchFamily="49" charset="77"/>
-                        <a:ea typeface="3270-MEDIUM" panose="02000609000000000000" pitchFamily="49" charset="77"/>
-                      </a:endParaRPr>
-                    </a:p>
-                  </a:txBody>
-                  <a:tcPr anchor="ctr">
-                    <a:lnL w="12700" cap="flat" cmpd="sng" algn="ctr">
-                      <a:solidFill>
-                        <a:srgbClr val="44546A">
-                          <a:alpha val="25098"/>
-                        </a:srgbClr>
-                      </a:solidFill>
-                      <a:prstDash val="solid"/>
-                      <a:round/>
-                      <a:headEnd type="none" w="med" len="med"/>
-                      <a:tailEnd type="none" w="med" len="med"/>
-                    </a:lnL>
-                    <a:lnR w="12700" cap="flat" cmpd="sng" algn="ctr">
-                      <a:solidFill>
-                        <a:srgbClr val="44546A">
-                          <a:alpha val="25098"/>
-                        </a:srgbClr>
-                      </a:solidFill>
-                      <a:prstDash val="solid"/>
-                      <a:round/>
-                      <a:headEnd type="none" w="med" len="med"/>
-                      <a:tailEnd type="none" w="med" len="med"/>
-                    </a:lnR>
-                    <a:lnT w="12700" cap="flat" cmpd="sng" algn="ctr">
-                      <a:solidFill>
-                        <a:srgbClr val="44546A">
-                          <a:alpha val="25098"/>
-                        </a:srgbClr>
-                      </a:solidFill>
-                      <a:prstDash val="solid"/>
-                      <a:round/>
-                      <a:headEnd type="none" w="med" len="med"/>
-                      <a:tailEnd type="none" w="med" len="med"/>
-                    </a:lnT>
-                    <a:lnB w="12700" cap="flat" cmpd="sng" algn="ctr">
-                      <a:solidFill>
-                        <a:srgbClr val="44546A">
-                          <a:alpha val="25098"/>
-                        </a:srgbClr>
-                      </a:solidFill>
-                      <a:prstDash val="solid"/>
-                      <a:round/>
-                      <a:headEnd type="none" w="med" len="med"/>
-                      <a:tailEnd type="none" w="med" len="med"/>
-                    </a:lnB>
-                    <a:solidFill>
-                      <a:schemeClr val="accent6"/>
-                    </a:solidFill>
-                  </a:tcPr>
-                </a:tc>
-                <a:tc>
-                  <a:txBody>
-                    <a:bodyPr/>
-                    <a:lstStyle/>
-                    <a:p>
-                      <a:pPr algn="ctr"/>
-                      <a:endParaRPr lang="en-US" sz="800">
-                        <a:latin typeface="3270-MEDIUM" panose="02000609000000000000" pitchFamily="49" charset="77"/>
-                        <a:ea typeface="3270-MEDIUM" panose="02000609000000000000" pitchFamily="49" charset="77"/>
-                      </a:endParaRPr>
-                    </a:p>
-                  </a:txBody>
-                  <a:tcPr anchor="ctr">
-                    <a:lnL w="12700" cap="flat" cmpd="sng" algn="ctr">
-                      <a:solidFill>
-                        <a:srgbClr val="44546A">
-                          <a:alpha val="25098"/>
-                        </a:srgbClr>
-                      </a:solidFill>
-                      <a:prstDash val="solid"/>
-                      <a:round/>
-                      <a:headEnd type="none" w="med" len="med"/>
-                      <a:tailEnd type="none" w="med" len="med"/>
-                    </a:lnL>
-                    <a:lnR w="12700" cap="flat" cmpd="sng" algn="ctr">
-                      <a:solidFill>
-                        <a:srgbClr val="44546A">
-                          <a:alpha val="25098"/>
-                        </a:srgbClr>
-                      </a:solidFill>
-                      <a:prstDash val="solid"/>
-                      <a:round/>
-                      <a:headEnd type="none" w="med" len="med"/>
-                      <a:tailEnd type="none" w="med" len="med"/>
-                    </a:lnR>
-                    <a:lnT w="12700" cap="flat" cmpd="sng" algn="ctr">
-                      <a:solidFill>
-                        <a:srgbClr val="44546A">
-                          <a:alpha val="25098"/>
-                        </a:srgbClr>
-                      </a:solidFill>
-                      <a:prstDash val="solid"/>
-                      <a:round/>
-                      <a:headEnd type="none" w="med" len="med"/>
-                      <a:tailEnd type="none" w="med" len="med"/>
-                    </a:lnT>
-                    <a:lnB w="12700" cap="flat" cmpd="sng" algn="ctr">
-                      <a:solidFill>
-                        <a:srgbClr val="44546A">
-                          <a:alpha val="25098"/>
-                        </a:srgbClr>
-                      </a:solidFill>
-                      <a:prstDash val="solid"/>
-                      <a:round/>
-                      <a:headEnd type="none" w="med" len="med"/>
-                      <a:tailEnd type="none" w="med" len="med"/>
-                    </a:lnB>
-                    <a:solidFill>
-                      <a:schemeClr val="accent6"/>
-                    </a:solidFill>
-                  </a:tcPr>
-                </a:tc>
-                <a:tc>
-                  <a:txBody>
-                    <a:bodyPr/>
-                    <a:lstStyle/>
-                    <a:p>
-                      <a:pPr algn="ctr"/>
-                      <a:endParaRPr lang="en-US" sz="800">
-                        <a:latin typeface="3270-MEDIUM" panose="02000609000000000000" pitchFamily="49" charset="77"/>
-                        <a:ea typeface="3270-MEDIUM" panose="02000609000000000000" pitchFamily="49" charset="77"/>
-                      </a:endParaRPr>
-                    </a:p>
-                  </a:txBody>
-                  <a:tcPr anchor="ctr">
-                    <a:lnL w="12700" cap="flat" cmpd="sng" algn="ctr">
-                      <a:solidFill>
-                        <a:srgbClr val="44546A">
-                          <a:alpha val="25098"/>
-                        </a:srgbClr>
-                      </a:solidFill>
-                      <a:prstDash val="solid"/>
-                      <a:round/>
-                      <a:headEnd type="none" w="med" len="med"/>
-                      <a:tailEnd type="none" w="med" len="med"/>
-                    </a:lnL>
-                    <a:lnR w="12700" cap="flat" cmpd="sng" algn="ctr">
-                      <a:solidFill>
-                        <a:srgbClr val="44546A">
-                          <a:alpha val="25098"/>
-                        </a:srgbClr>
-                      </a:solidFill>
-                      <a:prstDash val="solid"/>
-                      <a:round/>
-                      <a:headEnd type="none" w="med" len="med"/>
-                      <a:tailEnd type="none" w="med" len="med"/>
-                    </a:lnR>
-                    <a:lnT w="12700" cap="flat" cmpd="sng" algn="ctr">
-                      <a:solidFill>
-                        <a:srgbClr val="44546A">
-                          <a:alpha val="25098"/>
-                        </a:srgbClr>
-                      </a:solidFill>
-                      <a:prstDash val="solid"/>
-                      <a:round/>
-                      <a:headEnd type="none" w="med" len="med"/>
-                      <a:tailEnd type="none" w="med" len="med"/>
-                    </a:lnT>
-                    <a:lnB w="12700" cap="flat" cmpd="sng" algn="ctr">
-                      <a:solidFill>
-                        <a:srgbClr val="44546A">
-                          <a:alpha val="25098"/>
-                        </a:srgbClr>
-                      </a:solidFill>
-                      <a:prstDash val="solid"/>
-                      <a:round/>
-                      <a:headEnd type="none" w="med" len="med"/>
-                      <a:tailEnd type="none" w="med" len="med"/>
-                    </a:lnB>
-                    <a:solidFill>
-                      <a:schemeClr val="accent6"/>
-                    </a:solidFill>
-                  </a:tcPr>
-                </a:tc>
-                <a:tc>
-                  <a:txBody>
-                    <a:bodyPr/>
-                    <a:lstStyle/>
-                    <a:p>
-                      <a:pPr algn="ctr"/>
-                      <a:endParaRPr lang="en-US" sz="800" dirty="0">
-                        <a:latin typeface="3270-MEDIUM" panose="02000609000000000000" pitchFamily="49" charset="77"/>
-                        <a:ea typeface="3270-MEDIUM" panose="02000609000000000000" pitchFamily="49" charset="77"/>
-                      </a:endParaRPr>
-                    </a:p>
-                  </a:txBody>
-                  <a:tcPr anchor="ctr">
-                    <a:lnL w="12700" cap="flat" cmpd="sng" algn="ctr">
-                      <a:solidFill>
-                        <a:srgbClr val="44546A">
-                          <a:alpha val="25098"/>
-                        </a:srgbClr>
-                      </a:solidFill>
-                      <a:prstDash val="solid"/>
-                      <a:round/>
-                      <a:headEnd type="none" w="med" len="med"/>
-                      <a:tailEnd type="none" w="med" len="med"/>
-                    </a:lnL>
-                    <a:lnR w="12700" cap="flat" cmpd="sng" algn="ctr">
-                      <a:solidFill>
-                        <a:srgbClr val="44546A">
-                          <a:alpha val="25098"/>
-                        </a:srgbClr>
-                      </a:solidFill>
-                      <a:prstDash val="solid"/>
-                      <a:round/>
-                      <a:headEnd type="none" w="med" len="med"/>
-                      <a:tailEnd type="none" w="med" len="med"/>
-                    </a:lnR>
-                    <a:lnT w="12700" cap="flat" cmpd="sng" algn="ctr">
-                      <a:solidFill>
-                        <a:srgbClr val="44546A">
-                          <a:alpha val="25098"/>
-                        </a:srgbClr>
-                      </a:solidFill>
-                      <a:prstDash val="solid"/>
-                      <a:round/>
-                      <a:headEnd type="none" w="med" len="med"/>
-                      <a:tailEnd type="none" w="med" len="med"/>
-                    </a:lnT>
-                    <a:lnB w="12700" cap="flat" cmpd="sng" algn="ctr">
-                      <a:solidFill>
-                        <a:srgbClr val="44546A">
-                          <a:alpha val="25098"/>
-                        </a:srgbClr>
-                      </a:solidFill>
-                      <a:prstDash val="solid"/>
-                      <a:round/>
-                      <a:headEnd type="none" w="med" len="med"/>
-                      <a:tailEnd type="none" w="med" len="med"/>
-                    </a:lnB>
-                    <a:solidFill>
-                      <a:schemeClr val="accent1"/>
-                    </a:solidFill>
-                  </a:tcPr>
-                </a:tc>
-                <a:tc>
-                  <a:txBody>
-                    <a:bodyPr/>
-                    <a:lstStyle/>
-                    <a:p>
-                      <a:pPr algn="ctr"/>
-                      <a:endParaRPr lang="en-US" sz="800" dirty="0">
-                        <a:latin typeface="3270-MEDIUM" panose="02000609000000000000" pitchFamily="49" charset="77"/>
-                        <a:ea typeface="3270-MEDIUM" panose="02000609000000000000" pitchFamily="49" charset="77"/>
-                      </a:endParaRPr>
-                    </a:p>
-                  </a:txBody>
-                  <a:tcPr anchor="ctr">
-                    <a:lnL w="12700" cap="flat" cmpd="sng" algn="ctr">
-                      <a:solidFill>
-                        <a:srgbClr val="44546A">
-                          <a:alpha val="25098"/>
-                        </a:srgbClr>
-                      </a:solidFill>
-                      <a:prstDash val="solid"/>
-                      <a:round/>
-                      <a:headEnd type="none" w="med" len="med"/>
-                      <a:tailEnd type="none" w="med" len="med"/>
-                    </a:lnL>
-                    <a:lnR w="12700" cap="flat" cmpd="sng" algn="ctr">
-                      <a:solidFill>
-                        <a:srgbClr val="44546A">
-                          <a:alpha val="25098"/>
-                        </a:srgbClr>
-                      </a:solidFill>
-                      <a:prstDash val="solid"/>
-                      <a:round/>
-                      <a:headEnd type="none" w="med" len="med"/>
-                      <a:tailEnd type="none" w="med" len="med"/>
-                    </a:lnR>
-                    <a:lnT w="12700" cap="flat" cmpd="sng" algn="ctr">
-                      <a:solidFill>
-                        <a:srgbClr val="44546A">
-                          <a:alpha val="25098"/>
-                        </a:srgbClr>
-                      </a:solidFill>
-                      <a:prstDash val="solid"/>
-                      <a:round/>
-                      <a:headEnd type="none" w="med" len="med"/>
-                      <a:tailEnd type="none" w="med" len="med"/>
-                    </a:lnT>
-                    <a:lnB w="12700" cap="flat" cmpd="sng" algn="ctr">
-                      <a:solidFill>
-                        <a:srgbClr val="44546A">
-                          <a:alpha val="25098"/>
-                        </a:srgbClr>
-                      </a:solidFill>
-                      <a:prstDash val="solid"/>
-                      <a:round/>
-                      <a:headEnd type="none" w="med" len="med"/>
-                      <a:tailEnd type="none" w="med" len="med"/>
-                    </a:lnB>
-                    <a:solidFill>
-                      <a:schemeClr val="accent1"/>
-                    </a:solidFill>
-                  </a:tcPr>
-                </a:tc>
-                <a:tc>
-                  <a:txBody>
-                    <a:bodyPr/>
-                    <a:lstStyle/>
-                    <a:p>
-                      <a:pPr algn="ctr"/>
-                      <a:endParaRPr lang="en-US" sz="800" dirty="0">
-                        <a:latin typeface="3270-MEDIUM" panose="02000609000000000000" pitchFamily="49" charset="77"/>
-                        <a:ea typeface="3270-MEDIUM" panose="02000609000000000000" pitchFamily="49" charset="77"/>
-                      </a:endParaRPr>
-                    </a:p>
-                  </a:txBody>
-                  <a:tcPr anchor="ctr">
-                    <a:lnL w="12700" cap="flat" cmpd="sng" algn="ctr">
-                      <a:solidFill>
-                        <a:srgbClr val="44546A">
-                          <a:alpha val="25098"/>
-                        </a:srgbClr>
-                      </a:solidFill>
-                      <a:prstDash val="solid"/>
-                      <a:round/>
-                      <a:headEnd type="none" w="med" len="med"/>
-                      <a:tailEnd type="none" w="med" len="med"/>
-                    </a:lnL>
-                    <a:lnR w="12700" cap="flat" cmpd="sng" algn="ctr">
-                      <a:solidFill>
-                        <a:srgbClr val="44546A">
-                          <a:alpha val="25098"/>
-                        </a:srgbClr>
-                      </a:solidFill>
-                      <a:prstDash val="solid"/>
-                      <a:round/>
-                      <a:headEnd type="none" w="med" len="med"/>
-                      <a:tailEnd type="none" w="med" len="med"/>
-                    </a:lnR>
-                    <a:lnT w="12700" cap="flat" cmpd="sng" algn="ctr">
-                      <a:solidFill>
-                        <a:srgbClr val="44546A">
-                          <a:alpha val="25098"/>
-                        </a:srgbClr>
-                      </a:solidFill>
-                      <a:prstDash val="solid"/>
-                      <a:round/>
-                      <a:headEnd type="none" w="med" len="med"/>
-                      <a:tailEnd type="none" w="med" len="med"/>
-                    </a:lnT>
-                    <a:lnB w="12700" cap="flat" cmpd="sng" algn="ctr">
-                      <a:solidFill>
-                        <a:srgbClr val="44546A">
-                          <a:alpha val="25098"/>
-                        </a:srgbClr>
-                      </a:solidFill>
-                      <a:prstDash val="solid"/>
-                      <a:round/>
-                      <a:headEnd type="none" w="med" len="med"/>
-                      <a:tailEnd type="none" w="med" len="med"/>
-                    </a:lnB>
-                    <a:solidFill>
-                      <a:schemeClr val="accent1"/>
-                    </a:solidFill>
-                  </a:tcPr>
-                </a:tc>
-                <a:tc>
-                  <a:txBody>
-                    <a:bodyPr/>
-                    <a:lstStyle/>
-                    <a:p>
-                      <a:pPr algn="ctr"/>
-                      <a:endParaRPr lang="en-US" sz="800" dirty="0">
-                        <a:latin typeface="3270-MEDIUM" panose="02000609000000000000" pitchFamily="49" charset="77"/>
-                        <a:ea typeface="3270-MEDIUM" panose="02000609000000000000" pitchFamily="49" charset="77"/>
-                      </a:endParaRPr>
-                    </a:p>
-                  </a:txBody>
-                  <a:tcPr anchor="ctr">
-                    <a:lnL w="12700" cap="flat" cmpd="sng" algn="ctr">
-                      <a:solidFill>
-                        <a:srgbClr val="44546A">
-                          <a:alpha val="25098"/>
-                        </a:srgbClr>
-                      </a:solidFill>
-                      <a:prstDash val="solid"/>
-                      <a:round/>
-                      <a:headEnd type="none" w="med" len="med"/>
-                      <a:tailEnd type="none" w="med" len="med"/>
-                    </a:lnL>
-                    <a:lnR w="12700" cap="flat" cmpd="sng" algn="ctr">
-                      <a:solidFill>
-                        <a:srgbClr val="44546A">
-                          <a:alpha val="25098"/>
-                        </a:srgbClr>
-                      </a:solidFill>
-                      <a:prstDash val="solid"/>
-                      <a:round/>
-                      <a:headEnd type="none" w="med" len="med"/>
-                      <a:tailEnd type="none" w="med" len="med"/>
-                    </a:lnR>
-                    <a:lnT w="12700" cap="flat" cmpd="sng" algn="ctr">
-                      <a:solidFill>
-                        <a:srgbClr val="44546A">
-                          <a:alpha val="25098"/>
-                        </a:srgbClr>
-                      </a:solidFill>
-                      <a:prstDash val="solid"/>
-                      <a:round/>
-                      <a:headEnd type="none" w="med" len="med"/>
-                      <a:tailEnd type="none" w="med" len="med"/>
-                    </a:lnT>
-                    <a:lnB w="12700" cap="flat" cmpd="sng" algn="ctr">
-                      <a:solidFill>
-                        <a:srgbClr val="44546A">
-                          <a:alpha val="25098"/>
-                        </a:srgbClr>
-                      </a:solidFill>
-                      <a:prstDash val="solid"/>
-                      <a:round/>
-                      <a:headEnd type="none" w="med" len="med"/>
-                      <a:tailEnd type="none" w="med" len="med"/>
-                    </a:lnB>
-                    <a:solidFill>
-                      <a:schemeClr val="accent6"/>
-                    </a:solidFill>
-                  </a:tcPr>
-                </a:tc>
-                <a:tc>
-                  <a:txBody>
-                    <a:bodyPr/>
-                    <a:lstStyle/>
-                    <a:p>
-                      <a:pPr algn="ctr"/>
-                      <a:endParaRPr lang="en-US" sz="800" dirty="0">
-                        <a:latin typeface="3270-MEDIUM" panose="02000609000000000000" pitchFamily="49" charset="77"/>
-                        <a:ea typeface="3270-MEDIUM" panose="02000609000000000000" pitchFamily="49" charset="77"/>
-                      </a:endParaRPr>
-                    </a:p>
-                  </a:txBody>
-                  <a:tcPr anchor="ctr">
-                    <a:lnL w="12700" cap="flat" cmpd="sng" algn="ctr">
-                      <a:solidFill>
-                        <a:srgbClr val="44546A">
-                          <a:alpha val="25098"/>
-                        </a:srgbClr>
-                      </a:solidFill>
-                      <a:prstDash val="solid"/>
-                      <a:round/>
-                      <a:headEnd type="none" w="med" len="med"/>
-                      <a:tailEnd type="none" w="med" len="med"/>
-                    </a:lnL>
-                    <a:lnR w="12700" cap="flat" cmpd="sng" algn="ctr">
-                      <a:solidFill>
-                        <a:srgbClr val="44546A">
-                          <a:alpha val="25098"/>
-                        </a:srgbClr>
-                      </a:solidFill>
-                      <a:prstDash val="solid"/>
-                      <a:round/>
-                      <a:headEnd type="none" w="med" len="med"/>
-                      <a:tailEnd type="none" w="med" len="med"/>
-                    </a:lnR>
-                    <a:lnT w="12700" cap="flat" cmpd="sng" algn="ctr">
-                      <a:solidFill>
-                        <a:srgbClr val="44546A">
-                          <a:alpha val="25098"/>
-                        </a:srgbClr>
-                      </a:solidFill>
-                      <a:prstDash val="solid"/>
-                      <a:round/>
-                      <a:headEnd type="none" w="med" len="med"/>
-                      <a:tailEnd type="none" w="med" len="med"/>
-                    </a:lnT>
-                    <a:lnB w="12700" cap="flat" cmpd="sng" algn="ctr">
-                      <a:solidFill>
-                        <a:srgbClr val="44546A">
-                          <a:alpha val="25098"/>
-                        </a:srgbClr>
-                      </a:solidFill>
-                      <a:prstDash val="solid"/>
-                      <a:round/>
-                      <a:headEnd type="none" w="med" len="med"/>
-                      <a:tailEnd type="none" w="med" len="med"/>
-                    </a:lnB>
-                    <a:solidFill>
-                      <a:schemeClr val="accent6"/>
-                    </a:solidFill>
-                  </a:tcPr>
-                </a:tc>
-                <a:extLst>
-                  <a:ext uri="{0D108BD9-81ED-4DB2-BD59-A6C34878D82A}">
-                    <a16:rowId xmlns:a16="http://schemas.microsoft.com/office/drawing/2014/main" val="2669731542"/>
-                  </a:ext>
-                </a:extLst>
-              </a:tr>
-              <a:tr h="503578">
-                <a:tc>
-                  <a:txBody>
-                    <a:bodyPr/>
-                    <a:lstStyle/>
-                    <a:p>
-                      <a:pPr algn="ctr"/>
-                      <a:r>
-                        <a:rPr lang="en-US" sz="800" dirty="0">
-                          <a:solidFill>
-                            <a:schemeClr val="tx2">
-                              <a:lumMod val="20000"/>
-                              <a:lumOff val="80000"/>
-                            </a:schemeClr>
-                          </a:solidFill>
-                          <a:latin typeface="3270-MEDIUM" panose="02000609000000000000" pitchFamily="49" charset="77"/>
-                          <a:ea typeface="3270-MEDIUM" panose="02000609000000000000" pitchFamily="49" charset="77"/>
-                        </a:rPr>
-                        <a:t>1</a:t>
-                      </a:r>
-                    </a:p>
-                  </a:txBody>
-                  <a:tcPr anchor="ctr">
-                    <a:lnL w="12700" cmpd="sng">
-                      <a:noFill/>
-                    </a:lnL>
-                    <a:lnR w="12700" cap="flat" cmpd="sng" algn="ctr">
-                      <a:solidFill>
-                        <a:srgbClr val="44546A">
-                          <a:alpha val="25098"/>
-                        </a:srgbClr>
-                      </a:solidFill>
-                      <a:prstDash val="solid"/>
-                      <a:round/>
-                      <a:headEnd type="none" w="med" len="med"/>
-                      <a:tailEnd type="none" w="med" len="med"/>
-                    </a:lnR>
-                    <a:lnT w="12700" cap="flat" cmpd="sng" algn="ctr">
-                      <a:solidFill>
-                        <a:srgbClr val="44546A">
-                          <a:alpha val="25098"/>
-                        </a:srgbClr>
-                      </a:solidFill>
-                      <a:prstDash val="solid"/>
-                      <a:round/>
-                      <a:headEnd type="none" w="med" len="med"/>
-                      <a:tailEnd type="none" w="med" len="med"/>
-                    </a:lnT>
-                    <a:lnB w="12700" cap="flat" cmpd="sng" algn="ctr">
-                      <a:solidFill>
-                        <a:srgbClr val="44546A">
-                          <a:alpha val="25098"/>
-                        </a:srgbClr>
-                      </a:solidFill>
-                      <a:prstDash val="solid"/>
-                      <a:round/>
-                      <a:headEnd type="none" w="med" len="med"/>
-                      <a:tailEnd type="none" w="med" len="med"/>
-                    </a:lnB>
-                    <a:lnTlToBr w="12700" cmpd="sng">
-                      <a:noFill/>
-                      <a:prstDash val="solid"/>
-                    </a:lnTlToBr>
-                    <a:lnBlToTr w="12700" cmpd="sng">
-                      <a:noFill/>
-                      <a:prstDash val="solid"/>
-                    </a:lnBlToTr>
-                    <a:noFill/>
-                  </a:tcPr>
-                </a:tc>
-                <a:tc>
-                  <a:txBody>
-                    <a:bodyPr/>
-                    <a:lstStyle/>
-                    <a:p>
-                      <a:pPr algn="ctr"/>
-                      <a:endParaRPr lang="en-US" sz="800">
-                        <a:latin typeface="3270-MEDIUM" panose="02000609000000000000" pitchFamily="49" charset="77"/>
-                        <a:ea typeface="3270-MEDIUM" panose="02000609000000000000" pitchFamily="49" charset="77"/>
-                      </a:endParaRPr>
-                    </a:p>
-                  </a:txBody>
-                  <a:tcPr anchor="ctr">
-                    <a:lnL w="12700" cap="flat" cmpd="sng" algn="ctr">
-                      <a:solidFill>
-                        <a:srgbClr val="44546A">
-                          <a:alpha val="25098"/>
-                        </a:srgbClr>
-                      </a:solidFill>
-                      <a:prstDash val="solid"/>
-                      <a:round/>
-                      <a:headEnd type="none" w="med" len="med"/>
-                      <a:tailEnd type="none" w="med" len="med"/>
-                    </a:lnL>
-                    <a:lnR w="12700" cap="flat" cmpd="sng" algn="ctr">
-                      <a:solidFill>
-                        <a:srgbClr val="44546A">
-                          <a:alpha val="25098"/>
-                        </a:srgbClr>
-                      </a:solidFill>
-                      <a:prstDash val="solid"/>
-                      <a:round/>
-                      <a:headEnd type="none" w="med" len="med"/>
-                      <a:tailEnd type="none" w="med" len="med"/>
-                    </a:lnR>
-                    <a:lnT w="12700" cap="flat" cmpd="sng" algn="ctr">
-                      <a:solidFill>
-                        <a:srgbClr val="44546A">
-                          <a:alpha val="25098"/>
-                        </a:srgbClr>
-                      </a:solidFill>
-                      <a:prstDash val="solid"/>
-                      <a:round/>
-                      <a:headEnd type="none" w="med" len="med"/>
-                      <a:tailEnd type="none" w="med" len="med"/>
-                    </a:lnT>
-                    <a:lnB w="12700" cap="flat" cmpd="sng" algn="ctr">
-                      <a:solidFill>
-                        <a:srgbClr val="44546A">
-                          <a:alpha val="25098"/>
-                        </a:srgbClr>
-                      </a:solidFill>
-                      <a:prstDash val="solid"/>
-                      <a:round/>
-                      <a:headEnd type="none" w="med" len="med"/>
-                      <a:tailEnd type="none" w="med" len="med"/>
-                    </a:lnB>
-                    <a:solidFill>
-                      <a:schemeClr val="accent6"/>
-                    </a:solidFill>
-                  </a:tcPr>
-                </a:tc>
-                <a:tc>
-                  <a:txBody>
-                    <a:bodyPr/>
-                    <a:lstStyle/>
-                    <a:p>
-                      <a:pPr algn="ctr"/>
-                      <a:endParaRPr lang="en-US" sz="800" dirty="0">
-                        <a:latin typeface="3270-MEDIUM" panose="02000609000000000000" pitchFamily="49" charset="77"/>
-                        <a:ea typeface="3270-MEDIUM" panose="02000609000000000000" pitchFamily="49" charset="77"/>
-                      </a:endParaRPr>
-                    </a:p>
-                  </a:txBody>
-                  <a:tcPr anchor="ctr">
-                    <a:lnL w="12700" cap="flat" cmpd="sng" algn="ctr">
-                      <a:solidFill>
-                        <a:srgbClr val="44546A">
-                          <a:alpha val="25098"/>
-                        </a:srgbClr>
-                      </a:solidFill>
-                      <a:prstDash val="solid"/>
-                      <a:round/>
-                      <a:headEnd type="none" w="med" len="med"/>
-                      <a:tailEnd type="none" w="med" len="med"/>
-                    </a:lnL>
-                    <a:lnR w="12700" cap="flat" cmpd="sng" algn="ctr">
-                      <a:solidFill>
-                        <a:srgbClr val="44546A">
-                          <a:alpha val="25098"/>
-                        </a:srgbClr>
-                      </a:solidFill>
-                      <a:prstDash val="solid"/>
-                      <a:round/>
-                      <a:headEnd type="none" w="med" len="med"/>
-                      <a:tailEnd type="none" w="med" len="med"/>
-                    </a:lnR>
-                    <a:lnT w="12700" cap="flat" cmpd="sng" algn="ctr">
-                      <a:solidFill>
-                        <a:srgbClr val="44546A">
-                          <a:alpha val="25098"/>
-                        </a:srgbClr>
-                      </a:solidFill>
-                      <a:prstDash val="solid"/>
-                      <a:round/>
-                      <a:headEnd type="none" w="med" len="med"/>
-                      <a:tailEnd type="none" w="med" len="med"/>
-                    </a:lnT>
-                    <a:lnB w="12700" cap="flat" cmpd="sng" algn="ctr">
-                      <a:solidFill>
-                        <a:srgbClr val="44546A">
-                          <a:alpha val="25098"/>
-                        </a:srgbClr>
-                      </a:solidFill>
-                      <a:prstDash val="solid"/>
-                      <a:round/>
-                      <a:headEnd type="none" w="med" len="med"/>
-                      <a:tailEnd type="none" w="med" len="med"/>
-                    </a:lnB>
-                    <a:solidFill>
-                      <a:schemeClr val="accent6"/>
-                    </a:solidFill>
-                  </a:tcPr>
-                </a:tc>
-                <a:tc>
-                  <a:txBody>
-                    <a:bodyPr/>
-                    <a:lstStyle/>
-                    <a:p>
-                      <a:pPr algn="ctr"/>
-                      <a:endParaRPr lang="en-US" sz="800" dirty="0">
-                        <a:latin typeface="3270-MEDIUM" panose="02000609000000000000" pitchFamily="49" charset="77"/>
-                        <a:ea typeface="3270-MEDIUM" panose="02000609000000000000" pitchFamily="49" charset="77"/>
-                      </a:endParaRPr>
-                    </a:p>
-                  </a:txBody>
-                  <a:tcPr anchor="ctr">
-                    <a:lnL w="12700" cap="flat" cmpd="sng" algn="ctr">
-                      <a:solidFill>
-                        <a:srgbClr val="44546A">
-                          <a:alpha val="25098"/>
-                        </a:srgbClr>
-                      </a:solidFill>
-                      <a:prstDash val="solid"/>
-                      <a:round/>
-                      <a:headEnd type="none" w="med" len="med"/>
-                      <a:tailEnd type="none" w="med" len="med"/>
-                    </a:lnL>
-                    <a:lnR w="12700" cap="flat" cmpd="sng" algn="ctr">
-                      <a:solidFill>
-                        <a:srgbClr val="44546A">
-                          <a:alpha val="25098"/>
-                        </a:srgbClr>
-                      </a:solidFill>
-                      <a:prstDash val="solid"/>
-                      <a:round/>
-                      <a:headEnd type="none" w="med" len="med"/>
-                      <a:tailEnd type="none" w="med" len="med"/>
-                    </a:lnR>
-                    <a:lnT w="12700" cap="flat" cmpd="sng" algn="ctr">
-                      <a:solidFill>
-                        <a:srgbClr val="44546A">
-                          <a:alpha val="25098"/>
-                        </a:srgbClr>
-                      </a:solidFill>
-                      <a:prstDash val="solid"/>
-                      <a:round/>
-                      <a:headEnd type="none" w="med" len="med"/>
-                      <a:tailEnd type="none" w="med" len="med"/>
-                    </a:lnT>
-                    <a:lnB w="12700" cap="flat" cmpd="sng" algn="ctr">
-                      <a:solidFill>
-                        <a:srgbClr val="44546A">
-                          <a:alpha val="25098"/>
-                        </a:srgbClr>
-                      </a:solidFill>
-                      <a:prstDash val="solid"/>
-                      <a:round/>
-                      <a:headEnd type="none" w="med" len="med"/>
-                      <a:tailEnd type="none" w="med" len="med"/>
-                    </a:lnB>
-                    <a:solidFill>
-                      <a:schemeClr val="accent6"/>
-                    </a:solidFill>
-                  </a:tcPr>
-                </a:tc>
-                <a:tc>
-                  <a:txBody>
-                    <a:bodyPr/>
-                    <a:lstStyle/>
-                    <a:p>
-                      <a:pPr algn="ctr"/>
-                      <a:endParaRPr lang="en-US" sz="800">
-                        <a:latin typeface="3270-MEDIUM" panose="02000609000000000000" pitchFamily="49" charset="77"/>
-                        <a:ea typeface="3270-MEDIUM" panose="02000609000000000000" pitchFamily="49" charset="77"/>
-                      </a:endParaRPr>
-                    </a:p>
-                  </a:txBody>
-                  <a:tcPr anchor="ctr">
-                    <a:lnL w="12700" cap="flat" cmpd="sng" algn="ctr">
-                      <a:solidFill>
-                        <a:srgbClr val="44546A">
-                          <a:alpha val="25098"/>
-                        </a:srgbClr>
-                      </a:solidFill>
-                      <a:prstDash val="solid"/>
-                      <a:round/>
-                      <a:headEnd type="none" w="med" len="med"/>
-                      <a:tailEnd type="none" w="med" len="med"/>
-                    </a:lnL>
-                    <a:lnR w="12700" cap="flat" cmpd="sng" algn="ctr">
-                      <a:solidFill>
-                        <a:srgbClr val="44546A">
-                          <a:alpha val="25098"/>
-                        </a:srgbClr>
-                      </a:solidFill>
-                      <a:prstDash val="solid"/>
-                      <a:round/>
-                      <a:headEnd type="none" w="med" len="med"/>
-                      <a:tailEnd type="none" w="med" len="med"/>
-                    </a:lnR>
-                    <a:lnT w="12700" cap="flat" cmpd="sng" algn="ctr">
-                      <a:solidFill>
-                        <a:srgbClr val="44546A">
-                          <a:alpha val="25098"/>
-                        </a:srgbClr>
-                      </a:solidFill>
-                      <a:prstDash val="solid"/>
-                      <a:round/>
-                      <a:headEnd type="none" w="med" len="med"/>
-                      <a:tailEnd type="none" w="med" len="med"/>
-                    </a:lnT>
-                    <a:lnB w="12700" cap="flat" cmpd="sng" algn="ctr">
-                      <a:solidFill>
-                        <a:srgbClr val="44546A">
-                          <a:alpha val="25098"/>
-                        </a:srgbClr>
-                      </a:solidFill>
-                      <a:prstDash val="solid"/>
-                      <a:round/>
-                      <a:headEnd type="none" w="med" len="med"/>
-                      <a:tailEnd type="none" w="med" len="med"/>
-                    </a:lnB>
-                    <a:solidFill>
-                      <a:schemeClr val="accent6"/>
+                      <a:srgbClr val="F8B373"/>
                     </a:solidFill>
                   </a:tcPr>
                 </a:tc>
@@ -6047,7 +5227,703 @@
                       <a:tailEnd type="none" w="med" len="med"/>
                     </a:lnB>
                     <a:solidFill>
+                      <a:srgbClr val="F8B373"/>
+                    </a:solidFill>
+                  </a:tcPr>
+                </a:tc>
+                <a:tc>
+                  <a:txBody>
+                    <a:bodyPr/>
+                    <a:lstStyle/>
+                    <a:p>
+                      <a:pPr algn="ctr"/>
+                      <a:endParaRPr lang="en-US" sz="800" dirty="0">
+                        <a:latin typeface="3270-MEDIUM" panose="02000609000000000000" pitchFamily="49" charset="77"/>
+                        <a:ea typeface="3270-MEDIUM" panose="02000609000000000000" pitchFamily="49" charset="77"/>
+                      </a:endParaRPr>
+                    </a:p>
+                  </a:txBody>
+                  <a:tcPr anchor="ctr">
+                    <a:lnL w="12700" cap="flat" cmpd="sng" algn="ctr">
+                      <a:solidFill>
+                        <a:srgbClr val="44546A">
+                          <a:alpha val="25098"/>
+                        </a:srgbClr>
+                      </a:solidFill>
+                      <a:prstDash val="solid"/>
+                      <a:round/>
+                      <a:headEnd type="none" w="med" len="med"/>
+                      <a:tailEnd type="none" w="med" len="med"/>
+                    </a:lnL>
+                    <a:lnR w="12700" cap="flat" cmpd="sng" algn="ctr">
+                      <a:solidFill>
+                        <a:srgbClr val="44546A">
+                          <a:alpha val="25098"/>
+                        </a:srgbClr>
+                      </a:solidFill>
+                      <a:prstDash val="solid"/>
+                      <a:round/>
+                      <a:headEnd type="none" w="med" len="med"/>
+                      <a:tailEnd type="none" w="med" len="med"/>
+                    </a:lnR>
+                    <a:lnT w="12700" cap="flat" cmpd="sng" algn="ctr">
+                      <a:solidFill>
+                        <a:srgbClr val="44546A">
+                          <a:alpha val="25098"/>
+                        </a:srgbClr>
+                      </a:solidFill>
+                      <a:prstDash val="solid"/>
+                      <a:round/>
+                      <a:headEnd type="none" w="med" len="med"/>
+                      <a:tailEnd type="none" w="med" len="med"/>
+                    </a:lnT>
+                    <a:lnB w="12700" cap="flat" cmpd="sng" algn="ctr">
+                      <a:solidFill>
+                        <a:srgbClr val="44546A">
+                          <a:alpha val="25098"/>
+                        </a:srgbClr>
+                      </a:solidFill>
+                      <a:prstDash val="solid"/>
+                      <a:round/>
+                      <a:headEnd type="none" w="med" len="med"/>
+                      <a:tailEnd type="none" w="med" len="med"/>
+                    </a:lnB>
+                    <a:solidFill>
+                      <a:srgbClr val="F8B373"/>
+                    </a:solidFill>
+                  </a:tcPr>
+                </a:tc>
+                <a:tc>
+                  <a:txBody>
+                    <a:bodyPr/>
+                    <a:lstStyle/>
+                    <a:p>
+                      <a:pPr algn="ctr"/>
+                      <a:endParaRPr lang="en-US" sz="800" dirty="0">
+                        <a:latin typeface="3270-MEDIUM" panose="02000609000000000000" pitchFamily="49" charset="77"/>
+                        <a:ea typeface="3270-MEDIUM" panose="02000609000000000000" pitchFamily="49" charset="77"/>
+                      </a:endParaRPr>
+                    </a:p>
+                  </a:txBody>
+                  <a:tcPr anchor="ctr">
+                    <a:lnL w="12700" cap="flat" cmpd="sng" algn="ctr">
+                      <a:solidFill>
+                        <a:srgbClr val="44546A">
+                          <a:alpha val="25098"/>
+                        </a:srgbClr>
+                      </a:solidFill>
+                      <a:prstDash val="solid"/>
+                      <a:round/>
+                      <a:headEnd type="none" w="med" len="med"/>
+                      <a:tailEnd type="none" w="med" len="med"/>
+                    </a:lnL>
+                    <a:lnR w="12700" cap="flat" cmpd="sng" algn="ctr">
+                      <a:solidFill>
+                        <a:srgbClr val="44546A">
+                          <a:alpha val="25098"/>
+                        </a:srgbClr>
+                      </a:solidFill>
+                      <a:prstDash val="solid"/>
+                      <a:round/>
+                      <a:headEnd type="none" w="med" len="med"/>
+                      <a:tailEnd type="none" w="med" len="med"/>
+                    </a:lnR>
+                    <a:lnT w="12700" cap="flat" cmpd="sng" algn="ctr">
+                      <a:solidFill>
+                        <a:srgbClr val="44546A">
+                          <a:alpha val="25098"/>
+                        </a:srgbClr>
+                      </a:solidFill>
+                      <a:prstDash val="solid"/>
+                      <a:round/>
+                      <a:headEnd type="none" w="med" len="med"/>
+                      <a:tailEnd type="none" w="med" len="med"/>
+                    </a:lnT>
+                    <a:lnB w="12700" cap="flat" cmpd="sng" algn="ctr">
+                      <a:solidFill>
+                        <a:srgbClr val="44546A">
+                          <a:alpha val="25098"/>
+                        </a:srgbClr>
+                      </a:solidFill>
+                      <a:prstDash val="solid"/>
+                      <a:round/>
+                      <a:headEnd type="none" w="med" len="med"/>
+                      <a:tailEnd type="none" w="med" len="med"/>
+                    </a:lnB>
+                    <a:solidFill>
+                      <a:srgbClr val="F8B373"/>
+                    </a:solidFill>
+                  </a:tcPr>
+                </a:tc>
+                <a:tc>
+                  <a:txBody>
+                    <a:bodyPr/>
+                    <a:lstStyle/>
+                    <a:p>
+                      <a:pPr algn="ctr"/>
+                      <a:endParaRPr lang="en-US" sz="800" dirty="0">
+                        <a:latin typeface="3270-MEDIUM" panose="02000609000000000000" pitchFamily="49" charset="77"/>
+                        <a:ea typeface="3270-MEDIUM" panose="02000609000000000000" pitchFamily="49" charset="77"/>
+                      </a:endParaRPr>
+                    </a:p>
+                  </a:txBody>
+                  <a:tcPr anchor="ctr">
+                    <a:lnL w="12700" cap="flat" cmpd="sng" algn="ctr">
+                      <a:solidFill>
+                        <a:srgbClr val="44546A">
+                          <a:alpha val="25098"/>
+                        </a:srgbClr>
+                      </a:solidFill>
+                      <a:prstDash val="solid"/>
+                      <a:round/>
+                      <a:headEnd type="none" w="med" len="med"/>
+                      <a:tailEnd type="none" w="med" len="med"/>
+                    </a:lnL>
+                    <a:lnR w="12700" cap="flat" cmpd="sng" algn="ctr">
+                      <a:solidFill>
+                        <a:srgbClr val="44546A">
+                          <a:alpha val="25098"/>
+                        </a:srgbClr>
+                      </a:solidFill>
+                      <a:prstDash val="solid"/>
+                      <a:round/>
+                      <a:headEnd type="none" w="med" len="med"/>
+                      <a:tailEnd type="none" w="med" len="med"/>
+                    </a:lnR>
+                    <a:lnT w="12700" cap="flat" cmpd="sng" algn="ctr">
+                      <a:solidFill>
+                        <a:srgbClr val="44546A">
+                          <a:alpha val="25098"/>
+                        </a:srgbClr>
+                      </a:solidFill>
+                      <a:prstDash val="solid"/>
+                      <a:round/>
+                      <a:headEnd type="none" w="med" len="med"/>
+                      <a:tailEnd type="none" w="med" len="med"/>
+                    </a:lnT>
+                    <a:lnB w="12700" cap="flat" cmpd="sng" algn="ctr">
+                      <a:solidFill>
+                        <a:srgbClr val="44546A">
+                          <a:alpha val="25098"/>
+                        </a:srgbClr>
+                      </a:solidFill>
+                      <a:prstDash val="solid"/>
+                      <a:round/>
+                      <a:headEnd type="none" w="med" len="med"/>
+                      <a:tailEnd type="none" w="med" len="med"/>
+                    </a:lnB>
+                    <a:solidFill>
+                      <a:schemeClr val="accent1"/>
+                    </a:solidFill>
+                  </a:tcPr>
+                </a:tc>
+                <a:tc>
+                  <a:txBody>
+                    <a:bodyPr/>
+                    <a:lstStyle/>
+                    <a:p>
+                      <a:pPr algn="ctr"/>
+                      <a:endParaRPr lang="en-US" sz="800" dirty="0">
+                        <a:latin typeface="3270-MEDIUM" panose="02000609000000000000" pitchFamily="49" charset="77"/>
+                        <a:ea typeface="3270-MEDIUM" panose="02000609000000000000" pitchFamily="49" charset="77"/>
+                      </a:endParaRPr>
+                    </a:p>
+                  </a:txBody>
+                  <a:tcPr anchor="ctr">
+                    <a:lnL w="12700" cap="flat" cmpd="sng" algn="ctr">
+                      <a:solidFill>
+                        <a:srgbClr val="44546A">
+                          <a:alpha val="25098"/>
+                        </a:srgbClr>
+                      </a:solidFill>
+                      <a:prstDash val="solid"/>
+                      <a:round/>
+                      <a:headEnd type="none" w="med" len="med"/>
+                      <a:tailEnd type="none" w="med" len="med"/>
+                    </a:lnL>
+                    <a:lnR w="12700" cap="flat" cmpd="sng" algn="ctr">
+                      <a:solidFill>
+                        <a:srgbClr val="44546A">
+                          <a:alpha val="25098"/>
+                        </a:srgbClr>
+                      </a:solidFill>
+                      <a:prstDash val="solid"/>
+                      <a:round/>
+                      <a:headEnd type="none" w="med" len="med"/>
+                      <a:tailEnd type="none" w="med" len="med"/>
+                    </a:lnR>
+                    <a:lnT w="12700" cap="flat" cmpd="sng" algn="ctr">
+                      <a:solidFill>
+                        <a:srgbClr val="44546A">
+                          <a:alpha val="25098"/>
+                        </a:srgbClr>
+                      </a:solidFill>
+                      <a:prstDash val="solid"/>
+                      <a:round/>
+                      <a:headEnd type="none" w="med" len="med"/>
+                      <a:tailEnd type="none" w="med" len="med"/>
+                    </a:lnT>
+                    <a:lnB w="12700" cap="flat" cmpd="sng" algn="ctr">
+                      <a:solidFill>
+                        <a:srgbClr val="44546A">
+                          <a:alpha val="25098"/>
+                        </a:srgbClr>
+                      </a:solidFill>
+                      <a:prstDash val="solid"/>
+                      <a:round/>
+                      <a:headEnd type="none" w="med" len="med"/>
+                      <a:tailEnd type="none" w="med" len="med"/>
+                    </a:lnB>
+                    <a:solidFill>
+                      <a:schemeClr val="accent1"/>
+                    </a:solidFill>
+                  </a:tcPr>
+                </a:tc>
+                <a:tc>
+                  <a:txBody>
+                    <a:bodyPr/>
+                    <a:lstStyle/>
+                    <a:p>
+                      <a:pPr algn="ctr"/>
+                      <a:endParaRPr lang="en-US" sz="800" dirty="0">
+                        <a:latin typeface="3270-MEDIUM" panose="02000609000000000000" pitchFamily="49" charset="77"/>
+                        <a:ea typeface="3270-MEDIUM" panose="02000609000000000000" pitchFamily="49" charset="77"/>
+                      </a:endParaRPr>
+                    </a:p>
+                  </a:txBody>
+                  <a:tcPr anchor="ctr">
+                    <a:lnL w="12700" cap="flat" cmpd="sng" algn="ctr">
+                      <a:solidFill>
+                        <a:srgbClr val="44546A">
+                          <a:alpha val="25098"/>
+                        </a:srgbClr>
+                      </a:solidFill>
+                      <a:prstDash val="solid"/>
+                      <a:round/>
+                      <a:headEnd type="none" w="med" len="med"/>
+                      <a:tailEnd type="none" w="med" len="med"/>
+                    </a:lnL>
+                    <a:lnR w="12700" cap="flat" cmpd="sng" algn="ctr">
+                      <a:solidFill>
+                        <a:srgbClr val="44546A">
+                          <a:alpha val="25098"/>
+                        </a:srgbClr>
+                      </a:solidFill>
+                      <a:prstDash val="solid"/>
+                      <a:round/>
+                      <a:headEnd type="none" w="med" len="med"/>
+                      <a:tailEnd type="none" w="med" len="med"/>
+                    </a:lnR>
+                    <a:lnT w="12700" cap="flat" cmpd="sng" algn="ctr">
+                      <a:solidFill>
+                        <a:srgbClr val="44546A">
+                          <a:alpha val="25098"/>
+                        </a:srgbClr>
+                      </a:solidFill>
+                      <a:prstDash val="solid"/>
+                      <a:round/>
+                      <a:headEnd type="none" w="med" len="med"/>
+                      <a:tailEnd type="none" w="med" len="med"/>
+                    </a:lnT>
+                    <a:lnB w="12700" cap="flat" cmpd="sng" algn="ctr">
+                      <a:solidFill>
+                        <a:srgbClr val="44546A">
+                          <a:alpha val="25098"/>
+                        </a:srgbClr>
+                      </a:solidFill>
+                      <a:prstDash val="solid"/>
+                      <a:round/>
+                      <a:headEnd type="none" w="med" len="med"/>
+                      <a:tailEnd type="none" w="med" len="med"/>
+                    </a:lnB>
+                    <a:solidFill>
+                      <a:schemeClr val="accent1"/>
+                    </a:solidFill>
+                  </a:tcPr>
+                </a:tc>
+                <a:tc>
+                  <a:txBody>
+                    <a:bodyPr/>
+                    <a:lstStyle/>
+                    <a:p>
+                      <a:pPr algn="ctr"/>
+                      <a:endParaRPr lang="en-US" sz="800" dirty="0">
+                        <a:latin typeface="3270-MEDIUM" panose="02000609000000000000" pitchFamily="49" charset="77"/>
+                        <a:ea typeface="3270-MEDIUM" panose="02000609000000000000" pitchFamily="49" charset="77"/>
+                      </a:endParaRPr>
+                    </a:p>
+                  </a:txBody>
+                  <a:tcPr anchor="ctr">
+                    <a:lnL w="12700" cap="flat" cmpd="sng" algn="ctr">
+                      <a:solidFill>
+                        <a:srgbClr val="44546A">
+                          <a:alpha val="25098"/>
+                        </a:srgbClr>
+                      </a:solidFill>
+                      <a:prstDash val="solid"/>
+                      <a:round/>
+                      <a:headEnd type="none" w="med" len="med"/>
+                      <a:tailEnd type="none" w="med" len="med"/>
+                    </a:lnL>
+                    <a:lnR w="12700" cap="flat" cmpd="sng" algn="ctr">
+                      <a:solidFill>
+                        <a:srgbClr val="44546A">
+                          <a:alpha val="25098"/>
+                        </a:srgbClr>
+                      </a:solidFill>
+                      <a:prstDash val="solid"/>
+                      <a:round/>
+                      <a:headEnd type="none" w="med" len="med"/>
+                      <a:tailEnd type="none" w="med" len="med"/>
+                    </a:lnR>
+                    <a:lnT w="12700" cap="flat" cmpd="sng" algn="ctr">
+                      <a:solidFill>
+                        <a:srgbClr val="44546A">
+                          <a:alpha val="25098"/>
+                        </a:srgbClr>
+                      </a:solidFill>
+                      <a:prstDash val="solid"/>
+                      <a:round/>
+                      <a:headEnd type="none" w="med" len="med"/>
+                      <a:tailEnd type="none" w="med" len="med"/>
+                    </a:lnT>
+                    <a:lnB w="12700" cap="flat" cmpd="sng" algn="ctr">
+                      <a:solidFill>
+                        <a:srgbClr val="44546A">
+                          <a:alpha val="25098"/>
+                        </a:srgbClr>
+                      </a:solidFill>
+                      <a:prstDash val="solid"/>
+                      <a:round/>
+                      <a:headEnd type="none" w="med" len="med"/>
+                      <a:tailEnd type="none" w="med" len="med"/>
+                    </a:lnB>
+                    <a:solidFill>
                       <a:schemeClr val="accent6"/>
+                    </a:solidFill>
+                  </a:tcPr>
+                </a:tc>
+                <a:tc>
+                  <a:txBody>
+                    <a:bodyPr/>
+                    <a:lstStyle/>
+                    <a:p>
+                      <a:pPr algn="ctr"/>
+                      <a:endParaRPr lang="en-US" sz="800" dirty="0">
+                        <a:latin typeface="3270-MEDIUM" panose="02000609000000000000" pitchFamily="49" charset="77"/>
+                        <a:ea typeface="3270-MEDIUM" panose="02000609000000000000" pitchFamily="49" charset="77"/>
+                      </a:endParaRPr>
+                    </a:p>
+                  </a:txBody>
+                  <a:tcPr anchor="ctr">
+                    <a:lnL w="12700" cap="flat" cmpd="sng" algn="ctr">
+                      <a:solidFill>
+                        <a:srgbClr val="44546A">
+                          <a:alpha val="25098"/>
+                        </a:srgbClr>
+                      </a:solidFill>
+                      <a:prstDash val="solid"/>
+                      <a:round/>
+                      <a:headEnd type="none" w="med" len="med"/>
+                      <a:tailEnd type="none" w="med" len="med"/>
+                    </a:lnL>
+                    <a:lnR w="12700" cap="flat" cmpd="sng" algn="ctr">
+                      <a:solidFill>
+                        <a:srgbClr val="44546A">
+                          <a:alpha val="25098"/>
+                        </a:srgbClr>
+                      </a:solidFill>
+                      <a:prstDash val="solid"/>
+                      <a:round/>
+                      <a:headEnd type="none" w="med" len="med"/>
+                      <a:tailEnd type="none" w="med" len="med"/>
+                    </a:lnR>
+                    <a:lnT w="12700" cap="flat" cmpd="sng" algn="ctr">
+                      <a:solidFill>
+                        <a:srgbClr val="44546A">
+                          <a:alpha val="25098"/>
+                        </a:srgbClr>
+                      </a:solidFill>
+                      <a:prstDash val="solid"/>
+                      <a:round/>
+                      <a:headEnd type="none" w="med" len="med"/>
+                      <a:tailEnd type="none" w="med" len="med"/>
+                    </a:lnT>
+                    <a:lnB w="12700" cap="flat" cmpd="sng" algn="ctr">
+                      <a:solidFill>
+                        <a:srgbClr val="44546A">
+                          <a:alpha val="25098"/>
+                        </a:srgbClr>
+                      </a:solidFill>
+                      <a:prstDash val="solid"/>
+                      <a:round/>
+                      <a:headEnd type="none" w="med" len="med"/>
+                      <a:tailEnd type="none" w="med" len="med"/>
+                    </a:lnB>
+                    <a:solidFill>
+                      <a:schemeClr val="accent6"/>
+                    </a:solidFill>
+                  </a:tcPr>
+                </a:tc>
+                <a:extLst>
+                  <a:ext uri="{0D108BD9-81ED-4DB2-BD59-A6C34878D82A}">
+                    <a16:rowId xmlns:a16="http://schemas.microsoft.com/office/drawing/2014/main" val="2669731542"/>
+                  </a:ext>
+                </a:extLst>
+              </a:tr>
+              <a:tr h="503578">
+                <a:tc>
+                  <a:txBody>
+                    <a:bodyPr/>
+                    <a:lstStyle/>
+                    <a:p>
+                      <a:pPr algn="ctr"/>
+                      <a:r>
+                        <a:rPr lang="en-US" sz="800" dirty="0">
+                          <a:solidFill>
+                            <a:schemeClr val="tx2">
+                              <a:lumMod val="20000"/>
+                              <a:lumOff val="80000"/>
+                            </a:schemeClr>
+                          </a:solidFill>
+                          <a:latin typeface="3270-MEDIUM" panose="02000609000000000000" pitchFamily="49" charset="77"/>
+                          <a:ea typeface="3270-MEDIUM" panose="02000609000000000000" pitchFamily="49" charset="77"/>
+                        </a:rPr>
+                        <a:t>1</a:t>
+                      </a:r>
+                    </a:p>
+                  </a:txBody>
+                  <a:tcPr anchor="ctr">
+                    <a:lnL w="12700" cmpd="sng">
+                      <a:noFill/>
+                    </a:lnL>
+                    <a:lnR w="12700" cap="flat" cmpd="sng" algn="ctr">
+                      <a:solidFill>
+                        <a:srgbClr val="44546A">
+                          <a:alpha val="25098"/>
+                        </a:srgbClr>
+                      </a:solidFill>
+                      <a:prstDash val="solid"/>
+                      <a:round/>
+                      <a:headEnd type="none" w="med" len="med"/>
+                      <a:tailEnd type="none" w="med" len="med"/>
+                    </a:lnR>
+                    <a:lnT w="12700" cap="flat" cmpd="sng" algn="ctr">
+                      <a:solidFill>
+                        <a:srgbClr val="44546A">
+                          <a:alpha val="25098"/>
+                        </a:srgbClr>
+                      </a:solidFill>
+                      <a:prstDash val="solid"/>
+                      <a:round/>
+                      <a:headEnd type="none" w="med" len="med"/>
+                      <a:tailEnd type="none" w="med" len="med"/>
+                    </a:lnT>
+                    <a:lnB w="12700" cap="flat" cmpd="sng" algn="ctr">
+                      <a:solidFill>
+                        <a:srgbClr val="44546A">
+                          <a:alpha val="25098"/>
+                        </a:srgbClr>
+                      </a:solidFill>
+                      <a:prstDash val="solid"/>
+                      <a:round/>
+                      <a:headEnd type="none" w="med" len="med"/>
+                      <a:tailEnd type="none" w="med" len="med"/>
+                    </a:lnB>
+                    <a:lnTlToBr w="12700" cmpd="sng">
+                      <a:noFill/>
+                      <a:prstDash val="solid"/>
+                    </a:lnTlToBr>
+                    <a:lnBlToTr w="12700" cmpd="sng">
+                      <a:noFill/>
+                      <a:prstDash val="solid"/>
+                    </a:lnBlToTr>
+                    <a:noFill/>
+                  </a:tcPr>
+                </a:tc>
+                <a:tc>
+                  <a:txBody>
+                    <a:bodyPr/>
+                    <a:lstStyle/>
+                    <a:p>
+                      <a:pPr algn="ctr"/>
+                      <a:endParaRPr lang="en-US" sz="800" dirty="0">
+                        <a:latin typeface="3270-MEDIUM" panose="02000609000000000000" pitchFamily="49" charset="77"/>
+                        <a:ea typeface="3270-MEDIUM" panose="02000609000000000000" pitchFamily="49" charset="77"/>
+                      </a:endParaRPr>
+                    </a:p>
+                  </a:txBody>
+                  <a:tcPr anchor="ctr">
+                    <a:lnL w="12700" cap="flat" cmpd="sng" algn="ctr">
+                      <a:solidFill>
+                        <a:srgbClr val="44546A">
+                          <a:alpha val="25098"/>
+                        </a:srgbClr>
+                      </a:solidFill>
+                      <a:prstDash val="solid"/>
+                      <a:round/>
+                      <a:headEnd type="none" w="med" len="med"/>
+                      <a:tailEnd type="none" w="med" len="med"/>
+                    </a:lnL>
+                    <a:lnR w="12700" cap="flat" cmpd="sng" algn="ctr">
+                      <a:solidFill>
+                        <a:srgbClr val="44546A">
+                          <a:alpha val="25098"/>
+                        </a:srgbClr>
+                      </a:solidFill>
+                      <a:prstDash val="solid"/>
+                      <a:round/>
+                      <a:headEnd type="none" w="med" len="med"/>
+                      <a:tailEnd type="none" w="med" len="med"/>
+                    </a:lnR>
+                    <a:lnT w="12700" cap="flat" cmpd="sng" algn="ctr">
+                      <a:solidFill>
+                        <a:srgbClr val="44546A">
+                          <a:alpha val="25098"/>
+                        </a:srgbClr>
+                      </a:solidFill>
+                      <a:prstDash val="solid"/>
+                      <a:round/>
+                      <a:headEnd type="none" w="med" len="med"/>
+                      <a:tailEnd type="none" w="med" len="med"/>
+                    </a:lnT>
+                    <a:lnB w="12700" cap="flat" cmpd="sng" algn="ctr">
+                      <a:solidFill>
+                        <a:srgbClr val="44546A">
+                          <a:alpha val="25098"/>
+                        </a:srgbClr>
+                      </a:solidFill>
+                      <a:prstDash val="solid"/>
+                      <a:round/>
+                      <a:headEnd type="none" w="med" len="med"/>
+                      <a:tailEnd type="none" w="med" len="med"/>
+                    </a:lnB>
+                    <a:solidFill>
+                      <a:srgbClr val="F8B373"/>
+                    </a:solidFill>
+                  </a:tcPr>
+                </a:tc>
+                <a:tc>
+                  <a:txBody>
+                    <a:bodyPr/>
+                    <a:lstStyle/>
+                    <a:p>
+                      <a:pPr algn="ctr"/>
+                      <a:endParaRPr lang="en-US" sz="800" dirty="0">
+                        <a:latin typeface="3270-MEDIUM" panose="02000609000000000000" pitchFamily="49" charset="77"/>
+                        <a:ea typeface="3270-MEDIUM" panose="02000609000000000000" pitchFamily="49" charset="77"/>
+                      </a:endParaRPr>
+                    </a:p>
+                  </a:txBody>
+                  <a:tcPr anchor="ctr">
+                    <a:lnL w="12700" cap="flat" cmpd="sng" algn="ctr">
+                      <a:solidFill>
+                        <a:srgbClr val="44546A">
+                          <a:alpha val="25098"/>
+                        </a:srgbClr>
+                      </a:solidFill>
+                      <a:prstDash val="solid"/>
+                      <a:round/>
+                      <a:headEnd type="none" w="med" len="med"/>
+                      <a:tailEnd type="none" w="med" len="med"/>
+                    </a:lnL>
+                    <a:lnR w="12700" cap="flat" cmpd="sng" algn="ctr">
+                      <a:solidFill>
+                        <a:srgbClr val="44546A">
+                          <a:alpha val="25098"/>
+                        </a:srgbClr>
+                      </a:solidFill>
+                      <a:prstDash val="solid"/>
+                      <a:round/>
+                      <a:headEnd type="none" w="med" len="med"/>
+                      <a:tailEnd type="none" w="med" len="med"/>
+                    </a:lnR>
+                    <a:lnT w="12700" cap="flat" cmpd="sng" algn="ctr">
+                      <a:solidFill>
+                        <a:srgbClr val="44546A">
+                          <a:alpha val="25098"/>
+                        </a:srgbClr>
+                      </a:solidFill>
+                      <a:prstDash val="solid"/>
+                      <a:round/>
+                      <a:headEnd type="none" w="med" len="med"/>
+                      <a:tailEnd type="none" w="med" len="med"/>
+                    </a:lnT>
+                    <a:lnB w="12700" cap="flat" cmpd="sng" algn="ctr">
+                      <a:solidFill>
+                        <a:srgbClr val="44546A">
+                          <a:alpha val="25098"/>
+                        </a:srgbClr>
+                      </a:solidFill>
+                      <a:prstDash val="solid"/>
+                      <a:round/>
+                      <a:headEnd type="none" w="med" len="med"/>
+                      <a:tailEnd type="none" w="med" len="med"/>
+                    </a:lnB>
+                    <a:solidFill>
+                      <a:srgbClr val="F8B373"/>
+                    </a:solidFill>
+                  </a:tcPr>
+                </a:tc>
+                <a:tc>
+                  <a:txBody>
+                    <a:bodyPr/>
+                    <a:lstStyle/>
+                    <a:p>
+                      <a:pPr algn="ctr"/>
+                      <a:endParaRPr lang="en-US" sz="800" dirty="0">
+                        <a:latin typeface="3270-MEDIUM" panose="02000609000000000000" pitchFamily="49" charset="77"/>
+                        <a:ea typeface="3270-MEDIUM" panose="02000609000000000000" pitchFamily="49" charset="77"/>
+                      </a:endParaRPr>
+                    </a:p>
+                  </a:txBody>
+                  <a:tcPr anchor="ctr">
+                    <a:lnL w="12700" cap="flat" cmpd="sng" algn="ctr">
+                      <a:solidFill>
+                        <a:srgbClr val="44546A">
+                          <a:alpha val="25098"/>
+                        </a:srgbClr>
+                      </a:solidFill>
+                      <a:prstDash val="solid"/>
+                      <a:round/>
+                      <a:headEnd type="none" w="med" len="med"/>
+                      <a:tailEnd type="none" w="med" len="med"/>
+                    </a:lnL>
+                    <a:lnR w="12700" cap="flat" cmpd="sng" algn="ctr">
+                      <a:solidFill>
+                        <a:srgbClr val="44546A">
+                          <a:alpha val="25098"/>
+                        </a:srgbClr>
+                      </a:solidFill>
+                      <a:prstDash val="solid"/>
+                      <a:round/>
+                      <a:headEnd type="none" w="med" len="med"/>
+                      <a:tailEnd type="none" w="med" len="med"/>
+                    </a:lnR>
+                    <a:lnT w="12700" cap="flat" cmpd="sng" algn="ctr">
+                      <a:solidFill>
+                        <a:srgbClr val="44546A">
+                          <a:alpha val="25098"/>
+                        </a:srgbClr>
+                      </a:solidFill>
+                      <a:prstDash val="solid"/>
+                      <a:round/>
+                      <a:headEnd type="none" w="med" len="med"/>
+                      <a:tailEnd type="none" w="med" len="med"/>
+                    </a:lnT>
+                    <a:lnB w="12700" cap="flat" cmpd="sng" algn="ctr">
+                      <a:solidFill>
+                        <a:srgbClr val="44546A">
+                          <a:alpha val="25098"/>
+                        </a:srgbClr>
+                      </a:solidFill>
+                      <a:prstDash val="solid"/>
+                      <a:round/>
+                      <a:headEnd type="none" w="med" len="med"/>
+                      <a:tailEnd type="none" w="med" len="med"/>
+                    </a:lnB>
+                    <a:solidFill>
+                      <a:srgbClr val="F8B373"/>
                     </a:solidFill>
                   </a:tcPr>
                 </a:tc>
@@ -6109,7 +5985,7 @@
                       <a:tailEnd type="none" w="med" len="med"/>
                     </a:lnB>
                     <a:solidFill>
-                      <a:schemeClr val="accent6"/>
+                      <a:srgbClr val="F8B373"/>
                     </a:solidFill>
                   </a:tcPr>
                 </a:tc>
@@ -6118,8 +5994,24 @@
                     <a:bodyPr/>
                     <a:lstStyle/>
                     <a:p>
-                      <a:pPr algn="ctr"/>
-                      <a:endParaRPr lang="en-US" sz="800">
+                      <a:pPr marL="0" marR="0" lvl="0" indent="0" algn="ctr" defTabSz="914400" rtl="0" eaLnBrk="1" fontAlgn="auto" latinLnBrk="0" hangingPunct="1">
+                        <a:lnSpc>
+                          <a:spcPct val="100000"/>
+                        </a:lnSpc>
+                        <a:spcBef>
+                          <a:spcPts val="0"/>
+                        </a:spcBef>
+                        <a:spcAft>
+                          <a:spcPts val="0"/>
+                        </a:spcAft>
+                        <a:buClrTx/>
+                        <a:buSzTx/>
+                        <a:buFontTx/>
+                        <a:buNone/>
+                        <a:tabLst/>
+                        <a:defRPr/>
+                      </a:pPr>
+                      <a:endParaRPr lang="en-US" sz="800" dirty="0">
                         <a:latin typeface="3270-MEDIUM" panose="02000609000000000000" pitchFamily="49" charset="77"/>
                         <a:ea typeface="3270-MEDIUM" panose="02000609000000000000" pitchFamily="49" charset="77"/>
                       </a:endParaRPr>
@@ -6171,7 +6063,144 @@
                       <a:tailEnd type="none" w="med" len="med"/>
                     </a:lnB>
                     <a:solidFill>
-                      <a:schemeClr val="accent6"/>
+                      <a:srgbClr val="F8B373"/>
+                    </a:solidFill>
+                  </a:tcPr>
+                </a:tc>
+                <a:tc>
+                  <a:txBody>
+                    <a:bodyPr/>
+                    <a:lstStyle/>
+                    <a:p>
+                      <a:pPr algn="ctr"/>
+                      <a:endParaRPr lang="en-US" sz="800" dirty="0">
+                        <a:latin typeface="3270-MEDIUM" panose="02000609000000000000" pitchFamily="49" charset="77"/>
+                        <a:ea typeface="3270-MEDIUM" panose="02000609000000000000" pitchFamily="49" charset="77"/>
+                      </a:endParaRPr>
+                    </a:p>
+                  </a:txBody>
+                  <a:tcPr anchor="ctr">
+                    <a:lnL w="12700" cap="flat" cmpd="sng" algn="ctr">
+                      <a:solidFill>
+                        <a:srgbClr val="44546A">
+                          <a:alpha val="25098"/>
+                        </a:srgbClr>
+                      </a:solidFill>
+                      <a:prstDash val="solid"/>
+                      <a:round/>
+                      <a:headEnd type="none" w="med" len="med"/>
+                      <a:tailEnd type="none" w="med" len="med"/>
+                    </a:lnL>
+                    <a:lnR w="12700" cap="flat" cmpd="sng" algn="ctr">
+                      <a:solidFill>
+                        <a:srgbClr val="44546A">
+                          <a:alpha val="25098"/>
+                        </a:srgbClr>
+                      </a:solidFill>
+                      <a:prstDash val="solid"/>
+                      <a:round/>
+                      <a:headEnd type="none" w="med" len="med"/>
+                      <a:tailEnd type="none" w="med" len="med"/>
+                    </a:lnR>
+                    <a:lnT w="12700" cap="flat" cmpd="sng" algn="ctr">
+                      <a:solidFill>
+                        <a:srgbClr val="44546A">
+                          <a:alpha val="25098"/>
+                        </a:srgbClr>
+                      </a:solidFill>
+                      <a:prstDash val="solid"/>
+                      <a:round/>
+                      <a:headEnd type="none" w="med" len="med"/>
+                      <a:tailEnd type="none" w="med" len="med"/>
+                    </a:lnT>
+                    <a:lnB w="12700" cap="flat" cmpd="sng" algn="ctr">
+                      <a:solidFill>
+                        <a:srgbClr val="44546A">
+                          <a:alpha val="25098"/>
+                        </a:srgbClr>
+                      </a:solidFill>
+                      <a:prstDash val="solid"/>
+                      <a:round/>
+                      <a:headEnd type="none" w="med" len="med"/>
+                      <a:tailEnd type="none" w="med" len="med"/>
+                    </a:lnB>
+                    <a:solidFill>
+                      <a:srgbClr val="F8B373"/>
+                    </a:solidFill>
+                  </a:tcPr>
+                </a:tc>
+                <a:tc>
+                  <a:txBody>
+                    <a:bodyPr/>
+                    <a:lstStyle/>
+                    <a:p>
+                      <a:pPr algn="ctr"/>
+                      <a:r>
+                        <a:rPr lang="en-US" sz="800" dirty="0">
+                          <a:latin typeface="3270-MEDIUM" panose="02000609000000000000" pitchFamily="49" charset="77"/>
+                          <a:ea typeface="3270-MEDIUM" panose="02000609000000000000" pitchFamily="49" charset="77"/>
+                        </a:rPr>
+                        <a:t>Power Plant</a:t>
+                      </a:r>
+                    </a:p>
+                    <a:p>
+                      <a:pPr algn="ctr"/>
+                      <a:r>
+                        <a:rPr lang="en-US" sz="800" dirty="0">
+                          <a:latin typeface="3270-MEDIUM" panose="02000609000000000000" pitchFamily="49" charset="77"/>
+                          <a:ea typeface="3270-MEDIUM" panose="02000609000000000000" pitchFamily="49" charset="77"/>
+                        </a:rPr>
+                        <a:t>0</a:t>
+                      </a:r>
+                    </a:p>
+                  </a:txBody>
+                  <a:tcPr anchor="ctr">
+                    <a:lnL w="12700" cap="flat" cmpd="sng" algn="ctr">
+                      <a:solidFill>
+                        <a:srgbClr val="44546A">
+                          <a:alpha val="25098"/>
+                        </a:srgbClr>
+                      </a:solidFill>
+                      <a:prstDash val="solid"/>
+                      <a:round/>
+                      <a:headEnd type="none" w="med" len="med"/>
+                      <a:tailEnd type="none" w="med" len="med"/>
+                    </a:lnL>
+                    <a:lnR w="12700" cap="flat" cmpd="sng" algn="ctr">
+                      <a:solidFill>
+                        <a:srgbClr val="44546A">
+                          <a:alpha val="25098"/>
+                        </a:srgbClr>
+                      </a:solidFill>
+                      <a:prstDash val="solid"/>
+                      <a:round/>
+                      <a:headEnd type="none" w="med" len="med"/>
+                      <a:tailEnd type="none" w="med" len="med"/>
+                    </a:lnR>
+                    <a:lnT w="12700" cap="flat" cmpd="sng" algn="ctr">
+                      <a:solidFill>
+                        <a:srgbClr val="44546A">
+                          <a:alpha val="25098"/>
+                        </a:srgbClr>
+                      </a:solidFill>
+                      <a:prstDash val="solid"/>
+                      <a:round/>
+                      <a:headEnd type="none" w="med" len="med"/>
+                      <a:tailEnd type="none" w="med" len="med"/>
+                    </a:lnT>
+                    <a:lnB w="12700" cap="flat" cmpd="sng" algn="ctr">
+                      <a:solidFill>
+                        <a:srgbClr val="44546A">
+                          <a:alpha val="25098"/>
+                        </a:srgbClr>
+                      </a:solidFill>
+                      <a:prstDash val="solid"/>
+                      <a:round/>
+                      <a:headEnd type="none" w="med" len="med"/>
+                      <a:tailEnd type="none" w="med" len="med"/>
+                    </a:lnB>
+                    <a:solidFill>
+                      <a:srgbClr val="F8B373"/>
                     </a:solidFill>
                   </a:tcPr>
                 </a:tc>
@@ -6567,68 +6596,6 @@
                     <a:lstStyle/>
                     <a:p>
                       <a:pPr algn="ctr"/>
-                      <a:endParaRPr lang="en-US" sz="800" dirty="0">
-                        <a:latin typeface="3270-MEDIUM" panose="02000609000000000000" pitchFamily="49" charset="77"/>
-                        <a:ea typeface="3270-MEDIUM" panose="02000609000000000000" pitchFamily="49" charset="77"/>
-                      </a:endParaRPr>
-                    </a:p>
-                  </a:txBody>
-                  <a:tcPr anchor="ctr">
-                    <a:lnL w="12700" cap="flat" cmpd="sng" algn="ctr">
-                      <a:solidFill>
-                        <a:srgbClr val="44546A">
-                          <a:alpha val="25098"/>
-                        </a:srgbClr>
-                      </a:solidFill>
-                      <a:prstDash val="solid"/>
-                      <a:round/>
-                      <a:headEnd type="none" w="med" len="med"/>
-                      <a:tailEnd type="none" w="med" len="med"/>
-                    </a:lnL>
-                    <a:lnR w="12700" cap="flat" cmpd="sng" algn="ctr">
-                      <a:solidFill>
-                        <a:srgbClr val="44546A">
-                          <a:alpha val="25098"/>
-                        </a:srgbClr>
-                      </a:solidFill>
-                      <a:prstDash val="solid"/>
-                      <a:round/>
-                      <a:headEnd type="none" w="med" len="med"/>
-                      <a:tailEnd type="none" w="med" len="med"/>
-                    </a:lnR>
-                    <a:lnT w="12700" cap="flat" cmpd="sng" algn="ctr">
-                      <a:solidFill>
-                        <a:srgbClr val="44546A">
-                          <a:alpha val="25098"/>
-                        </a:srgbClr>
-                      </a:solidFill>
-                      <a:prstDash val="solid"/>
-                      <a:round/>
-                      <a:headEnd type="none" w="med" len="med"/>
-                      <a:tailEnd type="none" w="med" len="med"/>
-                    </a:lnT>
-                    <a:lnB w="12700" cap="flat" cmpd="sng" algn="ctr">
-                      <a:solidFill>
-                        <a:srgbClr val="44546A">
-                          <a:alpha val="25098"/>
-                        </a:srgbClr>
-                      </a:solidFill>
-                      <a:prstDash val="solid"/>
-                      <a:round/>
-                      <a:headEnd type="none" w="med" len="med"/>
-                      <a:tailEnd type="none" w="med" len="med"/>
-                    </a:lnB>
-                    <a:solidFill>
-                      <a:schemeClr val="accent6"/>
-                    </a:solidFill>
-                  </a:tcPr>
-                </a:tc>
-                <a:tc>
-                  <a:txBody>
-                    <a:bodyPr/>
-                    <a:lstStyle/>
-                    <a:p>
-                      <a:pPr algn="ctr"/>
                       <a:r>
                         <a:rPr lang="en-US" sz="800" dirty="0">
                           <a:latin typeface="3270-MEDIUM" panose="02000609000000000000" pitchFamily="49" charset="77"/>
@@ -6704,7 +6671,7 @@
                     <a:lstStyle/>
                     <a:p>
                       <a:pPr algn="ctr"/>
-                      <a:endParaRPr lang="en-US" sz="800">
+                      <a:endParaRPr lang="en-US" sz="800" dirty="0">
                         <a:latin typeface="3270-MEDIUM" panose="02000609000000000000" pitchFamily="49" charset="77"/>
                         <a:ea typeface="3270-MEDIUM" panose="02000609000000000000" pitchFamily="49" charset="77"/>
                       </a:endParaRPr>
@@ -6828,6 +6795,68 @@
                     <a:lstStyle/>
                     <a:p>
                       <a:pPr algn="ctr"/>
+                      <a:endParaRPr lang="en-US" sz="800">
+                        <a:latin typeface="3270-MEDIUM" panose="02000609000000000000" pitchFamily="49" charset="77"/>
+                        <a:ea typeface="3270-MEDIUM" panose="02000609000000000000" pitchFamily="49" charset="77"/>
+                      </a:endParaRPr>
+                    </a:p>
+                  </a:txBody>
+                  <a:tcPr anchor="ctr">
+                    <a:lnL w="12700" cap="flat" cmpd="sng" algn="ctr">
+                      <a:solidFill>
+                        <a:srgbClr val="44546A">
+                          <a:alpha val="25098"/>
+                        </a:srgbClr>
+                      </a:solidFill>
+                      <a:prstDash val="solid"/>
+                      <a:round/>
+                      <a:headEnd type="none" w="med" len="med"/>
+                      <a:tailEnd type="none" w="med" len="med"/>
+                    </a:lnL>
+                    <a:lnR w="12700" cap="flat" cmpd="sng" algn="ctr">
+                      <a:solidFill>
+                        <a:srgbClr val="44546A">
+                          <a:alpha val="25098"/>
+                        </a:srgbClr>
+                      </a:solidFill>
+                      <a:prstDash val="solid"/>
+                      <a:round/>
+                      <a:headEnd type="none" w="med" len="med"/>
+                      <a:tailEnd type="none" w="med" len="med"/>
+                    </a:lnR>
+                    <a:lnT w="12700" cap="flat" cmpd="sng" algn="ctr">
+                      <a:solidFill>
+                        <a:srgbClr val="44546A">
+                          <a:alpha val="25098"/>
+                        </a:srgbClr>
+                      </a:solidFill>
+                      <a:prstDash val="solid"/>
+                      <a:round/>
+                      <a:headEnd type="none" w="med" len="med"/>
+                      <a:tailEnd type="none" w="med" len="med"/>
+                    </a:lnT>
+                    <a:lnB w="12700" cap="flat" cmpd="sng" algn="ctr">
+                      <a:solidFill>
+                        <a:srgbClr val="44546A">
+                          <a:alpha val="25098"/>
+                        </a:srgbClr>
+                      </a:solidFill>
+                      <a:prstDash val="solid"/>
+                      <a:round/>
+                      <a:headEnd type="none" w="med" len="med"/>
+                      <a:tailEnd type="none" w="med" len="med"/>
+                    </a:lnB>
+                    <a:solidFill>
+                      <a:schemeClr val="accent6"/>
+                    </a:solidFill>
+                  </a:tcPr>
+                </a:tc>
+                <a:tc>
+                  <a:txBody>
+                    <a:bodyPr/>
+                    <a:lstStyle/>
+                    <a:p>
+                      <a:pPr algn="ctr"/>
                       <a:endParaRPr lang="en-US" sz="800" dirty="0">
                         <a:latin typeface="3270-MEDIUM" panose="02000609000000000000" pitchFamily="49" charset="77"/>
                         <a:ea typeface="3270-MEDIUM" panose="02000609000000000000" pitchFamily="49" charset="77"/>
@@ -6952,23 +6981,10 @@
                     <a:lstStyle/>
                     <a:p>
                       <a:pPr algn="ctr"/>
-                      <a:r>
-                        <a:rPr lang="en-US" sz="800" dirty="0">
-                          <a:latin typeface="3270-MEDIUM" panose="02000609000000000000" pitchFamily="49" charset="77"/>
-                          <a:ea typeface="3270-MEDIUM" panose="02000609000000000000" pitchFamily="49" charset="77"/>
-                        </a:rPr>
-                        <a:t>Power Plant</a:t>
-                      </a:r>
-                    </a:p>
-                    <a:p>
-                      <a:pPr algn="ctr"/>
-                      <a:r>
-                        <a:rPr lang="en-US" sz="800" dirty="0">
-                          <a:latin typeface="3270-MEDIUM" panose="02000609000000000000" pitchFamily="49" charset="77"/>
-                          <a:ea typeface="3270-MEDIUM" panose="02000609000000000000" pitchFamily="49" charset="77"/>
-                        </a:rPr>
-                        <a:t>0</a:t>
-                      </a:r>
+                      <a:endParaRPr lang="en-US" sz="800" dirty="0">
+                        <a:latin typeface="3270-MEDIUM" panose="02000609000000000000" pitchFamily="49" charset="77"/>
+                        <a:ea typeface="3270-MEDIUM" panose="02000609000000000000" pitchFamily="49" charset="77"/>
+                      </a:endParaRPr>
                     </a:p>
                   </a:txBody>
                   <a:tcPr anchor="ctr">
@@ -7475,7 +7491,7 @@
                     <a:lstStyle/>
                     <a:p>
                       <a:pPr algn="ctr"/>
-                      <a:endParaRPr lang="en-US" sz="800">
+                      <a:endParaRPr lang="en-US" sz="800" dirty="0">
                         <a:latin typeface="3270-MEDIUM" panose="02000609000000000000" pitchFamily="49" charset="77"/>
                         <a:ea typeface="3270-MEDIUM" panose="02000609000000000000" pitchFamily="49" charset="77"/>
                       </a:endParaRPr>
@@ -7537,23 +7553,10 @@
                     <a:lstStyle/>
                     <a:p>
                       <a:pPr algn="ctr"/>
-                      <a:r>
-                        <a:rPr lang="en-US" sz="800" dirty="0">
-                          <a:latin typeface="3270-MEDIUM" panose="02000609000000000000" pitchFamily="49" charset="77"/>
-                          <a:ea typeface="3270-MEDIUM" panose="02000609000000000000" pitchFamily="49" charset="77"/>
-                        </a:rPr>
-                        <a:t>Textile Mill</a:t>
-                      </a:r>
-                    </a:p>
-                    <a:p>
-                      <a:pPr algn="ctr"/>
-                      <a:r>
-                        <a:rPr lang="en-US" sz="800" dirty="0">
-                          <a:latin typeface="3270-MEDIUM" panose="02000609000000000000" pitchFamily="49" charset="77"/>
-                          <a:ea typeface="3270-MEDIUM" panose="02000609000000000000" pitchFamily="49" charset="77"/>
-                        </a:rPr>
-                        <a:t>0</a:t>
-                      </a:r>
+                      <a:endParaRPr lang="en-US" sz="800" dirty="0">
+                        <a:latin typeface="3270-MEDIUM" panose="02000609000000000000" pitchFamily="49" charset="77"/>
+                        <a:ea typeface="3270-MEDIUM" panose="02000609000000000000" pitchFamily="49" charset="77"/>
+                      </a:endParaRPr>
                     </a:p>
                   </a:txBody>
                   <a:tcPr anchor="ctr">
@@ -8336,10 +8339,23 @@
                     <a:lstStyle/>
                     <a:p>
                       <a:pPr algn="ctr"/>
-                      <a:endParaRPr lang="en-US" sz="800" dirty="0">
-                        <a:latin typeface="3270-MEDIUM" panose="02000609000000000000" pitchFamily="49" charset="77"/>
-                        <a:ea typeface="3270-MEDIUM" panose="02000609000000000000" pitchFamily="49" charset="77"/>
-                      </a:endParaRPr>
+                      <a:r>
+                        <a:rPr lang="en-US" sz="800" dirty="0">
+                          <a:latin typeface="3270-MEDIUM" panose="02000609000000000000" pitchFamily="49" charset="77"/>
+                          <a:ea typeface="3270-MEDIUM" panose="02000609000000000000" pitchFamily="49" charset="77"/>
+                        </a:rPr>
+                        <a:t>Textile Mill</a:t>
+                      </a:r>
+                    </a:p>
+                    <a:p>
+                      <a:pPr algn="ctr"/>
+                      <a:r>
+                        <a:rPr lang="en-US" sz="800" dirty="0">
+                          <a:latin typeface="3270-MEDIUM" panose="02000609000000000000" pitchFamily="49" charset="77"/>
+                          <a:ea typeface="3270-MEDIUM" panose="02000609000000000000" pitchFamily="49" charset="77"/>
+                        </a:rPr>
+                        <a:t>0</a:t>
+                      </a:r>
                     </a:p>
                   </a:txBody>
                   <a:tcPr anchor="ctr">
@@ -8398,7 +8414,7 @@
                     <a:lstStyle/>
                     <a:p>
                       <a:pPr algn="ctr"/>
-                      <a:endParaRPr lang="en-US" sz="800">
+                      <a:endParaRPr lang="en-US" sz="800" dirty="0">
                         <a:latin typeface="3270-MEDIUM" panose="02000609000000000000" pitchFamily="49" charset="77"/>
                         <a:ea typeface="3270-MEDIUM" panose="02000609000000000000" pitchFamily="49" charset="77"/>
                       </a:endParaRPr>
@@ -9300,23 +9316,10 @@
                     <a:lstStyle/>
                     <a:p>
                       <a:pPr algn="ctr"/>
-                      <a:r>
-                        <a:rPr lang="en-US" sz="800" dirty="0">
-                          <a:latin typeface="3270-MEDIUM" panose="02000609000000000000" pitchFamily="49" charset="77"/>
-                          <a:ea typeface="3270-MEDIUM" panose="02000609000000000000" pitchFamily="49" charset="77"/>
-                        </a:rPr>
-                        <a:t>Cotton</a:t>
-                      </a:r>
-                    </a:p>
-                    <a:p>
-                      <a:pPr algn="ctr"/>
-                      <a:r>
-                        <a:rPr lang="en-US" sz="800" dirty="0">
-                          <a:latin typeface="3270-MEDIUM" panose="02000609000000000000" pitchFamily="49" charset="77"/>
-                          <a:ea typeface="3270-MEDIUM" panose="02000609000000000000" pitchFamily="49" charset="77"/>
-                        </a:rPr>
-                        <a:t>0</a:t>
-                      </a:r>
+                      <a:endParaRPr lang="en-US" sz="800" dirty="0">
+                        <a:latin typeface="3270-MEDIUM" panose="02000609000000000000" pitchFamily="49" charset="77"/>
+                        <a:ea typeface="3270-MEDIUM" panose="02000609000000000000" pitchFamily="49" charset="77"/>
+                      </a:endParaRPr>
                     </a:p>
                   </a:txBody>
                   <a:tcPr anchor="ctr">
@@ -10084,10 +10087,23 @@
                     <a:lstStyle/>
                     <a:p>
                       <a:pPr algn="ctr"/>
-                      <a:endParaRPr lang="en-US" sz="800" dirty="0">
-                        <a:latin typeface="3270-MEDIUM" panose="02000609000000000000" pitchFamily="49" charset="77"/>
-                        <a:ea typeface="3270-MEDIUM" panose="02000609000000000000" pitchFamily="49" charset="77"/>
-                      </a:endParaRPr>
+                      <a:r>
+                        <a:rPr lang="en-US" sz="800" dirty="0">
+                          <a:latin typeface="3270-MEDIUM" panose="02000609000000000000" pitchFamily="49" charset="77"/>
+                          <a:ea typeface="3270-MEDIUM" panose="02000609000000000000" pitchFamily="49" charset="77"/>
+                        </a:rPr>
+                        <a:t>Cotton</a:t>
+                      </a:r>
+                    </a:p>
+                    <a:p>
+                      <a:pPr algn="ctr"/>
+                      <a:r>
+                        <a:rPr lang="en-US" sz="800" dirty="0">
+                          <a:latin typeface="3270-MEDIUM" panose="02000609000000000000" pitchFamily="49" charset="77"/>
+                          <a:ea typeface="3270-MEDIUM" panose="02000609000000000000" pitchFamily="49" charset="77"/>
+                        </a:rPr>
+                        <a:t>0</a:t>
+                      </a:r>
                     </a:p>
                   </a:txBody>
                   <a:tcPr anchor="ctr">
@@ -11619,10 +11635,23 @@
                     <a:lstStyle/>
                     <a:p>
                       <a:pPr algn="ctr"/>
-                      <a:endParaRPr lang="en-US" sz="800" dirty="0">
-                        <a:latin typeface="3270-MEDIUM" panose="02000609000000000000" pitchFamily="49" charset="77"/>
-                        <a:ea typeface="3270-MEDIUM" panose="02000609000000000000" pitchFamily="49" charset="77"/>
-                      </a:endParaRPr>
+                      <a:r>
+                        <a:rPr lang="en-US" sz="800" dirty="0">
+                          <a:latin typeface="3270-MEDIUM" panose="02000609000000000000" pitchFamily="49" charset="77"/>
+                          <a:ea typeface="3270-MEDIUM" panose="02000609000000000000" pitchFamily="49" charset="77"/>
+                        </a:rPr>
+                        <a:t>Factory</a:t>
+                      </a:r>
+                    </a:p>
+                    <a:p>
+                      <a:pPr algn="ctr"/>
+                      <a:r>
+                        <a:rPr lang="en-US" sz="800" dirty="0">
+                          <a:latin typeface="3270-MEDIUM" panose="02000609000000000000" pitchFamily="49" charset="77"/>
+                          <a:ea typeface="3270-MEDIUM" panose="02000609000000000000" pitchFamily="49" charset="77"/>
+                        </a:rPr>
+                        <a:t>0</a:t>
+                      </a:r>
                     </a:p>
                   </a:txBody>
                   <a:tcPr anchor="ctr">
@@ -12191,23 +12220,10 @@
                     <a:lstStyle/>
                     <a:p>
                       <a:pPr algn="ctr"/>
-                      <a:r>
-                        <a:rPr lang="en-US" sz="800" dirty="0">
-                          <a:latin typeface="3270-MEDIUM" panose="02000609000000000000" pitchFamily="49" charset="77"/>
-                          <a:ea typeface="3270-MEDIUM" panose="02000609000000000000" pitchFamily="49" charset="77"/>
-                        </a:rPr>
-                        <a:t>Power Plant</a:t>
-                      </a:r>
-                    </a:p>
-                    <a:p>
-                      <a:pPr algn="ctr"/>
-                      <a:r>
-                        <a:rPr lang="en-US" sz="800" dirty="0">
-                          <a:latin typeface="3270-MEDIUM" panose="02000609000000000000" pitchFamily="49" charset="77"/>
-                          <a:ea typeface="3270-MEDIUM" panose="02000609000000000000" pitchFamily="49" charset="77"/>
-                        </a:rPr>
-                        <a:t>1</a:t>
-                      </a:r>
+                      <a:endParaRPr lang="en-US" sz="800" dirty="0">
+                        <a:latin typeface="3270-MEDIUM" panose="02000609000000000000" pitchFamily="49" charset="77"/>
+                        <a:ea typeface="3270-MEDIUM" panose="02000609000000000000" pitchFamily="49" charset="77"/>
+                      </a:endParaRPr>
                     </a:p>
                   </a:txBody>
                   <a:tcPr anchor="ctr">
@@ -12328,23 +12344,10 @@
                     <a:lstStyle/>
                     <a:p>
                       <a:pPr algn="ctr"/>
-                      <a:r>
-                        <a:rPr lang="en-US" sz="800" dirty="0">
-                          <a:latin typeface="3270-MEDIUM" panose="02000609000000000000" pitchFamily="49" charset="77"/>
-                          <a:ea typeface="3270-MEDIUM" panose="02000609000000000000" pitchFamily="49" charset="77"/>
-                        </a:rPr>
-                        <a:t>Factory</a:t>
-                      </a:r>
-                    </a:p>
-                    <a:p>
-                      <a:pPr algn="ctr"/>
-                      <a:r>
-                        <a:rPr lang="en-US" sz="800" dirty="0">
-                          <a:latin typeface="3270-MEDIUM" panose="02000609000000000000" pitchFamily="49" charset="77"/>
-                          <a:ea typeface="3270-MEDIUM" panose="02000609000000000000" pitchFamily="49" charset="77"/>
-                        </a:rPr>
-                        <a:t>0</a:t>
-                      </a:r>
+                      <a:endParaRPr lang="en-US" sz="800" dirty="0">
+                        <a:latin typeface="3270-MEDIUM" panose="02000609000000000000" pitchFamily="49" charset="77"/>
+                        <a:ea typeface="3270-MEDIUM" panose="02000609000000000000" pitchFamily="49" charset="77"/>
+                      </a:endParaRPr>
                     </a:p>
                   </a:txBody>
                   <a:tcPr anchor="ctr">
@@ -12403,7 +12406,7 @@
                     <a:lstStyle/>
                     <a:p>
                       <a:pPr algn="ctr"/>
-                      <a:endParaRPr lang="en-US" sz="800">
+                      <a:endParaRPr lang="en-US" sz="800" dirty="0">
                         <a:latin typeface="3270-MEDIUM" panose="02000609000000000000" pitchFamily="49" charset="77"/>
                         <a:ea typeface="3270-MEDIUM" panose="02000609000000000000" pitchFamily="49" charset="77"/>
                       </a:endParaRPr>
@@ -13037,6 +13040,81 @@
                     <a:lstStyle/>
                     <a:p>
                       <a:pPr algn="ctr"/>
+                      <a:r>
+                        <a:rPr lang="en-US" sz="800" dirty="0">
+                          <a:latin typeface="3270-MEDIUM" panose="02000609000000000000" pitchFamily="49" charset="77"/>
+                          <a:ea typeface="3270-MEDIUM" panose="02000609000000000000" pitchFamily="49" charset="77"/>
+                        </a:rPr>
+                        <a:t>Power Plant</a:t>
+                      </a:r>
+                    </a:p>
+                    <a:p>
+                      <a:pPr algn="ctr"/>
+                      <a:r>
+                        <a:rPr lang="en-US" sz="800" dirty="0">
+                          <a:latin typeface="3270-MEDIUM" panose="02000609000000000000" pitchFamily="49" charset="77"/>
+                          <a:ea typeface="3270-MEDIUM" panose="02000609000000000000" pitchFamily="49" charset="77"/>
+                        </a:rPr>
+                        <a:t>1</a:t>
+                      </a:r>
+                    </a:p>
+                  </a:txBody>
+                  <a:tcPr anchor="ctr">
+                    <a:lnL w="12700" cap="flat" cmpd="sng" algn="ctr">
+                      <a:solidFill>
+                        <a:srgbClr val="44546A">
+                          <a:alpha val="25098"/>
+                        </a:srgbClr>
+                      </a:solidFill>
+                      <a:prstDash val="solid"/>
+                      <a:round/>
+                      <a:headEnd type="none" w="med" len="med"/>
+                      <a:tailEnd type="none" w="med" len="med"/>
+                    </a:lnL>
+                    <a:lnR w="12700" cap="flat" cmpd="sng" algn="ctr">
+                      <a:solidFill>
+                        <a:srgbClr val="44546A">
+                          <a:alpha val="25098"/>
+                        </a:srgbClr>
+                      </a:solidFill>
+                      <a:prstDash val="solid"/>
+                      <a:round/>
+                      <a:headEnd type="none" w="med" len="med"/>
+                      <a:tailEnd type="none" w="med" len="med"/>
+                    </a:lnR>
+                    <a:lnT w="12700" cap="flat" cmpd="sng" algn="ctr">
+                      <a:solidFill>
+                        <a:srgbClr val="44546A">
+                          <a:alpha val="25098"/>
+                        </a:srgbClr>
+                      </a:solidFill>
+                      <a:prstDash val="solid"/>
+                      <a:round/>
+                      <a:headEnd type="none" w="med" len="med"/>
+                      <a:tailEnd type="none" w="med" len="med"/>
+                    </a:lnT>
+                    <a:lnB w="12700" cap="flat" cmpd="sng" algn="ctr">
+                      <a:solidFill>
+                        <a:srgbClr val="44546A">
+                          <a:alpha val="25098"/>
+                        </a:srgbClr>
+                      </a:solidFill>
+                      <a:prstDash val="solid"/>
+                      <a:round/>
+                      <a:headEnd type="none" w="med" len="med"/>
+                      <a:tailEnd type="none" w="med" len="med"/>
+                    </a:lnB>
+                    <a:solidFill>
+                      <a:schemeClr val="accent6"/>
+                    </a:solidFill>
+                  </a:tcPr>
+                </a:tc>
+                <a:tc>
+                  <a:txBody>
+                    <a:bodyPr/>
+                    <a:lstStyle/>
+                    <a:p>
+                      <a:pPr algn="ctr"/>
                       <a:endParaRPr lang="en-US" sz="800" dirty="0">
                         <a:latin typeface="3270-MEDIUM" panose="02000609000000000000" pitchFamily="49" charset="77"/>
                         <a:ea typeface="3270-MEDIUM" panose="02000609000000000000" pitchFamily="49" charset="77"/>
@@ -13240,68 +13318,6 @@
                         </a:rPr>
                         <a:t>1</a:t>
                       </a:r>
-                    </a:p>
-                  </a:txBody>
-                  <a:tcPr anchor="ctr">
-                    <a:lnL w="12700" cap="flat" cmpd="sng" algn="ctr">
-                      <a:solidFill>
-                        <a:srgbClr val="44546A">
-                          <a:alpha val="25098"/>
-                        </a:srgbClr>
-                      </a:solidFill>
-                      <a:prstDash val="solid"/>
-                      <a:round/>
-                      <a:headEnd type="none" w="med" len="med"/>
-                      <a:tailEnd type="none" w="med" len="med"/>
-                    </a:lnL>
-                    <a:lnR w="12700" cap="flat" cmpd="sng" algn="ctr">
-                      <a:solidFill>
-                        <a:srgbClr val="44546A">
-                          <a:alpha val="25098"/>
-                        </a:srgbClr>
-                      </a:solidFill>
-                      <a:prstDash val="solid"/>
-                      <a:round/>
-                      <a:headEnd type="none" w="med" len="med"/>
-                      <a:tailEnd type="none" w="med" len="med"/>
-                    </a:lnR>
-                    <a:lnT w="12700" cap="flat" cmpd="sng" algn="ctr">
-                      <a:solidFill>
-                        <a:srgbClr val="44546A">
-                          <a:alpha val="25098"/>
-                        </a:srgbClr>
-                      </a:solidFill>
-                      <a:prstDash val="solid"/>
-                      <a:round/>
-                      <a:headEnd type="none" w="med" len="med"/>
-                      <a:tailEnd type="none" w="med" len="med"/>
-                    </a:lnT>
-                    <a:lnB w="12700" cap="flat" cmpd="sng" algn="ctr">
-                      <a:solidFill>
-                        <a:srgbClr val="44546A">
-                          <a:alpha val="25098"/>
-                        </a:srgbClr>
-                      </a:solidFill>
-                      <a:prstDash val="solid"/>
-                      <a:round/>
-                      <a:headEnd type="none" w="med" len="med"/>
-                      <a:tailEnd type="none" w="med" len="med"/>
-                    </a:lnB>
-                    <a:solidFill>
-                      <a:schemeClr val="accent6"/>
-                    </a:solidFill>
-                  </a:tcPr>
-                </a:tc>
-                <a:tc>
-                  <a:txBody>
-                    <a:bodyPr/>
-                    <a:lstStyle/>
-                    <a:p>
-                      <a:pPr algn="ctr"/>
-                      <a:endParaRPr lang="en-US" sz="800">
-                        <a:latin typeface="3270-MEDIUM" panose="02000609000000000000" pitchFamily="49" charset="77"/>
-                        <a:ea typeface="3270-MEDIUM" panose="02000609000000000000" pitchFamily="49" charset="77"/>
-                      </a:endParaRPr>
                     </a:p>
                   </a:txBody>
                   <a:tcPr anchor="ctr">
@@ -15050,7 +15066,7 @@
           <p:nvPr>
             <p:extLst>
               <p:ext uri="{D42A27DB-BD31-4B8C-83A1-F6EECF244321}">
-                <p14:modId xmlns:p14="http://schemas.microsoft.com/office/powerpoint/2010/main" val="559875247"/>
+                <p14:modId xmlns:p14="http://schemas.microsoft.com/office/powerpoint/2010/main" val="251717687"/>
               </p:ext>
             </p:extLst>
           </p:nvPr>
@@ -16026,7 +16042,7 @@
                           <a:ea typeface="Liberation Sans" panose="020B0604020202020204" pitchFamily="34" charset="0"/>
                           <a:cs typeface="Liberation Sans" panose="020B0604020202020204" pitchFamily="34" charset="0"/>
                         </a:rPr>
-                        <a:t>1</a:t>
+                        <a:t>0</a:t>
                       </a:r>
                     </a:p>
                   </a:txBody>
@@ -16247,7 +16263,7 @@
                           <a:ea typeface="Liberation Sans" panose="020B0604020202020204" pitchFamily="34" charset="0"/>
                           <a:cs typeface="Liberation Sans" panose="020B0604020202020204" pitchFamily="34" charset="0"/>
                         </a:rPr>
-                        <a:t>1</a:t>
+                        <a:t>0</a:t>
                       </a:r>
                     </a:p>
                   </a:txBody>
@@ -16600,7 +16616,7 @@
                           <a:ea typeface="Liberation Sans" panose="020B0604020202020204" pitchFamily="34" charset="0"/>
                           <a:cs typeface="Liberation Sans" panose="020B0604020202020204" pitchFamily="34" charset="0"/>
                         </a:rPr>
-                        <a:t>2</a:t>
+                        <a:t>1</a:t>
                       </a:r>
                     </a:p>
                   </a:txBody>
@@ -16821,7 +16837,294 @@
                           <a:ea typeface="Liberation Sans" panose="020B0604020202020204" pitchFamily="34" charset="0"/>
                           <a:cs typeface="Liberation Sans" panose="020B0604020202020204" pitchFamily="34" charset="0"/>
                         </a:rPr>
-                        <a:t>2</a:t>
+                        <a:t>0</a:t>
+                      </a:r>
+                    </a:p>
+                  </a:txBody>
+                  <a:tcPr>
+                    <a:lnL w="12700" cmpd="sng">
+                      <a:noFill/>
+                    </a:lnL>
+                    <a:lnR w="12700" cap="flat" cmpd="sng" algn="ctr">
+                      <a:solidFill>
+                        <a:srgbClr val="44546A">
+                          <a:alpha val="25098"/>
+                        </a:srgbClr>
+                      </a:solidFill>
+                      <a:prstDash val="solid"/>
+                      <a:round/>
+                      <a:headEnd type="none" w="med" len="med"/>
+                      <a:tailEnd type="none" w="med" len="med"/>
+                    </a:lnR>
+                    <a:lnT w="12700" cap="flat" cmpd="sng" algn="ctr">
+                      <a:solidFill>
+                        <a:srgbClr val="44546A">
+                          <a:alpha val="25098"/>
+                        </a:srgbClr>
+                      </a:solidFill>
+                      <a:prstDash val="solid"/>
+                      <a:round/>
+                      <a:headEnd type="none" w="med" len="med"/>
+                      <a:tailEnd type="none" w="med" len="med"/>
+                    </a:lnT>
+                    <a:lnB w="12700" cap="flat" cmpd="sng" algn="ctr">
+                      <a:solidFill>
+                        <a:srgbClr val="44546A">
+                          <a:alpha val="25098"/>
+                        </a:srgbClr>
+                      </a:solidFill>
+                      <a:prstDash val="solid"/>
+                      <a:round/>
+                      <a:headEnd type="none" w="med" len="med"/>
+                      <a:tailEnd type="none" w="med" len="med"/>
+                    </a:lnB>
+                    <a:lnTlToBr w="12700" cmpd="sng">
+                      <a:noFill/>
+                      <a:prstDash val="solid"/>
+                    </a:lnTlToBr>
+                    <a:lnBlToTr w="12700" cmpd="sng">
+                      <a:noFill/>
+                      <a:prstDash val="solid"/>
+                    </a:lnBlToTr>
+                    <a:noFill/>
+                  </a:tcPr>
+                </a:tc>
+                <a:tc>
+                  <a:txBody>
+                    <a:bodyPr/>
+                    <a:lstStyle/>
+                    <a:p>
+                      <a:r>
+                        <a:rPr lang="en-US" sz="1050" dirty="0">
+                          <a:solidFill>
+                            <a:srgbClr val="CCCCCC"/>
+                          </a:solidFill>
+                          <a:latin typeface="Liberation Sans" panose="020B0604020202020204" pitchFamily="34" charset="0"/>
+                          <a:ea typeface="Liberation Sans" panose="020B0604020202020204" pitchFamily="34" charset="0"/>
+                          <a:cs typeface="Liberation Sans" panose="020B0604020202020204" pitchFamily="34" charset="0"/>
+                        </a:rPr>
+                        <a:t>4</a:t>
+                      </a:r>
+                    </a:p>
+                  </a:txBody>
+                  <a:tcPr>
+                    <a:lnL w="12700" cap="flat" cmpd="sng" algn="ctr">
+                      <a:solidFill>
+                        <a:srgbClr val="44546A">
+                          <a:alpha val="25098"/>
+                        </a:srgbClr>
+                      </a:solidFill>
+                      <a:prstDash val="solid"/>
+                      <a:round/>
+                      <a:headEnd type="none" w="med" len="med"/>
+                      <a:tailEnd type="none" w="med" len="med"/>
+                    </a:lnL>
+                    <a:lnR w="12700" cap="flat" cmpd="sng" algn="ctr">
+                      <a:solidFill>
+                        <a:srgbClr val="44546A">
+                          <a:alpha val="25098"/>
+                        </a:srgbClr>
+                      </a:solidFill>
+                      <a:prstDash val="solid"/>
+                      <a:round/>
+                      <a:headEnd type="none" w="med" len="med"/>
+                      <a:tailEnd type="none" w="med" len="med"/>
+                    </a:lnR>
+                    <a:lnT w="12700" cap="flat" cmpd="sng" algn="ctr">
+                      <a:solidFill>
+                        <a:srgbClr val="44546A">
+                          <a:alpha val="25098"/>
+                        </a:srgbClr>
+                      </a:solidFill>
+                      <a:prstDash val="solid"/>
+                      <a:round/>
+                      <a:headEnd type="none" w="med" len="med"/>
+                      <a:tailEnd type="none" w="med" len="med"/>
+                    </a:lnT>
+                    <a:lnB w="12700" cap="flat" cmpd="sng" algn="ctr">
+                      <a:solidFill>
+                        <a:srgbClr val="44546A">
+                          <a:alpha val="25098"/>
+                        </a:srgbClr>
+                      </a:solidFill>
+                      <a:prstDash val="solid"/>
+                      <a:round/>
+                      <a:headEnd type="none" w="med" len="med"/>
+                      <a:tailEnd type="none" w="med" len="med"/>
+                    </a:lnB>
+                    <a:lnTlToBr w="12700" cmpd="sng">
+                      <a:noFill/>
+                      <a:prstDash val="solid"/>
+                    </a:lnTlToBr>
+                    <a:lnBlToTr w="12700" cmpd="sng">
+                      <a:noFill/>
+                      <a:prstDash val="solid"/>
+                    </a:lnBlToTr>
+                    <a:noFill/>
+                  </a:tcPr>
+                </a:tc>
+                <a:tc>
+                  <a:txBody>
+                    <a:bodyPr/>
+                    <a:lstStyle/>
+                    <a:p>
+                      <a:r>
+                        <a:rPr lang="en-US" sz="1050" dirty="0">
+                          <a:solidFill>
+                            <a:srgbClr val="CCCCCC"/>
+                          </a:solidFill>
+                          <a:latin typeface="Liberation Sans" panose="020B0604020202020204" pitchFamily="34" charset="0"/>
+                          <a:ea typeface="Liberation Sans" panose="020B0604020202020204" pitchFamily="34" charset="0"/>
+                          <a:cs typeface="Liberation Sans" panose="020B0604020202020204" pitchFamily="34" charset="0"/>
+                        </a:rPr>
+                        <a:t>TEXTILEMILL:0</a:t>
+                      </a:r>
+                    </a:p>
+                  </a:txBody>
+                  <a:tcPr>
+                    <a:lnL w="12700" cap="flat" cmpd="sng" algn="ctr">
+                      <a:solidFill>
+                        <a:srgbClr val="44546A">
+                          <a:alpha val="25098"/>
+                        </a:srgbClr>
+                      </a:solidFill>
+                      <a:prstDash val="solid"/>
+                      <a:round/>
+                      <a:headEnd type="none" w="med" len="med"/>
+                      <a:tailEnd type="none" w="med" len="med"/>
+                    </a:lnL>
+                    <a:lnR w="12700" cap="flat" cmpd="sng" algn="ctr">
+                      <a:solidFill>
+                        <a:srgbClr val="44546A">
+                          <a:alpha val="25098"/>
+                        </a:srgbClr>
+                      </a:solidFill>
+                      <a:prstDash val="solid"/>
+                      <a:round/>
+                      <a:headEnd type="none" w="med" len="med"/>
+                      <a:tailEnd type="none" w="med" len="med"/>
+                    </a:lnR>
+                    <a:lnT w="12700" cap="flat" cmpd="sng" algn="ctr">
+                      <a:solidFill>
+                        <a:srgbClr val="44546A">
+                          <a:alpha val="25098"/>
+                        </a:srgbClr>
+                      </a:solidFill>
+                      <a:prstDash val="solid"/>
+                      <a:round/>
+                      <a:headEnd type="none" w="med" len="med"/>
+                      <a:tailEnd type="none" w="med" len="med"/>
+                    </a:lnT>
+                    <a:lnB w="12700" cap="flat" cmpd="sng" algn="ctr">
+                      <a:solidFill>
+                        <a:srgbClr val="44546A">
+                          <a:alpha val="25098"/>
+                        </a:srgbClr>
+                      </a:solidFill>
+                      <a:prstDash val="solid"/>
+                      <a:round/>
+                      <a:headEnd type="none" w="med" len="med"/>
+                      <a:tailEnd type="none" w="med" len="med"/>
+                    </a:lnB>
+                    <a:lnTlToBr w="12700" cmpd="sng">
+                      <a:noFill/>
+                      <a:prstDash val="solid"/>
+                    </a:lnTlToBr>
+                    <a:lnBlToTr w="12700" cmpd="sng">
+                      <a:noFill/>
+                      <a:prstDash val="solid"/>
+                    </a:lnBlToTr>
+                    <a:noFill/>
+                  </a:tcPr>
+                </a:tc>
+                <a:tc>
+                  <a:txBody>
+                    <a:bodyPr/>
+                    <a:lstStyle/>
+                    <a:p>
+                      <a:r>
+                        <a:rPr lang="en-US" sz="1050" dirty="0">
+                          <a:solidFill>
+                            <a:srgbClr val="CCCCCC"/>
+                          </a:solidFill>
+                          <a:latin typeface="Liberation Sans" panose="020B0604020202020204" pitchFamily="34" charset="0"/>
+                          <a:ea typeface="Liberation Sans" panose="020B0604020202020204" pitchFamily="34" charset="0"/>
+                          <a:cs typeface="Liberation Sans" panose="020B0604020202020204" pitchFamily="34" charset="0"/>
+                        </a:rPr>
+                        <a:t>P</a:t>
+                      </a:r>
+                    </a:p>
+                  </a:txBody>
+                  <a:tcPr>
+                    <a:lnL w="12700" cap="flat" cmpd="sng" algn="ctr">
+                      <a:solidFill>
+                        <a:srgbClr val="44546A">
+                          <a:alpha val="25098"/>
+                        </a:srgbClr>
+                      </a:solidFill>
+                      <a:prstDash val="solid"/>
+                      <a:round/>
+                      <a:headEnd type="none" w="med" len="med"/>
+                      <a:tailEnd type="none" w="med" len="med"/>
+                    </a:lnL>
+                    <a:lnR w="12700" cmpd="sng">
+                      <a:noFill/>
+                    </a:lnR>
+                    <a:lnT w="12700" cap="flat" cmpd="sng" algn="ctr">
+                      <a:solidFill>
+                        <a:srgbClr val="44546A">
+                          <a:alpha val="25098"/>
+                        </a:srgbClr>
+                      </a:solidFill>
+                      <a:prstDash val="solid"/>
+                      <a:round/>
+                      <a:headEnd type="none" w="med" len="med"/>
+                      <a:tailEnd type="none" w="med" len="med"/>
+                    </a:lnT>
+                    <a:lnB w="12700" cap="flat" cmpd="sng" algn="ctr">
+                      <a:solidFill>
+                        <a:srgbClr val="44546A">
+                          <a:alpha val="25098"/>
+                        </a:srgbClr>
+                      </a:solidFill>
+                      <a:prstDash val="solid"/>
+                      <a:round/>
+                      <a:headEnd type="none" w="med" len="med"/>
+                      <a:tailEnd type="none" w="med" len="med"/>
+                    </a:lnB>
+                    <a:lnTlToBr w="12700" cmpd="sng">
+                      <a:noFill/>
+                      <a:prstDash val="solid"/>
+                    </a:lnTlToBr>
+                    <a:lnBlToTr w="12700" cmpd="sng">
+                      <a:noFill/>
+                      <a:prstDash val="solid"/>
+                    </a:lnBlToTr>
+                    <a:noFill/>
+                  </a:tcPr>
+                </a:tc>
+                <a:extLst>
+                  <a:ext uri="{0D108BD9-81ED-4DB2-BD59-A6C34878D82A}">
+                    <a16:rowId xmlns:a16="http://schemas.microsoft.com/office/drawing/2014/main" val="278524527"/>
+                  </a:ext>
+                </a:extLst>
+              </a:tr>
+              <a:tr h="0">
+                <a:tc>
+                  <a:txBody>
+                    <a:bodyPr/>
+                    <a:lstStyle/>
+                    <a:p>
+                      <a:r>
+                        <a:rPr lang="en-US" sz="1050" dirty="0">
+                          <a:solidFill>
+                            <a:srgbClr val="CCCCCC"/>
+                          </a:solidFill>
+                          <a:latin typeface="Liberation Sans" panose="020B0604020202020204" pitchFamily="34" charset="0"/>
+                          <a:ea typeface="Liberation Sans" panose="020B0604020202020204" pitchFamily="34" charset="0"/>
+                          <a:cs typeface="Liberation Sans" panose="020B0604020202020204" pitchFamily="34" charset="0"/>
+                        </a:rPr>
+                        <a:t>5</a:t>
                       </a:r>
                     </a:p>
                   </a:txBody>
@@ -16961,7 +17264,7 @@
                           <a:ea typeface="Liberation Sans" panose="020B0604020202020204" pitchFamily="34" charset="0"/>
                           <a:cs typeface="Liberation Sans" panose="020B0604020202020204" pitchFamily="34" charset="0"/>
                         </a:rPr>
-                        <a:t>TEXTILEMILL:0</a:t>
+                        <a:t>WAREHOUSE:0</a:t>
                       </a:r>
                     </a:p>
                   </a:txBody>
@@ -17089,11 +17392,1799 @@
                 </a:tc>
                 <a:extLst>
                   <a:ext uri="{0D108BD9-81ED-4DB2-BD59-A6C34878D82A}">
-                    <a16:rowId xmlns:a16="http://schemas.microsoft.com/office/drawing/2014/main" val="278524527"/>
+                    <a16:rowId xmlns:a16="http://schemas.microsoft.com/office/drawing/2014/main" val="1561319095"/>
                   </a:ext>
                 </a:extLst>
               </a:tr>
               <a:tr h="0">
+                <a:tc>
+                  <a:txBody>
+                    <a:bodyPr/>
+                    <a:lstStyle/>
+                    <a:p>
+                      <a:r>
+                        <a:rPr lang="en-US" sz="1050" dirty="0">
+                          <a:solidFill>
+                            <a:srgbClr val="CCCCCC"/>
+                          </a:solidFill>
+                          <a:latin typeface="Liberation Sans" panose="020B0604020202020204" pitchFamily="34" charset="0"/>
+                          <a:ea typeface="Liberation Sans" panose="020B0604020202020204" pitchFamily="34" charset="0"/>
+                          <a:cs typeface="Liberation Sans" panose="020B0604020202020204" pitchFamily="34" charset="0"/>
+                        </a:rPr>
+                        <a:t>2</a:t>
+                      </a:r>
+                    </a:p>
+                  </a:txBody>
+                  <a:tcPr>
+                    <a:lnL w="12700" cmpd="sng">
+                      <a:noFill/>
+                    </a:lnL>
+                    <a:lnR w="12700" cap="flat" cmpd="sng" algn="ctr">
+                      <a:solidFill>
+                        <a:srgbClr val="44546A">
+                          <a:alpha val="25098"/>
+                        </a:srgbClr>
+                      </a:solidFill>
+                      <a:prstDash val="solid"/>
+                      <a:round/>
+                      <a:headEnd type="none" w="med" len="med"/>
+                      <a:tailEnd type="none" w="med" len="med"/>
+                    </a:lnR>
+                    <a:lnT w="12700" cap="flat" cmpd="sng" algn="ctr">
+                      <a:solidFill>
+                        <a:srgbClr val="44546A">
+                          <a:alpha val="25098"/>
+                        </a:srgbClr>
+                      </a:solidFill>
+                      <a:prstDash val="solid"/>
+                      <a:round/>
+                      <a:headEnd type="none" w="med" len="med"/>
+                      <a:tailEnd type="none" w="med" len="med"/>
+                    </a:lnT>
+                    <a:lnB w="12700" cap="flat" cmpd="sng" algn="ctr">
+                      <a:solidFill>
+                        <a:srgbClr val="44546A">
+                          <a:alpha val="25098"/>
+                        </a:srgbClr>
+                      </a:solidFill>
+                      <a:prstDash val="solid"/>
+                      <a:round/>
+                      <a:headEnd type="none" w="med" len="med"/>
+                      <a:tailEnd type="none" w="med" len="med"/>
+                    </a:lnB>
+                    <a:lnTlToBr w="12700" cmpd="sng">
+                      <a:noFill/>
+                      <a:prstDash val="solid"/>
+                    </a:lnTlToBr>
+                    <a:lnBlToTr w="12700" cmpd="sng">
+                      <a:noFill/>
+                      <a:prstDash val="solid"/>
+                    </a:lnBlToTr>
+                    <a:noFill/>
+                  </a:tcPr>
+                </a:tc>
+                <a:tc>
+                  <a:txBody>
+                    <a:bodyPr/>
+                    <a:lstStyle/>
+                    <a:p>
+                      <a:r>
+                        <a:rPr lang="en-US" sz="1050" dirty="0">
+                          <a:solidFill>
+                            <a:srgbClr val="CCCCCC"/>
+                          </a:solidFill>
+                          <a:latin typeface="Liberation Sans" panose="020B0604020202020204" pitchFamily="34" charset="0"/>
+                          <a:ea typeface="Liberation Sans" panose="020B0604020202020204" pitchFamily="34" charset="0"/>
+                          <a:cs typeface="Liberation Sans" panose="020B0604020202020204" pitchFamily="34" charset="0"/>
+                        </a:rPr>
+                        <a:t>4</a:t>
+                      </a:r>
+                    </a:p>
+                  </a:txBody>
+                  <a:tcPr>
+                    <a:lnL w="12700" cap="flat" cmpd="sng" algn="ctr">
+                      <a:solidFill>
+                        <a:srgbClr val="44546A">
+                          <a:alpha val="25098"/>
+                        </a:srgbClr>
+                      </a:solidFill>
+                      <a:prstDash val="solid"/>
+                      <a:round/>
+                      <a:headEnd type="none" w="med" len="med"/>
+                      <a:tailEnd type="none" w="med" len="med"/>
+                    </a:lnL>
+                    <a:lnR w="12700" cap="flat" cmpd="sng" algn="ctr">
+                      <a:solidFill>
+                        <a:srgbClr val="44546A">
+                          <a:alpha val="25098"/>
+                        </a:srgbClr>
+                      </a:solidFill>
+                      <a:prstDash val="solid"/>
+                      <a:round/>
+                      <a:headEnd type="none" w="med" len="med"/>
+                      <a:tailEnd type="none" w="med" len="med"/>
+                    </a:lnR>
+                    <a:lnT w="12700" cap="flat" cmpd="sng" algn="ctr">
+                      <a:solidFill>
+                        <a:srgbClr val="44546A">
+                          <a:alpha val="25098"/>
+                        </a:srgbClr>
+                      </a:solidFill>
+                      <a:prstDash val="solid"/>
+                      <a:round/>
+                      <a:headEnd type="none" w="med" len="med"/>
+                      <a:tailEnd type="none" w="med" len="med"/>
+                    </a:lnT>
+                    <a:lnB w="12700" cap="flat" cmpd="sng" algn="ctr">
+                      <a:solidFill>
+                        <a:srgbClr val="44546A">
+                          <a:alpha val="25098"/>
+                        </a:srgbClr>
+                      </a:solidFill>
+                      <a:prstDash val="solid"/>
+                      <a:round/>
+                      <a:headEnd type="none" w="med" len="med"/>
+                      <a:tailEnd type="none" w="med" len="med"/>
+                    </a:lnB>
+                    <a:lnTlToBr w="12700" cmpd="sng">
+                      <a:noFill/>
+                      <a:prstDash val="solid"/>
+                    </a:lnTlToBr>
+                    <a:lnBlToTr w="12700" cmpd="sng">
+                      <a:noFill/>
+                      <a:prstDash val="solid"/>
+                    </a:lnBlToTr>
+                    <a:noFill/>
+                  </a:tcPr>
+                </a:tc>
+                <a:tc>
+                  <a:txBody>
+                    <a:bodyPr/>
+                    <a:lstStyle/>
+                    <a:p>
+                      <a:r>
+                        <a:rPr lang="en-US" sz="1050" dirty="0">
+                          <a:solidFill>
+                            <a:srgbClr val="CCCCCC"/>
+                          </a:solidFill>
+                          <a:latin typeface="Liberation Sans" panose="020B0604020202020204" pitchFamily="34" charset="0"/>
+                          <a:ea typeface="Liberation Sans" panose="020B0604020202020204" pitchFamily="34" charset="0"/>
+                          <a:cs typeface="Liberation Sans" panose="020B0604020202020204" pitchFamily="34" charset="0"/>
+                        </a:rPr>
+                        <a:t>AIRPORT:0</a:t>
+                      </a:r>
+                    </a:p>
+                  </a:txBody>
+                  <a:tcPr>
+                    <a:lnL w="12700" cap="flat" cmpd="sng" algn="ctr">
+                      <a:solidFill>
+                        <a:srgbClr val="44546A">
+                          <a:alpha val="25098"/>
+                        </a:srgbClr>
+                      </a:solidFill>
+                      <a:prstDash val="solid"/>
+                      <a:round/>
+                      <a:headEnd type="none" w="med" len="med"/>
+                      <a:tailEnd type="none" w="med" len="med"/>
+                    </a:lnL>
+                    <a:lnR w="12700" cap="flat" cmpd="sng" algn="ctr">
+                      <a:solidFill>
+                        <a:srgbClr val="44546A">
+                          <a:alpha val="25098"/>
+                        </a:srgbClr>
+                      </a:solidFill>
+                      <a:prstDash val="solid"/>
+                      <a:round/>
+                      <a:headEnd type="none" w="med" len="med"/>
+                      <a:tailEnd type="none" w="med" len="med"/>
+                    </a:lnR>
+                    <a:lnT w="12700" cap="flat" cmpd="sng" algn="ctr">
+                      <a:solidFill>
+                        <a:srgbClr val="44546A">
+                          <a:alpha val="25098"/>
+                        </a:srgbClr>
+                      </a:solidFill>
+                      <a:prstDash val="solid"/>
+                      <a:round/>
+                      <a:headEnd type="none" w="med" len="med"/>
+                      <a:tailEnd type="none" w="med" len="med"/>
+                    </a:lnT>
+                    <a:lnB w="12700" cap="flat" cmpd="sng" algn="ctr">
+                      <a:solidFill>
+                        <a:srgbClr val="44546A">
+                          <a:alpha val="25098"/>
+                        </a:srgbClr>
+                      </a:solidFill>
+                      <a:prstDash val="solid"/>
+                      <a:round/>
+                      <a:headEnd type="none" w="med" len="med"/>
+                      <a:tailEnd type="none" w="med" len="med"/>
+                    </a:lnB>
+                    <a:lnTlToBr w="12700" cmpd="sng">
+                      <a:noFill/>
+                      <a:prstDash val="solid"/>
+                    </a:lnTlToBr>
+                    <a:lnBlToTr w="12700" cmpd="sng">
+                      <a:noFill/>
+                      <a:prstDash val="solid"/>
+                    </a:lnBlToTr>
+                    <a:noFill/>
+                  </a:tcPr>
+                </a:tc>
+                <a:tc>
+                  <a:txBody>
+                    <a:bodyPr/>
+                    <a:lstStyle/>
+                    <a:p>
+                      <a:r>
+                        <a:rPr lang="en-US" sz="1050" dirty="0">
+                          <a:solidFill>
+                            <a:srgbClr val="CCCCCC"/>
+                          </a:solidFill>
+                          <a:latin typeface="Liberation Sans" panose="020B0604020202020204" pitchFamily="34" charset="0"/>
+                          <a:ea typeface="Liberation Sans" panose="020B0604020202020204" pitchFamily="34" charset="0"/>
+                          <a:cs typeface="Liberation Sans" panose="020B0604020202020204" pitchFamily="34" charset="0"/>
+                        </a:rPr>
+                        <a:t>H</a:t>
+                      </a:r>
+                    </a:p>
+                  </a:txBody>
+                  <a:tcPr>
+                    <a:lnL w="12700" cap="flat" cmpd="sng" algn="ctr">
+                      <a:solidFill>
+                        <a:srgbClr val="44546A">
+                          <a:alpha val="25098"/>
+                        </a:srgbClr>
+                      </a:solidFill>
+                      <a:prstDash val="solid"/>
+                      <a:round/>
+                      <a:headEnd type="none" w="med" len="med"/>
+                      <a:tailEnd type="none" w="med" len="med"/>
+                    </a:lnL>
+                    <a:lnR w="12700" cmpd="sng">
+                      <a:noFill/>
+                    </a:lnR>
+                    <a:lnT w="12700" cap="flat" cmpd="sng" algn="ctr">
+                      <a:solidFill>
+                        <a:srgbClr val="44546A">
+                          <a:alpha val="25098"/>
+                        </a:srgbClr>
+                      </a:solidFill>
+                      <a:prstDash val="solid"/>
+                      <a:round/>
+                      <a:headEnd type="none" w="med" len="med"/>
+                      <a:tailEnd type="none" w="med" len="med"/>
+                    </a:lnT>
+                    <a:lnB w="12700" cap="flat" cmpd="sng" algn="ctr">
+                      <a:solidFill>
+                        <a:srgbClr val="44546A">
+                          <a:alpha val="25098"/>
+                        </a:srgbClr>
+                      </a:solidFill>
+                      <a:prstDash val="solid"/>
+                      <a:round/>
+                      <a:headEnd type="none" w="med" len="med"/>
+                      <a:tailEnd type="none" w="med" len="med"/>
+                    </a:lnB>
+                    <a:lnTlToBr w="12700" cmpd="sng">
+                      <a:noFill/>
+                      <a:prstDash val="solid"/>
+                    </a:lnTlToBr>
+                    <a:lnBlToTr w="12700" cmpd="sng">
+                      <a:noFill/>
+                      <a:prstDash val="solid"/>
+                    </a:lnBlToTr>
+                    <a:noFill/>
+                  </a:tcPr>
+                </a:tc>
+                <a:extLst>
+                  <a:ext uri="{0D108BD9-81ED-4DB2-BD59-A6C34878D82A}">
+                    <a16:rowId xmlns:a16="http://schemas.microsoft.com/office/drawing/2014/main" val="4050681301"/>
+                  </a:ext>
+                </a:extLst>
+              </a:tr>
+              <a:tr h="0">
+                <a:tc>
+                  <a:txBody>
+                    <a:bodyPr/>
+                    <a:lstStyle/>
+                    <a:p>
+                      <a:r>
+                        <a:rPr lang="en-US" sz="1050" dirty="0">
+                          <a:solidFill>
+                            <a:srgbClr val="CCCCCC"/>
+                          </a:solidFill>
+                          <a:latin typeface="Liberation Sans" panose="020B0604020202020204" pitchFamily="34" charset="0"/>
+                          <a:ea typeface="Liberation Sans" panose="020B0604020202020204" pitchFamily="34" charset="0"/>
+                          <a:cs typeface="Liberation Sans" panose="020B0604020202020204" pitchFamily="34" charset="0"/>
+                        </a:rPr>
+                        <a:t>4</a:t>
+                      </a:r>
+                    </a:p>
+                  </a:txBody>
+                  <a:tcPr>
+                    <a:lnL w="12700" cmpd="sng">
+                      <a:noFill/>
+                    </a:lnL>
+                    <a:lnR w="12700" cap="flat" cmpd="sng" algn="ctr">
+                      <a:solidFill>
+                        <a:srgbClr val="44546A">
+                          <a:alpha val="25098"/>
+                        </a:srgbClr>
+                      </a:solidFill>
+                      <a:prstDash val="solid"/>
+                      <a:round/>
+                      <a:headEnd type="none" w="med" len="med"/>
+                      <a:tailEnd type="none" w="med" len="med"/>
+                    </a:lnR>
+                    <a:lnT w="12700" cap="flat" cmpd="sng" algn="ctr">
+                      <a:solidFill>
+                        <a:srgbClr val="44546A">
+                          <a:alpha val="25098"/>
+                        </a:srgbClr>
+                      </a:solidFill>
+                      <a:prstDash val="solid"/>
+                      <a:round/>
+                      <a:headEnd type="none" w="med" len="med"/>
+                      <a:tailEnd type="none" w="med" len="med"/>
+                    </a:lnT>
+                    <a:lnB w="12700" cap="flat" cmpd="sng" algn="ctr">
+                      <a:solidFill>
+                        <a:srgbClr val="44546A">
+                          <a:alpha val="25098"/>
+                        </a:srgbClr>
+                      </a:solidFill>
+                      <a:prstDash val="solid"/>
+                      <a:round/>
+                      <a:headEnd type="none" w="med" len="med"/>
+                      <a:tailEnd type="none" w="med" len="med"/>
+                    </a:lnB>
+                    <a:lnTlToBr w="12700" cmpd="sng">
+                      <a:noFill/>
+                      <a:prstDash val="solid"/>
+                    </a:lnTlToBr>
+                    <a:lnBlToTr w="12700" cmpd="sng">
+                      <a:noFill/>
+                      <a:prstDash val="solid"/>
+                    </a:lnBlToTr>
+                    <a:noFill/>
+                  </a:tcPr>
+                </a:tc>
+                <a:tc>
+                  <a:txBody>
+                    <a:bodyPr/>
+                    <a:lstStyle/>
+                    <a:p>
+                      <a:r>
+                        <a:rPr lang="en-US" sz="1050" dirty="0">
+                          <a:solidFill>
+                            <a:srgbClr val="CCCCCC"/>
+                          </a:solidFill>
+                          <a:latin typeface="Liberation Sans" panose="020B0604020202020204" pitchFamily="34" charset="0"/>
+                          <a:ea typeface="Liberation Sans" panose="020B0604020202020204" pitchFamily="34" charset="0"/>
+                          <a:cs typeface="Liberation Sans" panose="020B0604020202020204" pitchFamily="34" charset="0"/>
+                        </a:rPr>
+                        <a:t>4</a:t>
+                      </a:r>
+                    </a:p>
+                  </a:txBody>
+                  <a:tcPr>
+                    <a:lnL w="12700" cap="flat" cmpd="sng" algn="ctr">
+                      <a:solidFill>
+                        <a:srgbClr val="44546A">
+                          <a:alpha val="25098"/>
+                        </a:srgbClr>
+                      </a:solidFill>
+                      <a:prstDash val="solid"/>
+                      <a:round/>
+                      <a:headEnd type="none" w="med" len="med"/>
+                      <a:tailEnd type="none" w="med" len="med"/>
+                    </a:lnL>
+                    <a:lnR w="12700" cap="flat" cmpd="sng" algn="ctr">
+                      <a:solidFill>
+                        <a:srgbClr val="44546A">
+                          <a:alpha val="25098"/>
+                        </a:srgbClr>
+                      </a:solidFill>
+                      <a:prstDash val="solid"/>
+                      <a:round/>
+                      <a:headEnd type="none" w="med" len="med"/>
+                      <a:tailEnd type="none" w="med" len="med"/>
+                    </a:lnR>
+                    <a:lnT w="12700" cap="flat" cmpd="sng" algn="ctr">
+                      <a:solidFill>
+                        <a:srgbClr val="44546A">
+                          <a:alpha val="25098"/>
+                        </a:srgbClr>
+                      </a:solidFill>
+                      <a:prstDash val="solid"/>
+                      <a:round/>
+                      <a:headEnd type="none" w="med" len="med"/>
+                      <a:tailEnd type="none" w="med" len="med"/>
+                    </a:lnT>
+                    <a:lnB w="12700" cap="flat" cmpd="sng" algn="ctr">
+                      <a:solidFill>
+                        <a:srgbClr val="44546A">
+                          <a:alpha val="25098"/>
+                        </a:srgbClr>
+                      </a:solidFill>
+                      <a:prstDash val="solid"/>
+                      <a:round/>
+                      <a:headEnd type="none" w="med" len="med"/>
+                      <a:tailEnd type="none" w="med" len="med"/>
+                    </a:lnB>
+                    <a:lnTlToBr w="12700" cmpd="sng">
+                      <a:noFill/>
+                      <a:prstDash val="solid"/>
+                    </a:lnTlToBr>
+                    <a:lnBlToTr w="12700" cmpd="sng">
+                      <a:noFill/>
+                      <a:prstDash val="solid"/>
+                    </a:lnBlToTr>
+                    <a:noFill/>
+                  </a:tcPr>
+                </a:tc>
+                <a:tc>
+                  <a:txBody>
+                    <a:bodyPr/>
+                    <a:lstStyle/>
+                    <a:p>
+                      <a:r>
+                        <a:rPr lang="en-US" sz="1050" dirty="0">
+                          <a:solidFill>
+                            <a:srgbClr val="CCCCCC"/>
+                          </a:solidFill>
+                          <a:latin typeface="Liberation Sans" panose="020B0604020202020204" pitchFamily="34" charset="0"/>
+                          <a:ea typeface="Liberation Sans" panose="020B0604020202020204" pitchFamily="34" charset="0"/>
+                          <a:cs typeface="Liberation Sans" panose="020B0604020202020204" pitchFamily="34" charset="0"/>
+                        </a:rPr>
+                        <a:t>CITY:0</a:t>
+                      </a:r>
+                    </a:p>
+                  </a:txBody>
+                  <a:tcPr>
+                    <a:lnL w="12700" cap="flat" cmpd="sng" algn="ctr">
+                      <a:solidFill>
+                        <a:srgbClr val="44546A">
+                          <a:alpha val="25098"/>
+                        </a:srgbClr>
+                      </a:solidFill>
+                      <a:prstDash val="solid"/>
+                      <a:round/>
+                      <a:headEnd type="none" w="med" len="med"/>
+                      <a:tailEnd type="none" w="med" len="med"/>
+                    </a:lnL>
+                    <a:lnR w="12700" cap="flat" cmpd="sng" algn="ctr">
+                      <a:solidFill>
+                        <a:srgbClr val="44546A">
+                          <a:alpha val="25098"/>
+                        </a:srgbClr>
+                      </a:solidFill>
+                      <a:prstDash val="solid"/>
+                      <a:round/>
+                      <a:headEnd type="none" w="med" len="med"/>
+                      <a:tailEnd type="none" w="med" len="med"/>
+                    </a:lnR>
+                    <a:lnT w="12700" cap="flat" cmpd="sng" algn="ctr">
+                      <a:solidFill>
+                        <a:srgbClr val="44546A">
+                          <a:alpha val="25098"/>
+                        </a:srgbClr>
+                      </a:solidFill>
+                      <a:prstDash val="solid"/>
+                      <a:round/>
+                      <a:headEnd type="none" w="med" len="med"/>
+                      <a:tailEnd type="none" w="med" len="med"/>
+                    </a:lnT>
+                    <a:lnB w="12700" cap="flat" cmpd="sng" algn="ctr">
+                      <a:solidFill>
+                        <a:srgbClr val="44546A">
+                          <a:alpha val="25098"/>
+                        </a:srgbClr>
+                      </a:solidFill>
+                      <a:prstDash val="solid"/>
+                      <a:round/>
+                      <a:headEnd type="none" w="med" len="med"/>
+                      <a:tailEnd type="none" w="med" len="med"/>
+                    </a:lnB>
+                    <a:lnTlToBr w="12700" cmpd="sng">
+                      <a:noFill/>
+                      <a:prstDash val="solid"/>
+                    </a:lnTlToBr>
+                    <a:lnBlToTr w="12700" cmpd="sng">
+                      <a:noFill/>
+                      <a:prstDash val="solid"/>
+                    </a:lnBlToTr>
+                    <a:noFill/>
+                  </a:tcPr>
+                </a:tc>
+                <a:tc>
+                  <a:txBody>
+                    <a:bodyPr/>
+                    <a:lstStyle/>
+                    <a:p>
+                      <a:r>
+                        <a:rPr lang="en-US" sz="1050" dirty="0">
+                          <a:solidFill>
+                            <a:srgbClr val="CCCCCC"/>
+                          </a:solidFill>
+                          <a:latin typeface="Liberation Sans" panose="020B0604020202020204" pitchFamily="34" charset="0"/>
+                          <a:ea typeface="Liberation Sans" panose="020B0604020202020204" pitchFamily="34" charset="0"/>
+                          <a:cs typeface="Liberation Sans" panose="020B0604020202020204" pitchFamily="34" charset="0"/>
+                        </a:rPr>
+                        <a:t>C</a:t>
+                      </a:r>
+                    </a:p>
+                  </a:txBody>
+                  <a:tcPr>
+                    <a:lnL w="12700" cap="flat" cmpd="sng" algn="ctr">
+                      <a:solidFill>
+                        <a:srgbClr val="44546A">
+                          <a:alpha val="25098"/>
+                        </a:srgbClr>
+                      </a:solidFill>
+                      <a:prstDash val="solid"/>
+                      <a:round/>
+                      <a:headEnd type="none" w="med" len="med"/>
+                      <a:tailEnd type="none" w="med" len="med"/>
+                    </a:lnL>
+                    <a:lnR w="12700" cmpd="sng">
+                      <a:noFill/>
+                    </a:lnR>
+                    <a:lnT w="12700" cap="flat" cmpd="sng" algn="ctr">
+                      <a:solidFill>
+                        <a:srgbClr val="44546A">
+                          <a:alpha val="25098"/>
+                        </a:srgbClr>
+                      </a:solidFill>
+                      <a:prstDash val="solid"/>
+                      <a:round/>
+                      <a:headEnd type="none" w="med" len="med"/>
+                      <a:tailEnd type="none" w="med" len="med"/>
+                    </a:lnT>
+                    <a:lnB w="12700" cap="flat" cmpd="sng" algn="ctr">
+                      <a:solidFill>
+                        <a:srgbClr val="44546A">
+                          <a:alpha val="25098"/>
+                        </a:srgbClr>
+                      </a:solidFill>
+                      <a:prstDash val="solid"/>
+                      <a:round/>
+                      <a:headEnd type="none" w="med" len="med"/>
+                      <a:tailEnd type="none" w="med" len="med"/>
+                    </a:lnB>
+                    <a:lnTlToBr w="12700" cmpd="sng">
+                      <a:noFill/>
+                      <a:prstDash val="solid"/>
+                    </a:lnTlToBr>
+                    <a:lnBlToTr w="12700" cmpd="sng">
+                      <a:noFill/>
+                      <a:prstDash val="solid"/>
+                    </a:lnBlToTr>
+                    <a:noFill/>
+                  </a:tcPr>
+                </a:tc>
+                <a:extLst>
+                  <a:ext uri="{0D108BD9-81ED-4DB2-BD59-A6C34878D82A}">
+                    <a16:rowId xmlns:a16="http://schemas.microsoft.com/office/drawing/2014/main" val="1620271190"/>
+                  </a:ext>
+                </a:extLst>
+              </a:tr>
+              <a:tr h="0">
+                <a:tc>
+                  <a:txBody>
+                    <a:bodyPr/>
+                    <a:lstStyle/>
+                    <a:p>
+                      <a:r>
+                        <a:rPr lang="en-US" sz="1050" dirty="0">
+                          <a:solidFill>
+                            <a:srgbClr val="CCCCCC"/>
+                          </a:solidFill>
+                          <a:latin typeface="Liberation Sans" panose="020B0604020202020204" pitchFamily="34" charset="0"/>
+                          <a:ea typeface="Liberation Sans" panose="020B0604020202020204" pitchFamily="34" charset="0"/>
+                          <a:cs typeface="Liberation Sans" panose="020B0604020202020204" pitchFamily="34" charset="0"/>
+                        </a:rPr>
+                        <a:t>8</a:t>
+                      </a:r>
+                    </a:p>
+                  </a:txBody>
+                  <a:tcPr>
+                    <a:lnL w="12700" cmpd="sng">
+                      <a:noFill/>
+                    </a:lnL>
+                    <a:lnR w="12700" cap="flat" cmpd="sng" algn="ctr">
+                      <a:solidFill>
+                        <a:srgbClr val="44546A">
+                          <a:alpha val="25098"/>
+                        </a:srgbClr>
+                      </a:solidFill>
+                      <a:prstDash val="solid"/>
+                      <a:round/>
+                      <a:headEnd type="none" w="med" len="med"/>
+                      <a:tailEnd type="none" w="med" len="med"/>
+                    </a:lnR>
+                    <a:lnT w="12700" cap="flat" cmpd="sng" algn="ctr">
+                      <a:solidFill>
+                        <a:srgbClr val="44546A">
+                          <a:alpha val="25098"/>
+                        </a:srgbClr>
+                      </a:solidFill>
+                      <a:prstDash val="solid"/>
+                      <a:round/>
+                      <a:headEnd type="none" w="med" len="med"/>
+                      <a:tailEnd type="none" w="med" len="med"/>
+                    </a:lnT>
+                    <a:lnB w="12700" cap="flat" cmpd="sng" algn="ctr">
+                      <a:solidFill>
+                        <a:srgbClr val="44546A">
+                          <a:alpha val="25098"/>
+                        </a:srgbClr>
+                      </a:solidFill>
+                      <a:prstDash val="solid"/>
+                      <a:round/>
+                      <a:headEnd type="none" w="med" len="med"/>
+                      <a:tailEnd type="none" w="med" len="med"/>
+                    </a:lnB>
+                    <a:lnTlToBr w="12700" cmpd="sng">
+                      <a:noFill/>
+                      <a:prstDash val="solid"/>
+                    </a:lnTlToBr>
+                    <a:lnBlToTr w="12700" cmpd="sng">
+                      <a:noFill/>
+                      <a:prstDash val="solid"/>
+                    </a:lnBlToTr>
+                    <a:noFill/>
+                  </a:tcPr>
+                </a:tc>
+                <a:tc>
+                  <a:txBody>
+                    <a:bodyPr/>
+                    <a:lstStyle/>
+                    <a:p>
+                      <a:r>
+                        <a:rPr lang="en-US" sz="1050" dirty="0">
+                          <a:solidFill>
+                            <a:srgbClr val="CCCCCC"/>
+                          </a:solidFill>
+                          <a:latin typeface="Liberation Sans" panose="020B0604020202020204" pitchFamily="34" charset="0"/>
+                          <a:ea typeface="Liberation Sans" panose="020B0604020202020204" pitchFamily="34" charset="0"/>
+                          <a:cs typeface="Liberation Sans" panose="020B0604020202020204" pitchFamily="34" charset="0"/>
+                        </a:rPr>
+                        <a:t>4</a:t>
+                      </a:r>
+                    </a:p>
+                  </a:txBody>
+                  <a:tcPr>
+                    <a:lnL w="12700" cap="flat" cmpd="sng" algn="ctr">
+                      <a:solidFill>
+                        <a:srgbClr val="44546A">
+                          <a:alpha val="25098"/>
+                        </a:srgbClr>
+                      </a:solidFill>
+                      <a:prstDash val="solid"/>
+                      <a:round/>
+                      <a:headEnd type="none" w="med" len="med"/>
+                      <a:tailEnd type="none" w="med" len="med"/>
+                    </a:lnL>
+                    <a:lnR w="12700" cap="flat" cmpd="sng" algn="ctr">
+                      <a:solidFill>
+                        <a:srgbClr val="44546A">
+                          <a:alpha val="25098"/>
+                        </a:srgbClr>
+                      </a:solidFill>
+                      <a:prstDash val="solid"/>
+                      <a:round/>
+                      <a:headEnd type="none" w="med" len="med"/>
+                      <a:tailEnd type="none" w="med" len="med"/>
+                    </a:lnR>
+                    <a:lnT w="12700" cap="flat" cmpd="sng" algn="ctr">
+                      <a:solidFill>
+                        <a:srgbClr val="44546A">
+                          <a:alpha val="25098"/>
+                        </a:srgbClr>
+                      </a:solidFill>
+                      <a:prstDash val="solid"/>
+                      <a:round/>
+                      <a:headEnd type="none" w="med" len="med"/>
+                      <a:tailEnd type="none" w="med" len="med"/>
+                    </a:lnT>
+                    <a:lnB w="12700" cap="flat" cmpd="sng" algn="ctr">
+                      <a:solidFill>
+                        <a:srgbClr val="44546A">
+                          <a:alpha val="25098"/>
+                        </a:srgbClr>
+                      </a:solidFill>
+                      <a:prstDash val="solid"/>
+                      <a:round/>
+                      <a:headEnd type="none" w="med" len="med"/>
+                      <a:tailEnd type="none" w="med" len="med"/>
+                    </a:lnB>
+                    <a:lnTlToBr w="12700" cmpd="sng">
+                      <a:noFill/>
+                      <a:prstDash val="solid"/>
+                    </a:lnTlToBr>
+                    <a:lnBlToTr w="12700" cmpd="sng">
+                      <a:noFill/>
+                      <a:prstDash val="solid"/>
+                    </a:lnBlToTr>
+                    <a:noFill/>
+                  </a:tcPr>
+                </a:tc>
+                <a:tc>
+                  <a:txBody>
+                    <a:bodyPr/>
+                    <a:lstStyle/>
+                    <a:p>
+                      <a:r>
+                        <a:rPr lang="en-US" sz="1050" dirty="0">
+                          <a:solidFill>
+                            <a:srgbClr val="CCCCCC"/>
+                          </a:solidFill>
+                          <a:latin typeface="Liberation Sans" panose="020B0604020202020204" pitchFamily="34" charset="0"/>
+                          <a:ea typeface="Liberation Sans" panose="020B0604020202020204" pitchFamily="34" charset="0"/>
+                          <a:cs typeface="Liberation Sans" panose="020B0604020202020204" pitchFamily="34" charset="0"/>
+                        </a:rPr>
+                        <a:t>WAREHOUSE:1</a:t>
+                      </a:r>
+                    </a:p>
+                  </a:txBody>
+                  <a:tcPr>
+                    <a:lnL w="12700" cap="flat" cmpd="sng" algn="ctr">
+                      <a:solidFill>
+                        <a:srgbClr val="44546A">
+                          <a:alpha val="25098"/>
+                        </a:srgbClr>
+                      </a:solidFill>
+                      <a:prstDash val="solid"/>
+                      <a:round/>
+                      <a:headEnd type="none" w="med" len="med"/>
+                      <a:tailEnd type="none" w="med" len="med"/>
+                    </a:lnL>
+                    <a:lnR w="12700" cap="flat" cmpd="sng" algn="ctr">
+                      <a:solidFill>
+                        <a:srgbClr val="44546A">
+                          <a:alpha val="25098"/>
+                        </a:srgbClr>
+                      </a:solidFill>
+                      <a:prstDash val="solid"/>
+                      <a:round/>
+                      <a:headEnd type="none" w="med" len="med"/>
+                      <a:tailEnd type="none" w="med" len="med"/>
+                    </a:lnR>
+                    <a:lnT w="12700" cap="flat" cmpd="sng" algn="ctr">
+                      <a:solidFill>
+                        <a:srgbClr val="44546A">
+                          <a:alpha val="25098"/>
+                        </a:srgbClr>
+                      </a:solidFill>
+                      <a:prstDash val="solid"/>
+                      <a:round/>
+                      <a:headEnd type="none" w="med" len="med"/>
+                      <a:tailEnd type="none" w="med" len="med"/>
+                    </a:lnT>
+                    <a:lnB w="12700" cap="flat" cmpd="sng" algn="ctr">
+                      <a:solidFill>
+                        <a:srgbClr val="44546A">
+                          <a:alpha val="25098"/>
+                        </a:srgbClr>
+                      </a:solidFill>
+                      <a:prstDash val="solid"/>
+                      <a:round/>
+                      <a:headEnd type="none" w="med" len="med"/>
+                      <a:tailEnd type="none" w="med" len="med"/>
+                    </a:lnB>
+                    <a:lnTlToBr w="12700" cmpd="sng">
+                      <a:noFill/>
+                      <a:prstDash val="solid"/>
+                    </a:lnTlToBr>
+                    <a:lnBlToTr w="12700" cmpd="sng">
+                      <a:noFill/>
+                      <a:prstDash val="solid"/>
+                    </a:lnBlToTr>
+                    <a:noFill/>
+                  </a:tcPr>
+                </a:tc>
+                <a:tc>
+                  <a:txBody>
+                    <a:bodyPr/>
+                    <a:lstStyle/>
+                    <a:p>
+                      <a:r>
+                        <a:rPr lang="en-US" sz="1050" dirty="0">
+                          <a:solidFill>
+                            <a:srgbClr val="CCCCCC"/>
+                          </a:solidFill>
+                          <a:latin typeface="Liberation Sans" panose="020B0604020202020204" pitchFamily="34" charset="0"/>
+                          <a:ea typeface="Liberation Sans" panose="020B0604020202020204" pitchFamily="34" charset="0"/>
+                          <a:cs typeface="Liberation Sans" panose="020B0604020202020204" pitchFamily="34" charset="0"/>
+                        </a:rPr>
+                        <a:t>P</a:t>
+                      </a:r>
+                    </a:p>
+                  </a:txBody>
+                  <a:tcPr>
+                    <a:lnL w="12700" cap="flat" cmpd="sng" algn="ctr">
+                      <a:solidFill>
+                        <a:srgbClr val="44546A">
+                          <a:alpha val="25098"/>
+                        </a:srgbClr>
+                      </a:solidFill>
+                      <a:prstDash val="solid"/>
+                      <a:round/>
+                      <a:headEnd type="none" w="med" len="med"/>
+                      <a:tailEnd type="none" w="med" len="med"/>
+                    </a:lnL>
+                    <a:lnR w="12700" cmpd="sng">
+                      <a:noFill/>
+                    </a:lnR>
+                    <a:lnT w="12700" cap="flat" cmpd="sng" algn="ctr">
+                      <a:solidFill>
+                        <a:srgbClr val="44546A">
+                          <a:alpha val="25098"/>
+                        </a:srgbClr>
+                      </a:solidFill>
+                      <a:prstDash val="solid"/>
+                      <a:round/>
+                      <a:headEnd type="none" w="med" len="med"/>
+                      <a:tailEnd type="none" w="med" len="med"/>
+                    </a:lnT>
+                    <a:lnB w="12700" cap="flat" cmpd="sng" algn="ctr">
+                      <a:solidFill>
+                        <a:srgbClr val="44546A">
+                          <a:alpha val="25098"/>
+                        </a:srgbClr>
+                      </a:solidFill>
+                      <a:prstDash val="solid"/>
+                      <a:round/>
+                      <a:headEnd type="none" w="med" len="med"/>
+                      <a:tailEnd type="none" w="med" len="med"/>
+                    </a:lnB>
+                    <a:lnTlToBr w="12700" cmpd="sng">
+                      <a:noFill/>
+                      <a:prstDash val="solid"/>
+                    </a:lnTlToBr>
+                    <a:lnBlToTr w="12700" cmpd="sng">
+                      <a:noFill/>
+                      <a:prstDash val="solid"/>
+                    </a:lnBlToTr>
+                    <a:noFill/>
+                  </a:tcPr>
+                </a:tc>
+                <a:extLst>
+                  <a:ext uri="{0D108BD9-81ED-4DB2-BD59-A6C34878D82A}">
+                    <a16:rowId xmlns:a16="http://schemas.microsoft.com/office/drawing/2014/main" val="2340537758"/>
+                  </a:ext>
+                </a:extLst>
+              </a:tr>
+              <a:tr h="0">
+                <a:tc>
+                  <a:txBody>
+                    <a:bodyPr/>
+                    <a:lstStyle/>
+                    <a:p>
+                      <a:r>
+                        <a:rPr lang="en-US" sz="1050" dirty="0">
+                          <a:solidFill>
+                            <a:srgbClr val="CCCCCC"/>
+                          </a:solidFill>
+                          <a:latin typeface="Liberation Sans" panose="020B0604020202020204" pitchFamily="34" charset="0"/>
+                          <a:ea typeface="Liberation Sans" panose="020B0604020202020204" pitchFamily="34" charset="0"/>
+                          <a:cs typeface="Liberation Sans" panose="020B0604020202020204" pitchFamily="34" charset="0"/>
+                        </a:rPr>
+                        <a:t>11</a:t>
+                      </a:r>
+                    </a:p>
+                  </a:txBody>
+                  <a:tcPr>
+                    <a:lnL w="12700" cmpd="sng">
+                      <a:noFill/>
+                    </a:lnL>
+                    <a:lnR w="12700" cap="flat" cmpd="sng" algn="ctr">
+                      <a:solidFill>
+                        <a:srgbClr val="44546A">
+                          <a:alpha val="25098"/>
+                        </a:srgbClr>
+                      </a:solidFill>
+                      <a:prstDash val="solid"/>
+                      <a:round/>
+                      <a:headEnd type="none" w="med" len="med"/>
+                      <a:tailEnd type="none" w="med" len="med"/>
+                    </a:lnR>
+                    <a:lnT w="12700" cap="flat" cmpd="sng" algn="ctr">
+                      <a:solidFill>
+                        <a:srgbClr val="44546A">
+                          <a:alpha val="25098"/>
+                        </a:srgbClr>
+                      </a:solidFill>
+                      <a:prstDash val="solid"/>
+                      <a:round/>
+                      <a:headEnd type="none" w="med" len="med"/>
+                      <a:tailEnd type="none" w="med" len="med"/>
+                    </a:lnT>
+                    <a:lnB w="12700" cap="flat" cmpd="sng" algn="ctr">
+                      <a:solidFill>
+                        <a:srgbClr val="44546A">
+                          <a:alpha val="25098"/>
+                        </a:srgbClr>
+                      </a:solidFill>
+                      <a:prstDash val="solid"/>
+                      <a:round/>
+                      <a:headEnd type="none" w="med" len="med"/>
+                      <a:tailEnd type="none" w="med" len="med"/>
+                    </a:lnB>
+                    <a:lnTlToBr w="12700" cmpd="sng">
+                      <a:noFill/>
+                      <a:prstDash val="solid"/>
+                    </a:lnTlToBr>
+                    <a:lnBlToTr w="12700" cmpd="sng">
+                      <a:noFill/>
+                      <a:prstDash val="solid"/>
+                    </a:lnBlToTr>
+                    <a:noFill/>
+                  </a:tcPr>
+                </a:tc>
+                <a:tc>
+                  <a:txBody>
+                    <a:bodyPr/>
+                    <a:lstStyle/>
+                    <a:p>
+                      <a:r>
+                        <a:rPr lang="en-US" sz="1050" dirty="0">
+                          <a:solidFill>
+                            <a:srgbClr val="CCCCCC"/>
+                          </a:solidFill>
+                          <a:latin typeface="Liberation Sans" panose="020B0604020202020204" pitchFamily="34" charset="0"/>
+                          <a:ea typeface="Liberation Sans" panose="020B0604020202020204" pitchFamily="34" charset="0"/>
+                          <a:cs typeface="Liberation Sans" panose="020B0604020202020204" pitchFamily="34" charset="0"/>
+                        </a:rPr>
+                        <a:t>4</a:t>
+                      </a:r>
+                    </a:p>
+                  </a:txBody>
+                  <a:tcPr>
+                    <a:lnL w="12700" cap="flat" cmpd="sng" algn="ctr">
+                      <a:solidFill>
+                        <a:srgbClr val="44546A">
+                          <a:alpha val="25098"/>
+                        </a:srgbClr>
+                      </a:solidFill>
+                      <a:prstDash val="solid"/>
+                      <a:round/>
+                      <a:headEnd type="none" w="med" len="med"/>
+                      <a:tailEnd type="none" w="med" len="med"/>
+                    </a:lnL>
+                    <a:lnR w="12700" cap="flat" cmpd="sng" algn="ctr">
+                      <a:solidFill>
+                        <a:srgbClr val="44546A">
+                          <a:alpha val="25098"/>
+                        </a:srgbClr>
+                      </a:solidFill>
+                      <a:prstDash val="solid"/>
+                      <a:round/>
+                      <a:headEnd type="none" w="med" len="med"/>
+                      <a:tailEnd type="none" w="med" len="med"/>
+                    </a:lnR>
+                    <a:lnT w="12700" cap="flat" cmpd="sng" algn="ctr">
+                      <a:solidFill>
+                        <a:srgbClr val="44546A">
+                          <a:alpha val="25098"/>
+                        </a:srgbClr>
+                      </a:solidFill>
+                      <a:prstDash val="solid"/>
+                      <a:round/>
+                      <a:headEnd type="none" w="med" len="med"/>
+                      <a:tailEnd type="none" w="med" len="med"/>
+                    </a:lnT>
+                    <a:lnB w="12700" cap="flat" cmpd="sng" algn="ctr">
+                      <a:solidFill>
+                        <a:srgbClr val="44546A">
+                          <a:alpha val="25098"/>
+                        </a:srgbClr>
+                      </a:solidFill>
+                      <a:prstDash val="solid"/>
+                      <a:round/>
+                      <a:headEnd type="none" w="med" len="med"/>
+                      <a:tailEnd type="none" w="med" len="med"/>
+                    </a:lnB>
+                    <a:lnTlToBr w="12700" cmpd="sng">
+                      <a:noFill/>
+                      <a:prstDash val="solid"/>
+                    </a:lnTlToBr>
+                    <a:lnBlToTr w="12700" cmpd="sng">
+                      <a:noFill/>
+                      <a:prstDash val="solid"/>
+                    </a:lnBlToTr>
+                    <a:noFill/>
+                  </a:tcPr>
+                </a:tc>
+                <a:tc>
+                  <a:txBody>
+                    <a:bodyPr/>
+                    <a:lstStyle/>
+                    <a:p>
+                      <a:r>
+                        <a:rPr lang="en-US" sz="1050" dirty="0">
+                          <a:solidFill>
+                            <a:srgbClr val="CCCCCC"/>
+                          </a:solidFill>
+                          <a:latin typeface="Liberation Sans" panose="020B0604020202020204" pitchFamily="34" charset="0"/>
+                          <a:ea typeface="Liberation Sans" panose="020B0604020202020204" pitchFamily="34" charset="0"/>
+                          <a:cs typeface="Liberation Sans" panose="020B0604020202020204" pitchFamily="34" charset="0"/>
+                        </a:rPr>
+                        <a:t>FARM:0</a:t>
+                      </a:r>
+                    </a:p>
+                  </a:txBody>
+                  <a:tcPr>
+                    <a:lnL w="12700" cap="flat" cmpd="sng" algn="ctr">
+                      <a:solidFill>
+                        <a:srgbClr val="44546A">
+                          <a:alpha val="25098"/>
+                        </a:srgbClr>
+                      </a:solidFill>
+                      <a:prstDash val="solid"/>
+                      <a:round/>
+                      <a:headEnd type="none" w="med" len="med"/>
+                      <a:tailEnd type="none" w="med" len="med"/>
+                    </a:lnL>
+                    <a:lnR w="12700" cap="flat" cmpd="sng" algn="ctr">
+                      <a:solidFill>
+                        <a:srgbClr val="44546A">
+                          <a:alpha val="25098"/>
+                        </a:srgbClr>
+                      </a:solidFill>
+                      <a:prstDash val="solid"/>
+                      <a:round/>
+                      <a:headEnd type="none" w="med" len="med"/>
+                      <a:tailEnd type="none" w="med" len="med"/>
+                    </a:lnR>
+                    <a:lnT w="12700" cap="flat" cmpd="sng" algn="ctr">
+                      <a:solidFill>
+                        <a:srgbClr val="44546A">
+                          <a:alpha val="25098"/>
+                        </a:srgbClr>
+                      </a:solidFill>
+                      <a:prstDash val="solid"/>
+                      <a:round/>
+                      <a:headEnd type="none" w="med" len="med"/>
+                      <a:tailEnd type="none" w="med" len="med"/>
+                    </a:lnT>
+                    <a:lnB w="12700" cap="flat" cmpd="sng" algn="ctr">
+                      <a:solidFill>
+                        <a:srgbClr val="44546A">
+                          <a:alpha val="25098"/>
+                        </a:srgbClr>
+                      </a:solidFill>
+                      <a:prstDash val="solid"/>
+                      <a:round/>
+                      <a:headEnd type="none" w="med" len="med"/>
+                      <a:tailEnd type="none" w="med" len="med"/>
+                    </a:lnB>
+                    <a:lnTlToBr w="12700" cmpd="sng">
+                      <a:noFill/>
+                      <a:prstDash val="solid"/>
+                    </a:lnTlToBr>
+                    <a:lnBlToTr w="12700" cmpd="sng">
+                      <a:noFill/>
+                      <a:prstDash val="solid"/>
+                    </a:lnBlToTr>
+                    <a:noFill/>
+                  </a:tcPr>
+                </a:tc>
+                <a:tc>
+                  <a:txBody>
+                    <a:bodyPr/>
+                    <a:lstStyle/>
+                    <a:p>
+                      <a:r>
+                        <a:rPr lang="en-US" sz="1050" dirty="0">
+                          <a:solidFill>
+                            <a:srgbClr val="CCCCCC"/>
+                          </a:solidFill>
+                          <a:latin typeface="Liberation Sans" panose="020B0604020202020204" pitchFamily="34" charset="0"/>
+                          <a:ea typeface="Liberation Sans" panose="020B0604020202020204" pitchFamily="34" charset="0"/>
+                          <a:cs typeface="Liberation Sans" panose="020B0604020202020204" pitchFamily="34" charset="0"/>
+                        </a:rPr>
+                        <a:t>P</a:t>
+                      </a:r>
+                    </a:p>
+                  </a:txBody>
+                  <a:tcPr>
+                    <a:lnL w="12700" cap="flat" cmpd="sng" algn="ctr">
+                      <a:solidFill>
+                        <a:srgbClr val="44546A">
+                          <a:alpha val="25098"/>
+                        </a:srgbClr>
+                      </a:solidFill>
+                      <a:prstDash val="solid"/>
+                      <a:round/>
+                      <a:headEnd type="none" w="med" len="med"/>
+                      <a:tailEnd type="none" w="med" len="med"/>
+                    </a:lnL>
+                    <a:lnR w="12700" cmpd="sng">
+                      <a:noFill/>
+                    </a:lnR>
+                    <a:lnT w="12700" cap="flat" cmpd="sng" algn="ctr">
+                      <a:solidFill>
+                        <a:srgbClr val="44546A">
+                          <a:alpha val="25098"/>
+                        </a:srgbClr>
+                      </a:solidFill>
+                      <a:prstDash val="solid"/>
+                      <a:round/>
+                      <a:headEnd type="none" w="med" len="med"/>
+                      <a:tailEnd type="none" w="med" len="med"/>
+                    </a:lnT>
+                    <a:lnB w="12700" cap="flat" cmpd="sng" algn="ctr">
+                      <a:solidFill>
+                        <a:srgbClr val="44546A">
+                          <a:alpha val="25098"/>
+                        </a:srgbClr>
+                      </a:solidFill>
+                      <a:prstDash val="solid"/>
+                      <a:round/>
+                      <a:headEnd type="none" w="med" len="med"/>
+                      <a:tailEnd type="none" w="med" len="med"/>
+                    </a:lnB>
+                    <a:lnTlToBr w="12700" cmpd="sng">
+                      <a:noFill/>
+                      <a:prstDash val="solid"/>
+                    </a:lnTlToBr>
+                    <a:lnBlToTr w="12700" cmpd="sng">
+                      <a:noFill/>
+                      <a:prstDash val="solid"/>
+                    </a:lnBlToTr>
+                    <a:noFill/>
+                  </a:tcPr>
+                </a:tc>
+                <a:extLst>
+                  <a:ext uri="{0D108BD9-81ED-4DB2-BD59-A6C34878D82A}">
+                    <a16:rowId xmlns:a16="http://schemas.microsoft.com/office/drawing/2014/main" val="403944993"/>
+                  </a:ext>
+                </a:extLst>
+              </a:tr>
+              <a:tr h="0">
+                <a:tc>
+                  <a:txBody>
+                    <a:bodyPr/>
+                    <a:lstStyle/>
+                    <a:p>
+                      <a:r>
+                        <a:rPr lang="en-US" sz="1050" dirty="0">
+                          <a:solidFill>
+                            <a:srgbClr val="CCCCCC"/>
+                          </a:solidFill>
+                          <a:latin typeface="Liberation Sans" panose="020B0604020202020204" pitchFamily="34" charset="0"/>
+                          <a:ea typeface="Liberation Sans" panose="020B0604020202020204" pitchFamily="34" charset="0"/>
+                          <a:cs typeface="Liberation Sans" panose="020B0604020202020204" pitchFamily="34" charset="0"/>
+                        </a:rPr>
+                        <a:t>0</a:t>
+                      </a:r>
+                    </a:p>
+                  </a:txBody>
+                  <a:tcPr>
+                    <a:lnL w="12700" cmpd="sng">
+                      <a:noFill/>
+                    </a:lnL>
+                    <a:lnR w="12700" cap="flat" cmpd="sng" algn="ctr">
+                      <a:solidFill>
+                        <a:srgbClr val="44546A">
+                          <a:alpha val="25098"/>
+                        </a:srgbClr>
+                      </a:solidFill>
+                      <a:prstDash val="solid"/>
+                      <a:round/>
+                      <a:headEnd type="none" w="med" len="med"/>
+                      <a:tailEnd type="none" w="med" len="med"/>
+                    </a:lnR>
+                    <a:lnT w="12700" cap="flat" cmpd="sng" algn="ctr">
+                      <a:solidFill>
+                        <a:srgbClr val="44546A">
+                          <a:alpha val="25098"/>
+                        </a:srgbClr>
+                      </a:solidFill>
+                      <a:prstDash val="solid"/>
+                      <a:round/>
+                      <a:headEnd type="none" w="med" len="med"/>
+                      <a:tailEnd type="none" w="med" len="med"/>
+                    </a:lnT>
+                    <a:lnB w="12700" cap="flat" cmpd="sng" algn="ctr">
+                      <a:solidFill>
+                        <a:srgbClr val="44546A">
+                          <a:alpha val="25098"/>
+                        </a:srgbClr>
+                      </a:solidFill>
+                      <a:prstDash val="solid"/>
+                      <a:round/>
+                      <a:headEnd type="none" w="med" len="med"/>
+                      <a:tailEnd type="none" w="med" len="med"/>
+                    </a:lnB>
+                    <a:lnTlToBr w="12700" cmpd="sng">
+                      <a:noFill/>
+                      <a:prstDash val="solid"/>
+                    </a:lnTlToBr>
+                    <a:lnBlToTr w="12700" cmpd="sng">
+                      <a:noFill/>
+                      <a:prstDash val="solid"/>
+                    </a:lnBlToTr>
+                    <a:noFill/>
+                  </a:tcPr>
+                </a:tc>
+                <a:tc>
+                  <a:txBody>
+                    <a:bodyPr/>
+                    <a:lstStyle/>
+                    <a:p>
+                      <a:r>
+                        <a:rPr lang="en-US" sz="1050" dirty="0">
+                          <a:solidFill>
+                            <a:srgbClr val="CCCCCC"/>
+                          </a:solidFill>
+                          <a:latin typeface="Liberation Sans" panose="020B0604020202020204" pitchFamily="34" charset="0"/>
+                          <a:ea typeface="Liberation Sans" panose="020B0604020202020204" pitchFamily="34" charset="0"/>
+                          <a:cs typeface="Liberation Sans" panose="020B0604020202020204" pitchFamily="34" charset="0"/>
+                        </a:rPr>
+                        <a:t>6</a:t>
+                      </a:r>
+                    </a:p>
+                  </a:txBody>
+                  <a:tcPr>
+                    <a:lnL w="12700" cap="flat" cmpd="sng" algn="ctr">
+                      <a:solidFill>
+                        <a:srgbClr val="44546A">
+                          <a:alpha val="25098"/>
+                        </a:srgbClr>
+                      </a:solidFill>
+                      <a:prstDash val="solid"/>
+                      <a:round/>
+                      <a:headEnd type="none" w="med" len="med"/>
+                      <a:tailEnd type="none" w="med" len="med"/>
+                    </a:lnL>
+                    <a:lnR w="12700" cap="flat" cmpd="sng" algn="ctr">
+                      <a:solidFill>
+                        <a:srgbClr val="44546A">
+                          <a:alpha val="25098"/>
+                        </a:srgbClr>
+                      </a:solidFill>
+                      <a:prstDash val="solid"/>
+                      <a:round/>
+                      <a:headEnd type="none" w="med" len="med"/>
+                      <a:tailEnd type="none" w="med" len="med"/>
+                    </a:lnR>
+                    <a:lnT w="12700" cap="flat" cmpd="sng" algn="ctr">
+                      <a:solidFill>
+                        <a:srgbClr val="44546A">
+                          <a:alpha val="25098"/>
+                        </a:srgbClr>
+                      </a:solidFill>
+                      <a:prstDash val="solid"/>
+                      <a:round/>
+                      <a:headEnd type="none" w="med" len="med"/>
+                      <a:tailEnd type="none" w="med" len="med"/>
+                    </a:lnT>
+                    <a:lnB w="12700" cap="flat" cmpd="sng" algn="ctr">
+                      <a:solidFill>
+                        <a:srgbClr val="44546A">
+                          <a:alpha val="25098"/>
+                        </a:srgbClr>
+                      </a:solidFill>
+                      <a:prstDash val="solid"/>
+                      <a:round/>
+                      <a:headEnd type="none" w="med" len="med"/>
+                      <a:tailEnd type="none" w="med" len="med"/>
+                    </a:lnB>
+                    <a:lnTlToBr w="12700" cmpd="sng">
+                      <a:noFill/>
+                      <a:prstDash val="solid"/>
+                    </a:lnTlToBr>
+                    <a:lnBlToTr w="12700" cmpd="sng">
+                      <a:noFill/>
+                      <a:prstDash val="solid"/>
+                    </a:lnBlToTr>
+                    <a:noFill/>
+                  </a:tcPr>
+                </a:tc>
+                <a:tc>
+                  <a:txBody>
+                    <a:bodyPr/>
+                    <a:lstStyle/>
+                    <a:p>
+                      <a:r>
+                        <a:rPr lang="en-US" sz="1050" dirty="0">
+                          <a:solidFill>
+                            <a:srgbClr val="CCCCCC"/>
+                          </a:solidFill>
+                          <a:latin typeface="Liberation Sans" panose="020B0604020202020204" pitchFamily="34" charset="0"/>
+                          <a:ea typeface="Liberation Sans" panose="020B0604020202020204" pitchFamily="34" charset="0"/>
+                          <a:cs typeface="Liberation Sans" panose="020B0604020202020204" pitchFamily="34" charset="0"/>
+                        </a:rPr>
+                        <a:t>COTTON:0</a:t>
+                      </a:r>
+                    </a:p>
+                  </a:txBody>
+                  <a:tcPr>
+                    <a:lnL w="12700" cap="flat" cmpd="sng" algn="ctr">
+                      <a:solidFill>
+                        <a:srgbClr val="44546A">
+                          <a:alpha val="25098"/>
+                        </a:srgbClr>
+                      </a:solidFill>
+                      <a:prstDash val="solid"/>
+                      <a:round/>
+                      <a:headEnd type="none" w="med" len="med"/>
+                      <a:tailEnd type="none" w="med" len="med"/>
+                    </a:lnL>
+                    <a:lnR w="12700" cap="flat" cmpd="sng" algn="ctr">
+                      <a:solidFill>
+                        <a:srgbClr val="44546A">
+                          <a:alpha val="25098"/>
+                        </a:srgbClr>
+                      </a:solidFill>
+                      <a:prstDash val="solid"/>
+                      <a:round/>
+                      <a:headEnd type="none" w="med" len="med"/>
+                      <a:tailEnd type="none" w="med" len="med"/>
+                    </a:lnR>
+                    <a:lnT w="12700" cap="flat" cmpd="sng" algn="ctr">
+                      <a:solidFill>
+                        <a:srgbClr val="44546A">
+                          <a:alpha val="25098"/>
+                        </a:srgbClr>
+                      </a:solidFill>
+                      <a:prstDash val="solid"/>
+                      <a:round/>
+                      <a:headEnd type="none" w="med" len="med"/>
+                      <a:tailEnd type="none" w="med" len="med"/>
+                    </a:lnT>
+                    <a:lnB w="12700" cap="flat" cmpd="sng" algn="ctr">
+                      <a:solidFill>
+                        <a:srgbClr val="44546A">
+                          <a:alpha val="25098"/>
+                        </a:srgbClr>
+                      </a:solidFill>
+                      <a:prstDash val="solid"/>
+                      <a:round/>
+                      <a:headEnd type="none" w="med" len="med"/>
+                      <a:tailEnd type="none" w="med" len="med"/>
+                    </a:lnB>
+                    <a:lnTlToBr w="12700" cmpd="sng">
+                      <a:noFill/>
+                      <a:prstDash val="solid"/>
+                    </a:lnTlToBr>
+                    <a:lnBlToTr w="12700" cmpd="sng">
+                      <a:noFill/>
+                      <a:prstDash val="solid"/>
+                    </a:lnBlToTr>
+                    <a:noFill/>
+                  </a:tcPr>
+                </a:tc>
+                <a:tc>
+                  <a:txBody>
+                    <a:bodyPr/>
+                    <a:lstStyle/>
+                    <a:p>
+                      <a:r>
+                        <a:rPr lang="en-US" sz="1050" dirty="0">
+                          <a:solidFill>
+                            <a:srgbClr val="CCCCCC"/>
+                          </a:solidFill>
+                          <a:latin typeface="Liberation Sans" panose="020B0604020202020204" pitchFamily="34" charset="0"/>
+                          <a:ea typeface="Liberation Sans" panose="020B0604020202020204" pitchFamily="34" charset="0"/>
+                          <a:cs typeface="Liberation Sans" panose="020B0604020202020204" pitchFamily="34" charset="0"/>
+                        </a:rPr>
+                        <a:t>P</a:t>
+                      </a:r>
+                    </a:p>
+                  </a:txBody>
+                  <a:tcPr>
+                    <a:lnL w="12700" cap="flat" cmpd="sng" algn="ctr">
+                      <a:solidFill>
+                        <a:srgbClr val="44546A">
+                          <a:alpha val="25098"/>
+                        </a:srgbClr>
+                      </a:solidFill>
+                      <a:prstDash val="solid"/>
+                      <a:round/>
+                      <a:headEnd type="none" w="med" len="med"/>
+                      <a:tailEnd type="none" w="med" len="med"/>
+                    </a:lnL>
+                    <a:lnR w="12700" cmpd="sng">
+                      <a:noFill/>
+                    </a:lnR>
+                    <a:lnT w="12700" cap="flat" cmpd="sng" algn="ctr">
+                      <a:solidFill>
+                        <a:srgbClr val="44546A">
+                          <a:alpha val="25098"/>
+                        </a:srgbClr>
+                      </a:solidFill>
+                      <a:prstDash val="solid"/>
+                      <a:round/>
+                      <a:headEnd type="none" w="med" len="med"/>
+                      <a:tailEnd type="none" w="med" len="med"/>
+                    </a:lnT>
+                    <a:lnB w="12700" cap="flat" cmpd="sng" algn="ctr">
+                      <a:solidFill>
+                        <a:srgbClr val="44546A">
+                          <a:alpha val="25098"/>
+                        </a:srgbClr>
+                      </a:solidFill>
+                      <a:prstDash val="solid"/>
+                      <a:round/>
+                      <a:headEnd type="none" w="med" len="med"/>
+                      <a:tailEnd type="none" w="med" len="med"/>
+                    </a:lnB>
+                    <a:lnTlToBr w="12700" cmpd="sng">
+                      <a:noFill/>
+                      <a:prstDash val="solid"/>
+                    </a:lnTlToBr>
+                    <a:lnBlToTr w="12700" cmpd="sng">
+                      <a:noFill/>
+                      <a:prstDash val="solid"/>
+                    </a:lnBlToTr>
+                    <a:noFill/>
+                  </a:tcPr>
+                </a:tc>
+                <a:extLst>
+                  <a:ext uri="{0D108BD9-81ED-4DB2-BD59-A6C34878D82A}">
+                    <a16:rowId xmlns:a16="http://schemas.microsoft.com/office/drawing/2014/main" val="2448985268"/>
+                  </a:ext>
+                </a:extLst>
+              </a:tr>
+              <a:tr h="0">
+                <a:tc>
+                  <a:txBody>
+                    <a:bodyPr/>
+                    <a:lstStyle/>
+                    <a:p>
+                      <a:r>
+                        <a:rPr lang="en-US" sz="1050" dirty="0">
+                          <a:solidFill>
+                            <a:srgbClr val="CCCCCC"/>
+                          </a:solidFill>
+                          <a:latin typeface="Liberation Sans" panose="020B0604020202020204" pitchFamily="34" charset="0"/>
+                          <a:ea typeface="Liberation Sans" panose="020B0604020202020204" pitchFamily="34" charset="0"/>
+                          <a:cs typeface="Liberation Sans" panose="020B0604020202020204" pitchFamily="34" charset="0"/>
+                        </a:rPr>
+                        <a:t>9</a:t>
+                      </a:r>
+                    </a:p>
+                  </a:txBody>
+                  <a:tcPr>
+                    <a:lnL w="12700" cmpd="sng">
+                      <a:noFill/>
+                    </a:lnL>
+                    <a:lnR w="12700" cap="flat" cmpd="sng" algn="ctr">
+                      <a:solidFill>
+                        <a:srgbClr val="44546A">
+                          <a:alpha val="25098"/>
+                        </a:srgbClr>
+                      </a:solidFill>
+                      <a:prstDash val="solid"/>
+                      <a:round/>
+                      <a:headEnd type="none" w="med" len="med"/>
+                      <a:tailEnd type="none" w="med" len="med"/>
+                    </a:lnR>
+                    <a:lnT w="12700" cap="flat" cmpd="sng" algn="ctr">
+                      <a:solidFill>
+                        <a:srgbClr val="44546A">
+                          <a:alpha val="25098"/>
+                        </a:srgbClr>
+                      </a:solidFill>
+                      <a:prstDash val="solid"/>
+                      <a:round/>
+                      <a:headEnd type="none" w="med" len="med"/>
+                      <a:tailEnd type="none" w="med" len="med"/>
+                    </a:lnT>
+                    <a:lnB w="12700" cap="flat" cmpd="sng" algn="ctr">
+                      <a:solidFill>
+                        <a:srgbClr val="44546A">
+                          <a:alpha val="25098"/>
+                        </a:srgbClr>
+                      </a:solidFill>
+                      <a:prstDash val="solid"/>
+                      <a:round/>
+                      <a:headEnd type="none" w="med" len="med"/>
+                      <a:tailEnd type="none" w="med" len="med"/>
+                    </a:lnB>
+                    <a:lnTlToBr w="12700" cmpd="sng">
+                      <a:noFill/>
+                      <a:prstDash val="solid"/>
+                    </a:lnTlToBr>
+                    <a:lnBlToTr w="12700" cmpd="sng">
+                      <a:noFill/>
+                      <a:prstDash val="solid"/>
+                    </a:lnBlToTr>
+                    <a:noFill/>
+                  </a:tcPr>
+                </a:tc>
+                <a:tc>
+                  <a:txBody>
+                    <a:bodyPr/>
+                    <a:lstStyle/>
+                    <a:p>
+                      <a:r>
+                        <a:rPr lang="en-US" sz="1050" dirty="0">
+                          <a:solidFill>
+                            <a:srgbClr val="CCCCCC"/>
+                          </a:solidFill>
+                          <a:latin typeface="Liberation Sans" panose="020B0604020202020204" pitchFamily="34" charset="0"/>
+                          <a:ea typeface="Liberation Sans" panose="020B0604020202020204" pitchFamily="34" charset="0"/>
+                          <a:cs typeface="Liberation Sans" panose="020B0604020202020204" pitchFamily="34" charset="0"/>
+                        </a:rPr>
+                        <a:t>3</a:t>
+                      </a:r>
+                    </a:p>
+                  </a:txBody>
+                  <a:tcPr>
+                    <a:lnL w="12700" cap="flat" cmpd="sng" algn="ctr">
+                      <a:solidFill>
+                        <a:srgbClr val="44546A">
+                          <a:alpha val="25098"/>
+                        </a:srgbClr>
+                      </a:solidFill>
+                      <a:prstDash val="solid"/>
+                      <a:round/>
+                      <a:headEnd type="none" w="med" len="med"/>
+                      <a:tailEnd type="none" w="med" len="med"/>
+                    </a:lnL>
+                    <a:lnR w="12700" cap="flat" cmpd="sng" algn="ctr">
+                      <a:solidFill>
+                        <a:srgbClr val="44546A">
+                          <a:alpha val="25098"/>
+                        </a:srgbClr>
+                      </a:solidFill>
+                      <a:prstDash val="solid"/>
+                      <a:round/>
+                      <a:headEnd type="none" w="med" len="med"/>
+                      <a:tailEnd type="none" w="med" len="med"/>
+                    </a:lnR>
+                    <a:lnT w="12700" cap="flat" cmpd="sng" algn="ctr">
+                      <a:solidFill>
+                        <a:srgbClr val="44546A">
+                          <a:alpha val="25098"/>
+                        </a:srgbClr>
+                      </a:solidFill>
+                      <a:prstDash val="solid"/>
+                      <a:round/>
+                      <a:headEnd type="none" w="med" len="med"/>
+                      <a:tailEnd type="none" w="med" len="med"/>
+                    </a:lnT>
+                    <a:lnB w="12700" cap="flat" cmpd="sng" algn="ctr">
+                      <a:solidFill>
+                        <a:srgbClr val="44546A">
+                          <a:alpha val="25098"/>
+                        </a:srgbClr>
+                      </a:solidFill>
+                      <a:prstDash val="solid"/>
+                      <a:round/>
+                      <a:headEnd type="none" w="med" len="med"/>
+                      <a:tailEnd type="none" w="med" len="med"/>
+                    </a:lnB>
+                    <a:lnTlToBr w="12700" cmpd="sng">
+                      <a:noFill/>
+                      <a:prstDash val="solid"/>
+                    </a:lnTlToBr>
+                    <a:lnBlToTr w="12700" cmpd="sng">
+                      <a:noFill/>
+                      <a:prstDash val="solid"/>
+                    </a:lnBlToTr>
+                    <a:noFill/>
+                  </a:tcPr>
+                </a:tc>
+                <a:tc>
+                  <a:txBody>
+                    <a:bodyPr/>
+                    <a:lstStyle/>
+                    <a:p>
+                      <a:r>
+                        <a:rPr lang="en-US" sz="1050" dirty="0">
+                          <a:solidFill>
+                            <a:srgbClr val="CCCCCC"/>
+                          </a:solidFill>
+                          <a:latin typeface="Liberation Sans" panose="020B0604020202020204" pitchFamily="34" charset="0"/>
+                          <a:ea typeface="Liberation Sans" panose="020B0604020202020204" pitchFamily="34" charset="0"/>
+                          <a:cs typeface="Liberation Sans" panose="020B0604020202020204" pitchFamily="34" charset="0"/>
+                        </a:rPr>
+                        <a:t>PORT:0</a:t>
+                      </a:r>
+                    </a:p>
+                  </a:txBody>
+                  <a:tcPr>
+                    <a:lnL w="12700" cap="flat" cmpd="sng" algn="ctr">
+                      <a:solidFill>
+                        <a:srgbClr val="44546A">
+                          <a:alpha val="25098"/>
+                        </a:srgbClr>
+                      </a:solidFill>
+                      <a:prstDash val="solid"/>
+                      <a:round/>
+                      <a:headEnd type="none" w="med" len="med"/>
+                      <a:tailEnd type="none" w="med" len="med"/>
+                    </a:lnL>
+                    <a:lnR w="12700" cap="flat" cmpd="sng" algn="ctr">
+                      <a:solidFill>
+                        <a:srgbClr val="44546A">
+                          <a:alpha val="25098"/>
+                        </a:srgbClr>
+                      </a:solidFill>
+                      <a:prstDash val="solid"/>
+                      <a:round/>
+                      <a:headEnd type="none" w="med" len="med"/>
+                      <a:tailEnd type="none" w="med" len="med"/>
+                    </a:lnR>
+                    <a:lnT w="12700" cap="flat" cmpd="sng" algn="ctr">
+                      <a:solidFill>
+                        <a:srgbClr val="44546A">
+                          <a:alpha val="25098"/>
+                        </a:srgbClr>
+                      </a:solidFill>
+                      <a:prstDash val="solid"/>
+                      <a:round/>
+                      <a:headEnd type="none" w="med" len="med"/>
+                      <a:tailEnd type="none" w="med" len="med"/>
+                    </a:lnT>
+                    <a:lnB w="12700" cap="flat" cmpd="sng" algn="ctr">
+                      <a:solidFill>
+                        <a:srgbClr val="44546A">
+                          <a:alpha val="25098"/>
+                        </a:srgbClr>
+                      </a:solidFill>
+                      <a:prstDash val="solid"/>
+                      <a:round/>
+                      <a:headEnd type="none" w="med" len="med"/>
+                      <a:tailEnd type="none" w="med" len="med"/>
+                    </a:lnB>
+                    <a:lnTlToBr w="12700" cmpd="sng">
+                      <a:noFill/>
+                      <a:prstDash val="solid"/>
+                    </a:lnTlToBr>
+                    <a:lnBlToTr w="12700" cmpd="sng">
+                      <a:noFill/>
+                      <a:prstDash val="solid"/>
+                    </a:lnBlToTr>
+                    <a:noFill/>
+                  </a:tcPr>
+                </a:tc>
+                <a:tc>
+                  <a:txBody>
+                    <a:bodyPr/>
+                    <a:lstStyle/>
+                    <a:p>
+                      <a:r>
+                        <a:rPr lang="en-US" sz="1050" dirty="0">
+                          <a:solidFill>
+                            <a:srgbClr val="CCCCCC"/>
+                          </a:solidFill>
+                          <a:latin typeface="Liberation Sans" panose="020B0604020202020204" pitchFamily="34" charset="0"/>
+                          <a:ea typeface="Liberation Sans" panose="020B0604020202020204" pitchFamily="34" charset="0"/>
+                          <a:cs typeface="Liberation Sans" panose="020B0604020202020204" pitchFamily="34" charset="0"/>
+                        </a:rPr>
+                        <a:t>H</a:t>
+                      </a:r>
+                    </a:p>
+                  </a:txBody>
+                  <a:tcPr>
+                    <a:lnL w="12700" cap="flat" cmpd="sng" algn="ctr">
+                      <a:solidFill>
+                        <a:srgbClr val="44546A">
+                          <a:alpha val="25098"/>
+                        </a:srgbClr>
+                      </a:solidFill>
+                      <a:prstDash val="solid"/>
+                      <a:round/>
+                      <a:headEnd type="none" w="med" len="med"/>
+                      <a:tailEnd type="none" w="med" len="med"/>
+                    </a:lnL>
+                    <a:lnR w="12700" cmpd="sng">
+                      <a:noFill/>
+                    </a:lnR>
+                    <a:lnT w="12700" cap="flat" cmpd="sng" algn="ctr">
+                      <a:solidFill>
+                        <a:srgbClr val="44546A">
+                          <a:alpha val="25098"/>
+                        </a:srgbClr>
+                      </a:solidFill>
+                      <a:prstDash val="solid"/>
+                      <a:round/>
+                      <a:headEnd type="none" w="med" len="med"/>
+                      <a:tailEnd type="none" w="med" len="med"/>
+                    </a:lnT>
+                    <a:lnB w="12700" cap="flat" cmpd="sng" algn="ctr">
+                      <a:solidFill>
+                        <a:srgbClr val="44546A">
+                          <a:alpha val="25098"/>
+                        </a:srgbClr>
+                      </a:solidFill>
+                      <a:prstDash val="solid"/>
+                      <a:round/>
+                      <a:headEnd type="none" w="med" len="med"/>
+                      <a:tailEnd type="none" w="med" len="med"/>
+                    </a:lnB>
+                    <a:lnTlToBr w="12700" cmpd="sng">
+                      <a:noFill/>
+                      <a:prstDash val="solid"/>
+                    </a:lnTlToBr>
+                    <a:lnBlToTr w="12700" cmpd="sng">
+                      <a:noFill/>
+                      <a:prstDash val="solid"/>
+                    </a:lnBlToTr>
+                    <a:noFill/>
+                  </a:tcPr>
+                </a:tc>
+                <a:extLst>
+                  <a:ext uri="{0D108BD9-81ED-4DB2-BD59-A6C34878D82A}">
+                    <a16:rowId xmlns:a16="http://schemas.microsoft.com/office/drawing/2014/main" val="1133386836"/>
+                  </a:ext>
+                </a:extLst>
+              </a:tr>
+              <a:tr h="0">
+                <a:tc>
+                  <a:txBody>
+                    <a:bodyPr/>
+                    <a:lstStyle/>
+                    <a:p>
+                      <a:r>
+                        <a:rPr lang="en-US" sz="1050" dirty="0">
+                          <a:solidFill>
+                            <a:srgbClr val="CCCCCC"/>
+                          </a:solidFill>
+                          <a:latin typeface="Liberation Sans" panose="020B0604020202020204" pitchFamily="34" charset="0"/>
+                          <a:ea typeface="Liberation Sans" panose="020B0604020202020204" pitchFamily="34" charset="0"/>
+                          <a:cs typeface="Liberation Sans" panose="020B0604020202020204" pitchFamily="34" charset="0"/>
+                        </a:rPr>
+                        <a:t>10</a:t>
+                      </a:r>
+                    </a:p>
+                  </a:txBody>
+                  <a:tcPr>
+                    <a:lnL w="12700" cmpd="sng">
+                      <a:noFill/>
+                    </a:lnL>
+                    <a:lnR w="12700" cap="flat" cmpd="sng" algn="ctr">
+                      <a:solidFill>
+                        <a:srgbClr val="44546A">
+                          <a:alpha val="25098"/>
+                        </a:srgbClr>
+                      </a:solidFill>
+                      <a:prstDash val="solid"/>
+                      <a:round/>
+                      <a:headEnd type="none" w="med" len="med"/>
+                      <a:tailEnd type="none" w="med" len="med"/>
+                    </a:lnR>
+                    <a:lnT w="12700" cap="flat" cmpd="sng" algn="ctr">
+                      <a:solidFill>
+                        <a:srgbClr val="44546A">
+                          <a:alpha val="25098"/>
+                        </a:srgbClr>
+                      </a:solidFill>
+                      <a:prstDash val="solid"/>
+                      <a:round/>
+                      <a:headEnd type="none" w="med" len="med"/>
+                      <a:tailEnd type="none" w="med" len="med"/>
+                    </a:lnT>
+                    <a:lnB w="12700" cap="flat" cmpd="sng" algn="ctr">
+                      <a:solidFill>
+                        <a:srgbClr val="44546A">
+                          <a:alpha val="25098"/>
+                        </a:srgbClr>
+                      </a:solidFill>
+                      <a:prstDash val="solid"/>
+                      <a:round/>
+                      <a:headEnd type="none" w="med" len="med"/>
+                      <a:tailEnd type="none" w="med" len="med"/>
+                    </a:lnB>
+                    <a:lnTlToBr w="12700" cmpd="sng">
+                      <a:noFill/>
+                      <a:prstDash val="solid"/>
+                    </a:lnTlToBr>
+                    <a:lnBlToTr w="12700" cmpd="sng">
+                      <a:noFill/>
+                      <a:prstDash val="solid"/>
+                    </a:lnBlToTr>
+                    <a:noFill/>
+                  </a:tcPr>
+                </a:tc>
                 <a:tc>
                   <a:txBody>
                     <a:bodyPr/>
@@ -17113,8 +19204,16 @@
                     </a:p>
                   </a:txBody>
                   <a:tcPr>
-                    <a:lnL w="12700" cmpd="sng">
-                      <a:noFill/>
+                    <a:lnL w="12700" cap="flat" cmpd="sng" algn="ctr">
+                      <a:solidFill>
+                        <a:srgbClr val="44546A">
+                          <a:alpha val="25098"/>
+                        </a:srgbClr>
+                      </a:solidFill>
+                      <a:prstDash val="solid"/>
+                      <a:round/>
+                      <a:headEnd type="none" w="med" len="med"/>
+                      <a:tailEnd type="none" w="med" len="med"/>
                     </a:lnL>
                     <a:lnR w="12700" cap="flat" cmpd="sng" algn="ctr">
                       <a:solidFill>
@@ -17174,81 +19273,7 @@
                           <a:ea typeface="Liberation Sans" panose="020B0604020202020204" pitchFamily="34" charset="0"/>
                           <a:cs typeface="Liberation Sans" panose="020B0604020202020204" pitchFamily="34" charset="0"/>
                         </a:rPr>
-                        <a:t>3</a:t>
-                      </a:r>
-                    </a:p>
-                  </a:txBody>
-                  <a:tcPr>
-                    <a:lnL w="12700" cap="flat" cmpd="sng" algn="ctr">
-                      <a:solidFill>
-                        <a:srgbClr val="44546A">
-                          <a:alpha val="25098"/>
-                        </a:srgbClr>
-                      </a:solidFill>
-                      <a:prstDash val="solid"/>
-                      <a:round/>
-                      <a:headEnd type="none" w="med" len="med"/>
-                      <a:tailEnd type="none" w="med" len="med"/>
-                    </a:lnL>
-                    <a:lnR w="12700" cap="flat" cmpd="sng" algn="ctr">
-                      <a:solidFill>
-                        <a:srgbClr val="44546A">
-                          <a:alpha val="25098"/>
-                        </a:srgbClr>
-                      </a:solidFill>
-                      <a:prstDash val="solid"/>
-                      <a:round/>
-                      <a:headEnd type="none" w="med" len="med"/>
-                      <a:tailEnd type="none" w="med" len="med"/>
-                    </a:lnR>
-                    <a:lnT w="12700" cap="flat" cmpd="sng" algn="ctr">
-                      <a:solidFill>
-                        <a:srgbClr val="44546A">
-                          <a:alpha val="25098"/>
-                        </a:srgbClr>
-                      </a:solidFill>
-                      <a:prstDash val="solid"/>
-                      <a:round/>
-                      <a:headEnd type="none" w="med" len="med"/>
-                      <a:tailEnd type="none" w="med" len="med"/>
-                    </a:lnT>
-                    <a:lnB w="12700" cap="flat" cmpd="sng" algn="ctr">
-                      <a:solidFill>
-                        <a:srgbClr val="44546A">
-                          <a:alpha val="25098"/>
-                        </a:srgbClr>
-                      </a:solidFill>
-                      <a:prstDash val="solid"/>
-                      <a:round/>
-                      <a:headEnd type="none" w="med" len="med"/>
-                      <a:tailEnd type="none" w="med" len="med"/>
-                    </a:lnB>
-                    <a:lnTlToBr w="12700" cmpd="sng">
-                      <a:noFill/>
-                      <a:prstDash val="solid"/>
-                    </a:lnTlToBr>
-                    <a:lnBlToTr w="12700" cmpd="sng">
-                      <a:noFill/>
-                      <a:prstDash val="solid"/>
-                    </a:lnBlToTr>
-                    <a:noFill/>
-                  </a:tcPr>
-                </a:tc>
-                <a:tc>
-                  <a:txBody>
-                    <a:bodyPr/>
-                    <a:lstStyle/>
-                    <a:p>
-                      <a:r>
-                        <a:rPr lang="en-US" sz="1050" dirty="0">
-                          <a:solidFill>
-                            <a:srgbClr val="CCCCCC"/>
-                          </a:solidFill>
-                          <a:latin typeface="Liberation Sans" panose="020B0604020202020204" pitchFamily="34" charset="0"/>
-                          <a:ea typeface="Liberation Sans" panose="020B0604020202020204" pitchFamily="34" charset="0"/>
-                          <a:cs typeface="Liberation Sans" panose="020B0604020202020204" pitchFamily="34" charset="0"/>
-                        </a:rPr>
-                        <a:t>WAREHOUSE:0</a:t>
+                        <a:t>FARM:1</a:t>
                       </a:r>
                     </a:p>
                   </a:txBody>
@@ -17376,7 +19401,7 @@
                 </a:tc>
                 <a:extLst>
                   <a:ext uri="{0D108BD9-81ED-4DB2-BD59-A6C34878D82A}">
-                    <a16:rowId xmlns:a16="http://schemas.microsoft.com/office/drawing/2014/main" val="1561319095"/>
+                    <a16:rowId xmlns:a16="http://schemas.microsoft.com/office/drawing/2014/main" val="2730330794"/>
                   </a:ext>
                 </a:extLst>
               </a:tr>
@@ -17395,7 +19420,7 @@
                           <a:ea typeface="Liberation Sans" panose="020B0604020202020204" pitchFamily="34" charset="0"/>
                           <a:cs typeface="Liberation Sans" panose="020B0604020202020204" pitchFamily="34" charset="0"/>
                         </a:rPr>
-                        <a:t>3</a:t>
+                        <a:t>2</a:t>
                       </a:r>
                     </a:p>
                   </a:txBody>
@@ -17461,7 +19486,7 @@
                           <a:ea typeface="Liberation Sans" panose="020B0604020202020204" pitchFamily="34" charset="0"/>
                           <a:cs typeface="Liberation Sans" panose="020B0604020202020204" pitchFamily="34" charset="0"/>
                         </a:rPr>
-                        <a:t>4</a:t>
+                        <a:t>7</a:t>
                       </a:r>
                     </a:p>
                   </a:txBody>
@@ -17535,7 +19560,7 @@
                           <a:ea typeface="Liberation Sans" panose="020B0604020202020204" pitchFamily="34" charset="0"/>
                           <a:cs typeface="Liberation Sans" panose="020B0604020202020204" pitchFamily="34" charset="0"/>
                         </a:rPr>
-                        <a:t>AIRPORT:0</a:t>
+                        <a:t>PORT:1</a:t>
                       </a:r>
                     </a:p>
                   </a:txBody>
@@ -17663,7 +19688,7 @@
                 </a:tc>
                 <a:extLst>
                   <a:ext uri="{0D108BD9-81ED-4DB2-BD59-A6C34878D82A}">
-                    <a16:rowId xmlns:a16="http://schemas.microsoft.com/office/drawing/2014/main" val="4050681301"/>
+                    <a16:rowId xmlns:a16="http://schemas.microsoft.com/office/drawing/2014/main" val="989447555"/>
                   </a:ext>
                 </a:extLst>
               </a:tr>
@@ -17682,7 +19707,7 @@
                           <a:ea typeface="Liberation Sans" panose="020B0604020202020204" pitchFamily="34" charset="0"/>
                           <a:cs typeface="Liberation Sans" panose="020B0604020202020204" pitchFamily="34" charset="0"/>
                         </a:rPr>
-                        <a:t>4</a:t>
+                        <a:t>8</a:t>
                       </a:r>
                     </a:p>
                   </a:txBody>
@@ -17748,7 +19773,7 @@
                           <a:ea typeface="Liberation Sans" panose="020B0604020202020204" pitchFamily="34" charset="0"/>
                           <a:cs typeface="Liberation Sans" panose="020B0604020202020204" pitchFamily="34" charset="0"/>
                         </a:rPr>
-                        <a:t>4</a:t>
+                        <a:t>7</a:t>
                       </a:r>
                     </a:p>
                   </a:txBody>
@@ -17822,7 +19847,7 @@
                           <a:ea typeface="Liberation Sans" panose="020B0604020202020204" pitchFamily="34" charset="0"/>
                           <a:cs typeface="Liberation Sans" panose="020B0604020202020204" pitchFamily="34" charset="0"/>
                         </a:rPr>
-                        <a:t>CITY:0</a:t>
+                        <a:t>CITY:1</a:t>
                       </a:r>
                     </a:p>
                   </a:txBody>
@@ -17950,7 +19975,7 @@
                 </a:tc>
                 <a:extLst>
                   <a:ext uri="{0D108BD9-81ED-4DB2-BD59-A6C34878D82A}">
-                    <a16:rowId xmlns:a16="http://schemas.microsoft.com/office/drawing/2014/main" val="1620271190"/>
+                    <a16:rowId xmlns:a16="http://schemas.microsoft.com/office/drawing/2014/main" val="2065849670"/>
                   </a:ext>
                 </a:extLst>
               </a:tr>
@@ -18035,7 +20060,7 @@
                           <a:ea typeface="Liberation Sans" panose="020B0604020202020204" pitchFamily="34" charset="0"/>
                           <a:cs typeface="Liberation Sans" panose="020B0604020202020204" pitchFamily="34" charset="0"/>
                         </a:rPr>
-                        <a:t>4</a:t>
+                        <a:t>5</a:t>
                       </a:r>
                     </a:p>
                   </a:txBody>
@@ -18109,7 +20134,294 @@
                           <a:ea typeface="Liberation Sans" panose="020B0604020202020204" pitchFamily="34" charset="0"/>
                           <a:cs typeface="Liberation Sans" panose="020B0604020202020204" pitchFamily="34" charset="0"/>
                         </a:rPr>
-                        <a:t>WAREHOUSE:1</a:t>
+                        <a:t>AIRPORT:1</a:t>
+                      </a:r>
+                    </a:p>
+                  </a:txBody>
+                  <a:tcPr>
+                    <a:lnL w="12700" cap="flat" cmpd="sng" algn="ctr">
+                      <a:solidFill>
+                        <a:srgbClr val="44546A">
+                          <a:alpha val="25098"/>
+                        </a:srgbClr>
+                      </a:solidFill>
+                      <a:prstDash val="solid"/>
+                      <a:round/>
+                      <a:headEnd type="none" w="med" len="med"/>
+                      <a:tailEnd type="none" w="med" len="med"/>
+                    </a:lnL>
+                    <a:lnR w="12700" cap="flat" cmpd="sng" algn="ctr">
+                      <a:solidFill>
+                        <a:srgbClr val="44546A">
+                          <a:alpha val="25098"/>
+                        </a:srgbClr>
+                      </a:solidFill>
+                      <a:prstDash val="solid"/>
+                      <a:round/>
+                      <a:headEnd type="none" w="med" len="med"/>
+                      <a:tailEnd type="none" w="med" len="med"/>
+                    </a:lnR>
+                    <a:lnT w="12700" cap="flat" cmpd="sng" algn="ctr">
+                      <a:solidFill>
+                        <a:srgbClr val="44546A">
+                          <a:alpha val="25098"/>
+                        </a:srgbClr>
+                      </a:solidFill>
+                      <a:prstDash val="solid"/>
+                      <a:round/>
+                      <a:headEnd type="none" w="med" len="med"/>
+                      <a:tailEnd type="none" w="med" len="med"/>
+                    </a:lnT>
+                    <a:lnB w="12700" cap="flat" cmpd="sng" algn="ctr">
+                      <a:solidFill>
+                        <a:srgbClr val="44546A">
+                          <a:alpha val="25098"/>
+                        </a:srgbClr>
+                      </a:solidFill>
+                      <a:prstDash val="solid"/>
+                      <a:round/>
+                      <a:headEnd type="none" w="med" len="med"/>
+                      <a:tailEnd type="none" w="med" len="med"/>
+                    </a:lnB>
+                    <a:lnTlToBr w="12700" cmpd="sng">
+                      <a:noFill/>
+                      <a:prstDash val="solid"/>
+                    </a:lnTlToBr>
+                    <a:lnBlToTr w="12700" cmpd="sng">
+                      <a:noFill/>
+                      <a:prstDash val="solid"/>
+                    </a:lnBlToTr>
+                    <a:noFill/>
+                  </a:tcPr>
+                </a:tc>
+                <a:tc>
+                  <a:txBody>
+                    <a:bodyPr/>
+                    <a:lstStyle/>
+                    <a:p>
+                      <a:r>
+                        <a:rPr lang="en-US" sz="1050" dirty="0">
+                          <a:solidFill>
+                            <a:srgbClr val="CCCCCC"/>
+                          </a:solidFill>
+                          <a:latin typeface="Liberation Sans" panose="020B0604020202020204" pitchFamily="34" charset="0"/>
+                          <a:ea typeface="Liberation Sans" panose="020B0604020202020204" pitchFamily="34" charset="0"/>
+                          <a:cs typeface="Liberation Sans" panose="020B0604020202020204" pitchFamily="34" charset="0"/>
+                        </a:rPr>
+                        <a:t>H</a:t>
+                      </a:r>
+                    </a:p>
+                  </a:txBody>
+                  <a:tcPr>
+                    <a:lnL w="12700" cap="flat" cmpd="sng" algn="ctr">
+                      <a:solidFill>
+                        <a:srgbClr val="44546A">
+                          <a:alpha val="25098"/>
+                        </a:srgbClr>
+                      </a:solidFill>
+                      <a:prstDash val="solid"/>
+                      <a:round/>
+                      <a:headEnd type="none" w="med" len="med"/>
+                      <a:tailEnd type="none" w="med" len="med"/>
+                    </a:lnL>
+                    <a:lnR w="12700" cmpd="sng">
+                      <a:noFill/>
+                    </a:lnR>
+                    <a:lnT w="12700" cap="flat" cmpd="sng" algn="ctr">
+                      <a:solidFill>
+                        <a:srgbClr val="44546A">
+                          <a:alpha val="25098"/>
+                        </a:srgbClr>
+                      </a:solidFill>
+                      <a:prstDash val="solid"/>
+                      <a:round/>
+                      <a:headEnd type="none" w="med" len="med"/>
+                      <a:tailEnd type="none" w="med" len="med"/>
+                    </a:lnT>
+                    <a:lnB w="12700" cap="flat" cmpd="sng" algn="ctr">
+                      <a:solidFill>
+                        <a:srgbClr val="44546A">
+                          <a:alpha val="25098"/>
+                        </a:srgbClr>
+                      </a:solidFill>
+                      <a:prstDash val="solid"/>
+                      <a:round/>
+                      <a:headEnd type="none" w="med" len="med"/>
+                      <a:tailEnd type="none" w="med" len="med"/>
+                    </a:lnB>
+                    <a:lnTlToBr w="12700" cmpd="sng">
+                      <a:noFill/>
+                      <a:prstDash val="solid"/>
+                    </a:lnTlToBr>
+                    <a:lnBlToTr w="12700" cmpd="sng">
+                      <a:noFill/>
+                      <a:prstDash val="solid"/>
+                    </a:lnBlToTr>
+                    <a:noFill/>
+                  </a:tcPr>
+                </a:tc>
+                <a:extLst>
+                  <a:ext uri="{0D108BD9-81ED-4DB2-BD59-A6C34878D82A}">
+                    <a16:rowId xmlns:a16="http://schemas.microsoft.com/office/drawing/2014/main" val="994101258"/>
+                  </a:ext>
+                </a:extLst>
+              </a:tr>
+              <a:tr h="0">
+                <a:tc>
+                  <a:txBody>
+                    <a:bodyPr/>
+                    <a:lstStyle/>
+                    <a:p>
+                      <a:r>
+                        <a:rPr lang="en-US" sz="1050" dirty="0">
+                          <a:solidFill>
+                            <a:srgbClr val="CCCCCC"/>
+                          </a:solidFill>
+                          <a:latin typeface="Liberation Sans" panose="020B0604020202020204" pitchFamily="34" charset="0"/>
+                          <a:ea typeface="Liberation Sans" panose="020B0604020202020204" pitchFamily="34" charset="0"/>
+                          <a:cs typeface="Liberation Sans" panose="020B0604020202020204" pitchFamily="34" charset="0"/>
+                        </a:rPr>
+                        <a:t>7</a:t>
+                      </a:r>
+                    </a:p>
+                  </a:txBody>
+                  <a:tcPr>
+                    <a:lnL w="12700" cmpd="sng">
+                      <a:noFill/>
+                    </a:lnL>
+                    <a:lnR w="12700" cap="flat" cmpd="sng" algn="ctr">
+                      <a:solidFill>
+                        <a:srgbClr val="44546A">
+                          <a:alpha val="25098"/>
+                        </a:srgbClr>
+                      </a:solidFill>
+                      <a:prstDash val="solid"/>
+                      <a:round/>
+                      <a:headEnd type="none" w="med" len="med"/>
+                      <a:tailEnd type="none" w="med" len="med"/>
+                    </a:lnR>
+                    <a:lnT w="12700" cap="flat" cmpd="sng" algn="ctr">
+                      <a:solidFill>
+                        <a:srgbClr val="44546A">
+                          <a:alpha val="25098"/>
+                        </a:srgbClr>
+                      </a:solidFill>
+                      <a:prstDash val="solid"/>
+                      <a:round/>
+                      <a:headEnd type="none" w="med" len="med"/>
+                      <a:tailEnd type="none" w="med" len="med"/>
+                    </a:lnT>
+                    <a:lnB w="12700" cap="flat" cmpd="sng" algn="ctr">
+                      <a:solidFill>
+                        <a:srgbClr val="44546A">
+                          <a:alpha val="25098"/>
+                        </a:srgbClr>
+                      </a:solidFill>
+                      <a:prstDash val="solid"/>
+                      <a:round/>
+                      <a:headEnd type="none" w="med" len="med"/>
+                      <a:tailEnd type="none" w="med" len="med"/>
+                    </a:lnB>
+                    <a:lnTlToBr w="12700" cmpd="sng">
+                      <a:noFill/>
+                      <a:prstDash val="solid"/>
+                    </a:lnTlToBr>
+                    <a:lnBlToTr w="12700" cmpd="sng">
+                      <a:noFill/>
+                      <a:prstDash val="solid"/>
+                    </a:lnBlToTr>
+                    <a:noFill/>
+                  </a:tcPr>
+                </a:tc>
+                <a:tc>
+                  <a:txBody>
+                    <a:bodyPr/>
+                    <a:lstStyle/>
+                    <a:p>
+                      <a:r>
+                        <a:rPr lang="en-US" sz="1050" dirty="0">
+                          <a:solidFill>
+                            <a:srgbClr val="CCCCCC"/>
+                          </a:solidFill>
+                          <a:latin typeface="Liberation Sans" panose="020B0604020202020204" pitchFamily="34" charset="0"/>
+                          <a:ea typeface="Liberation Sans" panose="020B0604020202020204" pitchFamily="34" charset="0"/>
+                          <a:cs typeface="Liberation Sans" panose="020B0604020202020204" pitchFamily="34" charset="0"/>
+                        </a:rPr>
+                        <a:t>9</a:t>
+                      </a:r>
+                    </a:p>
+                  </a:txBody>
+                  <a:tcPr>
+                    <a:lnL w="12700" cap="flat" cmpd="sng" algn="ctr">
+                      <a:solidFill>
+                        <a:srgbClr val="44546A">
+                          <a:alpha val="25098"/>
+                        </a:srgbClr>
+                      </a:solidFill>
+                      <a:prstDash val="solid"/>
+                      <a:round/>
+                      <a:headEnd type="none" w="med" len="med"/>
+                      <a:tailEnd type="none" w="med" len="med"/>
+                    </a:lnL>
+                    <a:lnR w="12700" cap="flat" cmpd="sng" algn="ctr">
+                      <a:solidFill>
+                        <a:srgbClr val="44546A">
+                          <a:alpha val="25098"/>
+                        </a:srgbClr>
+                      </a:solidFill>
+                      <a:prstDash val="solid"/>
+                      <a:round/>
+                      <a:headEnd type="none" w="med" len="med"/>
+                      <a:tailEnd type="none" w="med" len="med"/>
+                    </a:lnR>
+                    <a:lnT w="12700" cap="flat" cmpd="sng" algn="ctr">
+                      <a:solidFill>
+                        <a:srgbClr val="44546A">
+                          <a:alpha val="25098"/>
+                        </a:srgbClr>
+                      </a:solidFill>
+                      <a:prstDash val="solid"/>
+                      <a:round/>
+                      <a:headEnd type="none" w="med" len="med"/>
+                      <a:tailEnd type="none" w="med" len="med"/>
+                    </a:lnT>
+                    <a:lnB w="12700" cap="flat" cmpd="sng" algn="ctr">
+                      <a:solidFill>
+                        <a:srgbClr val="44546A">
+                          <a:alpha val="25098"/>
+                        </a:srgbClr>
+                      </a:solidFill>
+                      <a:prstDash val="solid"/>
+                      <a:round/>
+                      <a:headEnd type="none" w="med" len="med"/>
+                      <a:tailEnd type="none" w="med" len="med"/>
+                    </a:lnB>
+                    <a:lnTlToBr w="12700" cmpd="sng">
+                      <a:noFill/>
+                      <a:prstDash val="solid"/>
+                    </a:lnTlToBr>
+                    <a:lnBlToTr w="12700" cmpd="sng">
+                      <a:noFill/>
+                      <a:prstDash val="solid"/>
+                    </a:lnBlToTr>
+                    <a:noFill/>
+                  </a:tcPr>
+                </a:tc>
+                <a:tc>
+                  <a:txBody>
+                    <a:bodyPr/>
+                    <a:lstStyle/>
+                    <a:p>
+                      <a:r>
+                        <a:rPr lang="en-US" sz="1050" dirty="0">
+                          <a:solidFill>
+                            <a:srgbClr val="CCCCCC"/>
+                          </a:solidFill>
+                          <a:latin typeface="Liberation Sans" panose="020B0604020202020204" pitchFamily="34" charset="0"/>
+                          <a:ea typeface="Liberation Sans" panose="020B0604020202020204" pitchFamily="34" charset="0"/>
+                          <a:cs typeface="Liberation Sans" panose="020B0604020202020204" pitchFamily="34" charset="0"/>
+                        </a:rPr>
+                        <a:t>POWERPLANT:1</a:t>
                       </a:r>
                     </a:p>
                   </a:txBody>
@@ -18237,7 +20549,7 @@
                 </a:tc>
                 <a:extLst>
                   <a:ext uri="{0D108BD9-81ED-4DB2-BD59-A6C34878D82A}">
-                    <a16:rowId xmlns:a16="http://schemas.microsoft.com/office/drawing/2014/main" val="2340537758"/>
+                    <a16:rowId xmlns:a16="http://schemas.microsoft.com/office/drawing/2014/main" val="1021616608"/>
                   </a:ext>
                 </a:extLst>
               </a:tr>
@@ -18322,7 +20634,7 @@
                           <a:ea typeface="Liberation Sans" panose="020B0604020202020204" pitchFamily="34" charset="0"/>
                           <a:cs typeface="Liberation Sans" panose="020B0604020202020204" pitchFamily="34" charset="0"/>
                         </a:rPr>
-                        <a:t>4</a:t>
+                        <a:t>7</a:t>
                       </a:r>
                     </a:p>
                   </a:txBody>
@@ -18396,7 +20708,7 @@
                           <a:ea typeface="Liberation Sans" panose="020B0604020202020204" pitchFamily="34" charset="0"/>
                           <a:cs typeface="Liberation Sans" panose="020B0604020202020204" pitchFamily="34" charset="0"/>
                         </a:rPr>
-                        <a:t>FARM:0</a:t>
+                        <a:t>FACTORY:0</a:t>
                       </a:r>
                     </a:p>
                   </a:txBody>
@@ -18524,7 +20836,7 @@
                 </a:tc>
                 <a:extLst>
                   <a:ext uri="{0D108BD9-81ED-4DB2-BD59-A6C34878D82A}">
-                    <a16:rowId xmlns:a16="http://schemas.microsoft.com/office/drawing/2014/main" val="403944993"/>
+                    <a16:rowId xmlns:a16="http://schemas.microsoft.com/office/drawing/2014/main" val="3712283072"/>
                   </a:ext>
                 </a:extLst>
               </a:tr>
@@ -18543,7 +20855,7 @@
                           <a:ea typeface="Liberation Sans" panose="020B0604020202020204" pitchFamily="34" charset="0"/>
                           <a:cs typeface="Liberation Sans" panose="020B0604020202020204" pitchFamily="34" charset="0"/>
                         </a:rPr>
-                        <a:t>1</a:t>
+                        <a:t>9</a:t>
                       </a:r>
                     </a:p>
                   </a:txBody>
@@ -18609,7 +20921,7 @@
                           <a:ea typeface="Liberation Sans" panose="020B0604020202020204" pitchFamily="34" charset="0"/>
                           <a:cs typeface="Liberation Sans" panose="020B0604020202020204" pitchFamily="34" charset="0"/>
                         </a:rPr>
-                        <a:t>5</a:t>
+                        <a:t>11</a:t>
                       </a:r>
                     </a:p>
                   </a:txBody>
@@ -18683,7 +20995,7 @@
                           <a:ea typeface="Liberation Sans" panose="020B0604020202020204" pitchFamily="34" charset="0"/>
                           <a:cs typeface="Liberation Sans" panose="020B0604020202020204" pitchFamily="34" charset="0"/>
                         </a:rPr>
-                        <a:t>COTTON:0</a:t>
+                        <a:t>LUMBERMILL:0</a:t>
                       </a:r>
                     </a:p>
                   </a:txBody>
@@ -18811,2086 +21123,11 @@
                 </a:tc>
                 <a:extLst>
                   <a:ext uri="{0D108BD9-81ED-4DB2-BD59-A6C34878D82A}">
-                    <a16:rowId xmlns:a16="http://schemas.microsoft.com/office/drawing/2014/main" val="2448985268"/>
+                    <a16:rowId xmlns:a16="http://schemas.microsoft.com/office/drawing/2014/main" val="3862559551"/>
                   </a:ext>
                 </a:extLst>
               </a:tr>
               <a:tr h="0">
-                <a:tc>
-                  <a:txBody>
-                    <a:bodyPr/>
-                    <a:lstStyle/>
-                    <a:p>
-                      <a:r>
-                        <a:rPr lang="en-US" sz="1050" dirty="0">
-                          <a:solidFill>
-                            <a:srgbClr val="CCCCCC"/>
-                          </a:solidFill>
-                          <a:latin typeface="Liberation Sans" panose="020B0604020202020204" pitchFamily="34" charset="0"/>
-                          <a:ea typeface="Liberation Sans" panose="020B0604020202020204" pitchFamily="34" charset="0"/>
-                          <a:cs typeface="Liberation Sans" panose="020B0604020202020204" pitchFamily="34" charset="0"/>
-                        </a:rPr>
-                        <a:t>9</a:t>
-                      </a:r>
-                    </a:p>
-                  </a:txBody>
-                  <a:tcPr>
-                    <a:lnL w="12700" cmpd="sng">
-                      <a:noFill/>
-                    </a:lnL>
-                    <a:lnR w="12700" cap="flat" cmpd="sng" algn="ctr">
-                      <a:solidFill>
-                        <a:srgbClr val="44546A">
-                          <a:alpha val="25098"/>
-                        </a:srgbClr>
-                      </a:solidFill>
-                      <a:prstDash val="solid"/>
-                      <a:round/>
-                      <a:headEnd type="none" w="med" len="med"/>
-                      <a:tailEnd type="none" w="med" len="med"/>
-                    </a:lnR>
-                    <a:lnT w="12700" cap="flat" cmpd="sng" algn="ctr">
-                      <a:solidFill>
-                        <a:srgbClr val="44546A">
-                          <a:alpha val="25098"/>
-                        </a:srgbClr>
-                      </a:solidFill>
-                      <a:prstDash val="solid"/>
-                      <a:round/>
-                      <a:headEnd type="none" w="med" len="med"/>
-                      <a:tailEnd type="none" w="med" len="med"/>
-                    </a:lnT>
-                    <a:lnB w="12700" cap="flat" cmpd="sng" algn="ctr">
-                      <a:solidFill>
-                        <a:srgbClr val="44546A">
-                          <a:alpha val="25098"/>
-                        </a:srgbClr>
-                      </a:solidFill>
-                      <a:prstDash val="solid"/>
-                      <a:round/>
-                      <a:headEnd type="none" w="med" len="med"/>
-                      <a:tailEnd type="none" w="med" len="med"/>
-                    </a:lnB>
-                    <a:lnTlToBr w="12700" cmpd="sng">
-                      <a:noFill/>
-                      <a:prstDash val="solid"/>
-                    </a:lnTlToBr>
-                    <a:lnBlToTr w="12700" cmpd="sng">
-                      <a:noFill/>
-                      <a:prstDash val="solid"/>
-                    </a:lnBlToTr>
-                    <a:noFill/>
-                  </a:tcPr>
-                </a:tc>
-                <a:tc>
-                  <a:txBody>
-                    <a:bodyPr/>
-                    <a:lstStyle/>
-                    <a:p>
-                      <a:r>
-                        <a:rPr lang="en-US" sz="1050" dirty="0">
-                          <a:solidFill>
-                            <a:srgbClr val="CCCCCC"/>
-                          </a:solidFill>
-                          <a:latin typeface="Liberation Sans" panose="020B0604020202020204" pitchFamily="34" charset="0"/>
-                          <a:ea typeface="Liberation Sans" panose="020B0604020202020204" pitchFamily="34" charset="0"/>
-                          <a:cs typeface="Liberation Sans" panose="020B0604020202020204" pitchFamily="34" charset="0"/>
-                        </a:rPr>
-                        <a:t>3</a:t>
-                      </a:r>
-                    </a:p>
-                  </a:txBody>
-                  <a:tcPr>
-                    <a:lnL w="12700" cap="flat" cmpd="sng" algn="ctr">
-                      <a:solidFill>
-                        <a:srgbClr val="44546A">
-                          <a:alpha val="25098"/>
-                        </a:srgbClr>
-                      </a:solidFill>
-                      <a:prstDash val="solid"/>
-                      <a:round/>
-                      <a:headEnd type="none" w="med" len="med"/>
-                      <a:tailEnd type="none" w="med" len="med"/>
-                    </a:lnL>
-                    <a:lnR w="12700" cap="flat" cmpd="sng" algn="ctr">
-                      <a:solidFill>
-                        <a:srgbClr val="44546A">
-                          <a:alpha val="25098"/>
-                        </a:srgbClr>
-                      </a:solidFill>
-                      <a:prstDash val="solid"/>
-                      <a:round/>
-                      <a:headEnd type="none" w="med" len="med"/>
-                      <a:tailEnd type="none" w="med" len="med"/>
-                    </a:lnR>
-                    <a:lnT w="12700" cap="flat" cmpd="sng" algn="ctr">
-                      <a:solidFill>
-                        <a:srgbClr val="44546A">
-                          <a:alpha val="25098"/>
-                        </a:srgbClr>
-                      </a:solidFill>
-                      <a:prstDash val="solid"/>
-                      <a:round/>
-                      <a:headEnd type="none" w="med" len="med"/>
-                      <a:tailEnd type="none" w="med" len="med"/>
-                    </a:lnT>
-                    <a:lnB w="12700" cap="flat" cmpd="sng" algn="ctr">
-                      <a:solidFill>
-                        <a:srgbClr val="44546A">
-                          <a:alpha val="25098"/>
-                        </a:srgbClr>
-                      </a:solidFill>
-                      <a:prstDash val="solid"/>
-                      <a:round/>
-                      <a:headEnd type="none" w="med" len="med"/>
-                      <a:tailEnd type="none" w="med" len="med"/>
-                    </a:lnB>
-                    <a:lnTlToBr w="12700" cmpd="sng">
-                      <a:noFill/>
-                      <a:prstDash val="solid"/>
-                    </a:lnTlToBr>
-                    <a:lnBlToTr w="12700" cmpd="sng">
-                      <a:noFill/>
-                      <a:prstDash val="solid"/>
-                    </a:lnBlToTr>
-                    <a:noFill/>
-                  </a:tcPr>
-                </a:tc>
-                <a:tc>
-                  <a:txBody>
-                    <a:bodyPr/>
-                    <a:lstStyle/>
-                    <a:p>
-                      <a:r>
-                        <a:rPr lang="en-US" sz="1050" dirty="0">
-                          <a:solidFill>
-                            <a:srgbClr val="CCCCCC"/>
-                          </a:solidFill>
-                          <a:latin typeface="Liberation Sans" panose="020B0604020202020204" pitchFamily="34" charset="0"/>
-                          <a:ea typeface="Liberation Sans" panose="020B0604020202020204" pitchFamily="34" charset="0"/>
-                          <a:cs typeface="Liberation Sans" panose="020B0604020202020204" pitchFamily="34" charset="0"/>
-                        </a:rPr>
-                        <a:t>PORT:0</a:t>
-                      </a:r>
-                    </a:p>
-                  </a:txBody>
-                  <a:tcPr>
-                    <a:lnL w="12700" cap="flat" cmpd="sng" algn="ctr">
-                      <a:solidFill>
-                        <a:srgbClr val="44546A">
-                          <a:alpha val="25098"/>
-                        </a:srgbClr>
-                      </a:solidFill>
-                      <a:prstDash val="solid"/>
-                      <a:round/>
-                      <a:headEnd type="none" w="med" len="med"/>
-                      <a:tailEnd type="none" w="med" len="med"/>
-                    </a:lnL>
-                    <a:lnR w="12700" cap="flat" cmpd="sng" algn="ctr">
-                      <a:solidFill>
-                        <a:srgbClr val="44546A">
-                          <a:alpha val="25098"/>
-                        </a:srgbClr>
-                      </a:solidFill>
-                      <a:prstDash val="solid"/>
-                      <a:round/>
-                      <a:headEnd type="none" w="med" len="med"/>
-                      <a:tailEnd type="none" w="med" len="med"/>
-                    </a:lnR>
-                    <a:lnT w="12700" cap="flat" cmpd="sng" algn="ctr">
-                      <a:solidFill>
-                        <a:srgbClr val="44546A">
-                          <a:alpha val="25098"/>
-                        </a:srgbClr>
-                      </a:solidFill>
-                      <a:prstDash val="solid"/>
-                      <a:round/>
-                      <a:headEnd type="none" w="med" len="med"/>
-                      <a:tailEnd type="none" w="med" len="med"/>
-                    </a:lnT>
-                    <a:lnB w="12700" cap="flat" cmpd="sng" algn="ctr">
-                      <a:solidFill>
-                        <a:srgbClr val="44546A">
-                          <a:alpha val="25098"/>
-                        </a:srgbClr>
-                      </a:solidFill>
-                      <a:prstDash val="solid"/>
-                      <a:round/>
-                      <a:headEnd type="none" w="med" len="med"/>
-                      <a:tailEnd type="none" w="med" len="med"/>
-                    </a:lnB>
-                    <a:lnTlToBr w="12700" cmpd="sng">
-                      <a:noFill/>
-                      <a:prstDash val="solid"/>
-                    </a:lnTlToBr>
-                    <a:lnBlToTr w="12700" cmpd="sng">
-                      <a:noFill/>
-                      <a:prstDash val="solid"/>
-                    </a:lnBlToTr>
-                    <a:noFill/>
-                  </a:tcPr>
-                </a:tc>
-                <a:tc>
-                  <a:txBody>
-                    <a:bodyPr/>
-                    <a:lstStyle/>
-                    <a:p>
-                      <a:r>
-                        <a:rPr lang="en-US" sz="1050" dirty="0">
-                          <a:solidFill>
-                            <a:srgbClr val="CCCCCC"/>
-                          </a:solidFill>
-                          <a:latin typeface="Liberation Sans" panose="020B0604020202020204" pitchFamily="34" charset="0"/>
-                          <a:ea typeface="Liberation Sans" panose="020B0604020202020204" pitchFamily="34" charset="0"/>
-                          <a:cs typeface="Liberation Sans" panose="020B0604020202020204" pitchFamily="34" charset="0"/>
-                        </a:rPr>
-                        <a:t>H</a:t>
-                      </a:r>
-                    </a:p>
-                  </a:txBody>
-                  <a:tcPr>
-                    <a:lnL w="12700" cap="flat" cmpd="sng" algn="ctr">
-                      <a:solidFill>
-                        <a:srgbClr val="44546A">
-                          <a:alpha val="25098"/>
-                        </a:srgbClr>
-                      </a:solidFill>
-                      <a:prstDash val="solid"/>
-                      <a:round/>
-                      <a:headEnd type="none" w="med" len="med"/>
-                      <a:tailEnd type="none" w="med" len="med"/>
-                    </a:lnL>
-                    <a:lnR w="12700" cmpd="sng">
-                      <a:noFill/>
-                    </a:lnR>
-                    <a:lnT w="12700" cap="flat" cmpd="sng" algn="ctr">
-                      <a:solidFill>
-                        <a:srgbClr val="44546A">
-                          <a:alpha val="25098"/>
-                        </a:srgbClr>
-                      </a:solidFill>
-                      <a:prstDash val="solid"/>
-                      <a:round/>
-                      <a:headEnd type="none" w="med" len="med"/>
-                      <a:tailEnd type="none" w="med" len="med"/>
-                    </a:lnT>
-                    <a:lnB w="12700" cap="flat" cmpd="sng" algn="ctr">
-                      <a:solidFill>
-                        <a:srgbClr val="44546A">
-                          <a:alpha val="25098"/>
-                        </a:srgbClr>
-                      </a:solidFill>
-                      <a:prstDash val="solid"/>
-                      <a:round/>
-                      <a:headEnd type="none" w="med" len="med"/>
-                      <a:tailEnd type="none" w="med" len="med"/>
-                    </a:lnB>
-                    <a:lnTlToBr w="12700" cmpd="sng">
-                      <a:noFill/>
-                      <a:prstDash val="solid"/>
-                    </a:lnTlToBr>
-                    <a:lnBlToTr w="12700" cmpd="sng">
-                      <a:noFill/>
-                      <a:prstDash val="solid"/>
-                    </a:lnBlToTr>
-                    <a:noFill/>
-                  </a:tcPr>
-                </a:tc>
-                <a:extLst>
-                  <a:ext uri="{0D108BD9-81ED-4DB2-BD59-A6C34878D82A}">
-                    <a16:rowId xmlns:a16="http://schemas.microsoft.com/office/drawing/2014/main" val="1133386836"/>
-                  </a:ext>
-                </a:extLst>
-              </a:tr>
-              <a:tr h="0">
-                <a:tc>
-                  <a:txBody>
-                    <a:bodyPr/>
-                    <a:lstStyle/>
-                    <a:p>
-                      <a:r>
-                        <a:rPr lang="en-US" sz="1050" dirty="0">
-                          <a:solidFill>
-                            <a:srgbClr val="CCCCCC"/>
-                          </a:solidFill>
-                          <a:latin typeface="Liberation Sans" panose="020B0604020202020204" pitchFamily="34" charset="0"/>
-                          <a:ea typeface="Liberation Sans" panose="020B0604020202020204" pitchFamily="34" charset="0"/>
-                          <a:cs typeface="Liberation Sans" panose="020B0604020202020204" pitchFamily="34" charset="0"/>
-                        </a:rPr>
-                        <a:t>10</a:t>
-                      </a:r>
-                    </a:p>
-                  </a:txBody>
-                  <a:tcPr>
-                    <a:lnL w="12700" cmpd="sng">
-                      <a:noFill/>
-                    </a:lnL>
-                    <a:lnR w="12700" cap="flat" cmpd="sng" algn="ctr">
-                      <a:solidFill>
-                        <a:srgbClr val="44546A">
-                          <a:alpha val="25098"/>
-                        </a:srgbClr>
-                      </a:solidFill>
-                      <a:prstDash val="solid"/>
-                      <a:round/>
-                      <a:headEnd type="none" w="med" len="med"/>
-                      <a:tailEnd type="none" w="med" len="med"/>
-                    </a:lnR>
-                    <a:lnT w="12700" cap="flat" cmpd="sng" algn="ctr">
-                      <a:solidFill>
-                        <a:srgbClr val="44546A">
-                          <a:alpha val="25098"/>
-                        </a:srgbClr>
-                      </a:solidFill>
-                      <a:prstDash val="solid"/>
-                      <a:round/>
-                      <a:headEnd type="none" w="med" len="med"/>
-                      <a:tailEnd type="none" w="med" len="med"/>
-                    </a:lnT>
-                    <a:lnB w="12700" cap="flat" cmpd="sng" algn="ctr">
-                      <a:solidFill>
-                        <a:srgbClr val="44546A">
-                          <a:alpha val="25098"/>
-                        </a:srgbClr>
-                      </a:solidFill>
-                      <a:prstDash val="solid"/>
-                      <a:round/>
-                      <a:headEnd type="none" w="med" len="med"/>
-                      <a:tailEnd type="none" w="med" len="med"/>
-                    </a:lnB>
-                    <a:lnTlToBr w="12700" cmpd="sng">
-                      <a:noFill/>
-                      <a:prstDash val="solid"/>
-                    </a:lnTlToBr>
-                    <a:lnBlToTr w="12700" cmpd="sng">
-                      <a:noFill/>
-                      <a:prstDash val="solid"/>
-                    </a:lnBlToTr>
-                    <a:noFill/>
-                  </a:tcPr>
-                </a:tc>
-                <a:tc>
-                  <a:txBody>
-                    <a:bodyPr/>
-                    <a:lstStyle/>
-                    <a:p>
-                      <a:r>
-                        <a:rPr lang="en-US" sz="1050" dirty="0">
-                          <a:solidFill>
-                            <a:srgbClr val="CCCCCC"/>
-                          </a:solidFill>
-                          <a:latin typeface="Liberation Sans" panose="020B0604020202020204" pitchFamily="34" charset="0"/>
-                          <a:ea typeface="Liberation Sans" panose="020B0604020202020204" pitchFamily="34" charset="0"/>
-                          <a:cs typeface="Liberation Sans" panose="020B0604020202020204" pitchFamily="34" charset="0"/>
-                        </a:rPr>
-                        <a:t>5</a:t>
-                      </a:r>
-                    </a:p>
-                  </a:txBody>
-                  <a:tcPr>
-                    <a:lnL w="12700" cap="flat" cmpd="sng" algn="ctr">
-                      <a:solidFill>
-                        <a:srgbClr val="44546A">
-                          <a:alpha val="25098"/>
-                        </a:srgbClr>
-                      </a:solidFill>
-                      <a:prstDash val="solid"/>
-                      <a:round/>
-                      <a:headEnd type="none" w="med" len="med"/>
-                      <a:tailEnd type="none" w="med" len="med"/>
-                    </a:lnL>
-                    <a:lnR w="12700" cap="flat" cmpd="sng" algn="ctr">
-                      <a:solidFill>
-                        <a:srgbClr val="44546A">
-                          <a:alpha val="25098"/>
-                        </a:srgbClr>
-                      </a:solidFill>
-                      <a:prstDash val="solid"/>
-                      <a:round/>
-                      <a:headEnd type="none" w="med" len="med"/>
-                      <a:tailEnd type="none" w="med" len="med"/>
-                    </a:lnR>
-                    <a:lnT w="12700" cap="flat" cmpd="sng" algn="ctr">
-                      <a:solidFill>
-                        <a:srgbClr val="44546A">
-                          <a:alpha val="25098"/>
-                        </a:srgbClr>
-                      </a:solidFill>
-                      <a:prstDash val="solid"/>
-                      <a:round/>
-                      <a:headEnd type="none" w="med" len="med"/>
-                      <a:tailEnd type="none" w="med" len="med"/>
-                    </a:lnT>
-                    <a:lnB w="12700" cap="flat" cmpd="sng" algn="ctr">
-                      <a:solidFill>
-                        <a:srgbClr val="44546A">
-                          <a:alpha val="25098"/>
-                        </a:srgbClr>
-                      </a:solidFill>
-                      <a:prstDash val="solid"/>
-                      <a:round/>
-                      <a:headEnd type="none" w="med" len="med"/>
-                      <a:tailEnd type="none" w="med" len="med"/>
-                    </a:lnB>
-                    <a:lnTlToBr w="12700" cmpd="sng">
-                      <a:noFill/>
-                      <a:prstDash val="solid"/>
-                    </a:lnTlToBr>
-                    <a:lnBlToTr w="12700" cmpd="sng">
-                      <a:noFill/>
-                      <a:prstDash val="solid"/>
-                    </a:lnBlToTr>
-                    <a:noFill/>
-                  </a:tcPr>
-                </a:tc>
-                <a:tc>
-                  <a:txBody>
-                    <a:bodyPr/>
-                    <a:lstStyle/>
-                    <a:p>
-                      <a:r>
-                        <a:rPr lang="en-US" sz="1050" dirty="0">
-                          <a:solidFill>
-                            <a:srgbClr val="CCCCCC"/>
-                          </a:solidFill>
-                          <a:latin typeface="Liberation Sans" panose="020B0604020202020204" pitchFamily="34" charset="0"/>
-                          <a:ea typeface="Liberation Sans" panose="020B0604020202020204" pitchFamily="34" charset="0"/>
-                          <a:cs typeface="Liberation Sans" panose="020B0604020202020204" pitchFamily="34" charset="0"/>
-                        </a:rPr>
-                        <a:t>FARM:1</a:t>
-                      </a:r>
-                    </a:p>
-                  </a:txBody>
-                  <a:tcPr>
-                    <a:lnL w="12700" cap="flat" cmpd="sng" algn="ctr">
-                      <a:solidFill>
-                        <a:srgbClr val="44546A">
-                          <a:alpha val="25098"/>
-                        </a:srgbClr>
-                      </a:solidFill>
-                      <a:prstDash val="solid"/>
-                      <a:round/>
-                      <a:headEnd type="none" w="med" len="med"/>
-                      <a:tailEnd type="none" w="med" len="med"/>
-                    </a:lnL>
-                    <a:lnR w="12700" cap="flat" cmpd="sng" algn="ctr">
-                      <a:solidFill>
-                        <a:srgbClr val="44546A">
-                          <a:alpha val="25098"/>
-                        </a:srgbClr>
-                      </a:solidFill>
-                      <a:prstDash val="solid"/>
-                      <a:round/>
-                      <a:headEnd type="none" w="med" len="med"/>
-                      <a:tailEnd type="none" w="med" len="med"/>
-                    </a:lnR>
-                    <a:lnT w="12700" cap="flat" cmpd="sng" algn="ctr">
-                      <a:solidFill>
-                        <a:srgbClr val="44546A">
-                          <a:alpha val="25098"/>
-                        </a:srgbClr>
-                      </a:solidFill>
-                      <a:prstDash val="solid"/>
-                      <a:round/>
-                      <a:headEnd type="none" w="med" len="med"/>
-                      <a:tailEnd type="none" w="med" len="med"/>
-                    </a:lnT>
-                    <a:lnB w="12700" cap="flat" cmpd="sng" algn="ctr">
-                      <a:solidFill>
-                        <a:srgbClr val="44546A">
-                          <a:alpha val="25098"/>
-                        </a:srgbClr>
-                      </a:solidFill>
-                      <a:prstDash val="solid"/>
-                      <a:round/>
-                      <a:headEnd type="none" w="med" len="med"/>
-                      <a:tailEnd type="none" w="med" len="med"/>
-                    </a:lnB>
-                    <a:lnTlToBr w="12700" cmpd="sng">
-                      <a:noFill/>
-                      <a:prstDash val="solid"/>
-                    </a:lnTlToBr>
-                    <a:lnBlToTr w="12700" cmpd="sng">
-                      <a:noFill/>
-                      <a:prstDash val="solid"/>
-                    </a:lnBlToTr>
-                    <a:noFill/>
-                  </a:tcPr>
-                </a:tc>
-                <a:tc>
-                  <a:txBody>
-                    <a:bodyPr/>
-                    <a:lstStyle/>
-                    <a:p>
-                      <a:r>
-                        <a:rPr lang="en-US" sz="1050" dirty="0">
-                          <a:solidFill>
-                            <a:srgbClr val="CCCCCC"/>
-                          </a:solidFill>
-                          <a:latin typeface="Liberation Sans" panose="020B0604020202020204" pitchFamily="34" charset="0"/>
-                          <a:ea typeface="Liberation Sans" panose="020B0604020202020204" pitchFamily="34" charset="0"/>
-                          <a:cs typeface="Liberation Sans" panose="020B0604020202020204" pitchFamily="34" charset="0"/>
-                        </a:rPr>
-                        <a:t>P</a:t>
-                      </a:r>
-                    </a:p>
-                  </a:txBody>
-                  <a:tcPr>
-                    <a:lnL w="12700" cap="flat" cmpd="sng" algn="ctr">
-                      <a:solidFill>
-                        <a:srgbClr val="44546A">
-                          <a:alpha val="25098"/>
-                        </a:srgbClr>
-                      </a:solidFill>
-                      <a:prstDash val="solid"/>
-                      <a:round/>
-                      <a:headEnd type="none" w="med" len="med"/>
-                      <a:tailEnd type="none" w="med" len="med"/>
-                    </a:lnL>
-                    <a:lnR w="12700" cmpd="sng">
-                      <a:noFill/>
-                    </a:lnR>
-                    <a:lnT w="12700" cap="flat" cmpd="sng" algn="ctr">
-                      <a:solidFill>
-                        <a:srgbClr val="44546A">
-                          <a:alpha val="25098"/>
-                        </a:srgbClr>
-                      </a:solidFill>
-                      <a:prstDash val="solid"/>
-                      <a:round/>
-                      <a:headEnd type="none" w="med" len="med"/>
-                      <a:tailEnd type="none" w="med" len="med"/>
-                    </a:lnT>
-                    <a:lnB w="12700" cap="flat" cmpd="sng" algn="ctr">
-                      <a:solidFill>
-                        <a:srgbClr val="44546A">
-                          <a:alpha val="25098"/>
-                        </a:srgbClr>
-                      </a:solidFill>
-                      <a:prstDash val="solid"/>
-                      <a:round/>
-                      <a:headEnd type="none" w="med" len="med"/>
-                      <a:tailEnd type="none" w="med" len="med"/>
-                    </a:lnB>
-                    <a:lnTlToBr w="12700" cmpd="sng">
-                      <a:noFill/>
-                      <a:prstDash val="solid"/>
-                    </a:lnTlToBr>
-                    <a:lnBlToTr w="12700" cmpd="sng">
-                      <a:noFill/>
-                      <a:prstDash val="solid"/>
-                    </a:lnBlToTr>
-                    <a:noFill/>
-                  </a:tcPr>
-                </a:tc>
-                <a:extLst>
-                  <a:ext uri="{0D108BD9-81ED-4DB2-BD59-A6C34878D82A}">
-                    <a16:rowId xmlns:a16="http://schemas.microsoft.com/office/drawing/2014/main" val="2730330794"/>
-                  </a:ext>
-                </a:extLst>
-              </a:tr>
-              <a:tr h="0">
-                <a:tc>
-                  <a:txBody>
-                    <a:bodyPr/>
-                    <a:lstStyle/>
-                    <a:p>
-                      <a:r>
-                        <a:rPr lang="en-US" sz="1050" dirty="0">
-                          <a:solidFill>
-                            <a:srgbClr val="CCCCCC"/>
-                          </a:solidFill>
-                          <a:latin typeface="Liberation Sans" panose="020B0604020202020204" pitchFamily="34" charset="0"/>
-                          <a:ea typeface="Liberation Sans" panose="020B0604020202020204" pitchFamily="34" charset="0"/>
-                          <a:cs typeface="Liberation Sans" panose="020B0604020202020204" pitchFamily="34" charset="0"/>
-                        </a:rPr>
-                        <a:t>2</a:t>
-                      </a:r>
-                    </a:p>
-                  </a:txBody>
-                  <a:tcPr>
-                    <a:lnL w="12700" cmpd="sng">
-                      <a:noFill/>
-                    </a:lnL>
-                    <a:lnR w="12700" cap="flat" cmpd="sng" algn="ctr">
-                      <a:solidFill>
-                        <a:srgbClr val="44546A">
-                          <a:alpha val="25098"/>
-                        </a:srgbClr>
-                      </a:solidFill>
-                      <a:prstDash val="solid"/>
-                      <a:round/>
-                      <a:headEnd type="none" w="med" len="med"/>
-                      <a:tailEnd type="none" w="med" len="med"/>
-                    </a:lnR>
-                    <a:lnT w="12700" cap="flat" cmpd="sng" algn="ctr">
-                      <a:solidFill>
-                        <a:srgbClr val="44546A">
-                          <a:alpha val="25098"/>
-                        </a:srgbClr>
-                      </a:solidFill>
-                      <a:prstDash val="solid"/>
-                      <a:round/>
-                      <a:headEnd type="none" w="med" len="med"/>
-                      <a:tailEnd type="none" w="med" len="med"/>
-                    </a:lnT>
-                    <a:lnB w="12700" cap="flat" cmpd="sng" algn="ctr">
-                      <a:solidFill>
-                        <a:srgbClr val="44546A">
-                          <a:alpha val="25098"/>
-                        </a:srgbClr>
-                      </a:solidFill>
-                      <a:prstDash val="solid"/>
-                      <a:round/>
-                      <a:headEnd type="none" w="med" len="med"/>
-                      <a:tailEnd type="none" w="med" len="med"/>
-                    </a:lnB>
-                    <a:lnTlToBr w="12700" cmpd="sng">
-                      <a:noFill/>
-                      <a:prstDash val="solid"/>
-                    </a:lnTlToBr>
-                    <a:lnBlToTr w="12700" cmpd="sng">
-                      <a:noFill/>
-                      <a:prstDash val="solid"/>
-                    </a:lnBlToTr>
-                    <a:noFill/>
-                  </a:tcPr>
-                </a:tc>
-                <a:tc>
-                  <a:txBody>
-                    <a:bodyPr/>
-                    <a:lstStyle/>
-                    <a:p>
-                      <a:r>
-                        <a:rPr lang="en-US" sz="1050" dirty="0">
-                          <a:solidFill>
-                            <a:srgbClr val="CCCCCC"/>
-                          </a:solidFill>
-                          <a:latin typeface="Liberation Sans" panose="020B0604020202020204" pitchFamily="34" charset="0"/>
-                          <a:ea typeface="Liberation Sans" panose="020B0604020202020204" pitchFamily="34" charset="0"/>
-                          <a:cs typeface="Liberation Sans" panose="020B0604020202020204" pitchFamily="34" charset="0"/>
-                        </a:rPr>
-                        <a:t>7</a:t>
-                      </a:r>
-                    </a:p>
-                  </a:txBody>
-                  <a:tcPr>
-                    <a:lnL w="12700" cap="flat" cmpd="sng" algn="ctr">
-                      <a:solidFill>
-                        <a:srgbClr val="44546A">
-                          <a:alpha val="25098"/>
-                        </a:srgbClr>
-                      </a:solidFill>
-                      <a:prstDash val="solid"/>
-                      <a:round/>
-                      <a:headEnd type="none" w="med" len="med"/>
-                      <a:tailEnd type="none" w="med" len="med"/>
-                    </a:lnL>
-                    <a:lnR w="12700" cap="flat" cmpd="sng" algn="ctr">
-                      <a:solidFill>
-                        <a:srgbClr val="44546A">
-                          <a:alpha val="25098"/>
-                        </a:srgbClr>
-                      </a:solidFill>
-                      <a:prstDash val="solid"/>
-                      <a:round/>
-                      <a:headEnd type="none" w="med" len="med"/>
-                      <a:tailEnd type="none" w="med" len="med"/>
-                    </a:lnR>
-                    <a:lnT w="12700" cap="flat" cmpd="sng" algn="ctr">
-                      <a:solidFill>
-                        <a:srgbClr val="44546A">
-                          <a:alpha val="25098"/>
-                        </a:srgbClr>
-                      </a:solidFill>
-                      <a:prstDash val="solid"/>
-                      <a:round/>
-                      <a:headEnd type="none" w="med" len="med"/>
-                      <a:tailEnd type="none" w="med" len="med"/>
-                    </a:lnT>
-                    <a:lnB w="12700" cap="flat" cmpd="sng" algn="ctr">
-                      <a:solidFill>
-                        <a:srgbClr val="44546A">
-                          <a:alpha val="25098"/>
-                        </a:srgbClr>
-                      </a:solidFill>
-                      <a:prstDash val="solid"/>
-                      <a:round/>
-                      <a:headEnd type="none" w="med" len="med"/>
-                      <a:tailEnd type="none" w="med" len="med"/>
-                    </a:lnB>
-                    <a:lnTlToBr w="12700" cmpd="sng">
-                      <a:noFill/>
-                      <a:prstDash val="solid"/>
-                    </a:lnTlToBr>
-                    <a:lnBlToTr w="12700" cmpd="sng">
-                      <a:noFill/>
-                      <a:prstDash val="solid"/>
-                    </a:lnBlToTr>
-                    <a:noFill/>
-                  </a:tcPr>
-                </a:tc>
-                <a:tc>
-                  <a:txBody>
-                    <a:bodyPr/>
-                    <a:lstStyle/>
-                    <a:p>
-                      <a:r>
-                        <a:rPr lang="en-US" sz="1050" dirty="0">
-                          <a:solidFill>
-                            <a:srgbClr val="CCCCCC"/>
-                          </a:solidFill>
-                          <a:latin typeface="Liberation Sans" panose="020B0604020202020204" pitchFamily="34" charset="0"/>
-                          <a:ea typeface="Liberation Sans" panose="020B0604020202020204" pitchFamily="34" charset="0"/>
-                          <a:cs typeface="Liberation Sans" panose="020B0604020202020204" pitchFamily="34" charset="0"/>
-                        </a:rPr>
-                        <a:t>PORT:1</a:t>
-                      </a:r>
-                    </a:p>
-                  </a:txBody>
-                  <a:tcPr>
-                    <a:lnL w="12700" cap="flat" cmpd="sng" algn="ctr">
-                      <a:solidFill>
-                        <a:srgbClr val="44546A">
-                          <a:alpha val="25098"/>
-                        </a:srgbClr>
-                      </a:solidFill>
-                      <a:prstDash val="solid"/>
-                      <a:round/>
-                      <a:headEnd type="none" w="med" len="med"/>
-                      <a:tailEnd type="none" w="med" len="med"/>
-                    </a:lnL>
-                    <a:lnR w="12700" cap="flat" cmpd="sng" algn="ctr">
-                      <a:solidFill>
-                        <a:srgbClr val="44546A">
-                          <a:alpha val="25098"/>
-                        </a:srgbClr>
-                      </a:solidFill>
-                      <a:prstDash val="solid"/>
-                      <a:round/>
-                      <a:headEnd type="none" w="med" len="med"/>
-                      <a:tailEnd type="none" w="med" len="med"/>
-                    </a:lnR>
-                    <a:lnT w="12700" cap="flat" cmpd="sng" algn="ctr">
-                      <a:solidFill>
-                        <a:srgbClr val="44546A">
-                          <a:alpha val="25098"/>
-                        </a:srgbClr>
-                      </a:solidFill>
-                      <a:prstDash val="solid"/>
-                      <a:round/>
-                      <a:headEnd type="none" w="med" len="med"/>
-                      <a:tailEnd type="none" w="med" len="med"/>
-                    </a:lnT>
-                    <a:lnB w="12700" cap="flat" cmpd="sng" algn="ctr">
-                      <a:solidFill>
-                        <a:srgbClr val="44546A">
-                          <a:alpha val="25098"/>
-                        </a:srgbClr>
-                      </a:solidFill>
-                      <a:prstDash val="solid"/>
-                      <a:round/>
-                      <a:headEnd type="none" w="med" len="med"/>
-                      <a:tailEnd type="none" w="med" len="med"/>
-                    </a:lnB>
-                    <a:lnTlToBr w="12700" cmpd="sng">
-                      <a:noFill/>
-                      <a:prstDash val="solid"/>
-                    </a:lnTlToBr>
-                    <a:lnBlToTr w="12700" cmpd="sng">
-                      <a:noFill/>
-                      <a:prstDash val="solid"/>
-                    </a:lnBlToTr>
-                    <a:noFill/>
-                  </a:tcPr>
-                </a:tc>
-                <a:tc>
-                  <a:txBody>
-                    <a:bodyPr/>
-                    <a:lstStyle/>
-                    <a:p>
-                      <a:r>
-                        <a:rPr lang="en-US" sz="1050" dirty="0">
-                          <a:solidFill>
-                            <a:srgbClr val="CCCCCC"/>
-                          </a:solidFill>
-                          <a:latin typeface="Liberation Sans" panose="020B0604020202020204" pitchFamily="34" charset="0"/>
-                          <a:ea typeface="Liberation Sans" panose="020B0604020202020204" pitchFamily="34" charset="0"/>
-                          <a:cs typeface="Liberation Sans" panose="020B0604020202020204" pitchFamily="34" charset="0"/>
-                        </a:rPr>
-                        <a:t>H</a:t>
-                      </a:r>
-                    </a:p>
-                  </a:txBody>
-                  <a:tcPr>
-                    <a:lnL w="12700" cap="flat" cmpd="sng" algn="ctr">
-                      <a:solidFill>
-                        <a:srgbClr val="44546A">
-                          <a:alpha val="25098"/>
-                        </a:srgbClr>
-                      </a:solidFill>
-                      <a:prstDash val="solid"/>
-                      <a:round/>
-                      <a:headEnd type="none" w="med" len="med"/>
-                      <a:tailEnd type="none" w="med" len="med"/>
-                    </a:lnL>
-                    <a:lnR w="12700" cmpd="sng">
-                      <a:noFill/>
-                    </a:lnR>
-                    <a:lnT w="12700" cap="flat" cmpd="sng" algn="ctr">
-                      <a:solidFill>
-                        <a:srgbClr val="44546A">
-                          <a:alpha val="25098"/>
-                        </a:srgbClr>
-                      </a:solidFill>
-                      <a:prstDash val="solid"/>
-                      <a:round/>
-                      <a:headEnd type="none" w="med" len="med"/>
-                      <a:tailEnd type="none" w="med" len="med"/>
-                    </a:lnT>
-                    <a:lnB w="12700" cap="flat" cmpd="sng" algn="ctr">
-                      <a:solidFill>
-                        <a:srgbClr val="44546A">
-                          <a:alpha val="25098"/>
-                        </a:srgbClr>
-                      </a:solidFill>
-                      <a:prstDash val="solid"/>
-                      <a:round/>
-                      <a:headEnd type="none" w="med" len="med"/>
-                      <a:tailEnd type="none" w="med" len="med"/>
-                    </a:lnB>
-                    <a:lnTlToBr w="12700" cmpd="sng">
-                      <a:noFill/>
-                      <a:prstDash val="solid"/>
-                    </a:lnTlToBr>
-                    <a:lnBlToTr w="12700" cmpd="sng">
-                      <a:noFill/>
-                      <a:prstDash val="solid"/>
-                    </a:lnBlToTr>
-                    <a:noFill/>
-                  </a:tcPr>
-                </a:tc>
-                <a:extLst>
-                  <a:ext uri="{0D108BD9-81ED-4DB2-BD59-A6C34878D82A}">
-                    <a16:rowId xmlns:a16="http://schemas.microsoft.com/office/drawing/2014/main" val="989447555"/>
-                  </a:ext>
-                </a:extLst>
-              </a:tr>
-              <a:tr h="0">
-                <a:tc>
-                  <a:txBody>
-                    <a:bodyPr/>
-                    <a:lstStyle/>
-                    <a:p>
-                      <a:r>
-                        <a:rPr lang="en-US" sz="1050" dirty="0">
-                          <a:solidFill>
-                            <a:srgbClr val="CCCCCC"/>
-                          </a:solidFill>
-                          <a:latin typeface="Liberation Sans" panose="020B0604020202020204" pitchFamily="34" charset="0"/>
-                          <a:ea typeface="Liberation Sans" panose="020B0604020202020204" pitchFamily="34" charset="0"/>
-                          <a:cs typeface="Liberation Sans" panose="020B0604020202020204" pitchFamily="34" charset="0"/>
-                        </a:rPr>
-                        <a:t>8</a:t>
-                      </a:r>
-                    </a:p>
-                  </a:txBody>
-                  <a:tcPr>
-                    <a:lnL w="12700" cmpd="sng">
-                      <a:noFill/>
-                    </a:lnL>
-                    <a:lnR w="12700" cap="flat" cmpd="sng" algn="ctr">
-                      <a:solidFill>
-                        <a:srgbClr val="44546A">
-                          <a:alpha val="25098"/>
-                        </a:srgbClr>
-                      </a:solidFill>
-                      <a:prstDash val="solid"/>
-                      <a:round/>
-                      <a:headEnd type="none" w="med" len="med"/>
-                      <a:tailEnd type="none" w="med" len="med"/>
-                    </a:lnR>
-                    <a:lnT w="12700" cap="flat" cmpd="sng" algn="ctr">
-                      <a:solidFill>
-                        <a:srgbClr val="44546A">
-                          <a:alpha val="25098"/>
-                        </a:srgbClr>
-                      </a:solidFill>
-                      <a:prstDash val="solid"/>
-                      <a:round/>
-                      <a:headEnd type="none" w="med" len="med"/>
-                      <a:tailEnd type="none" w="med" len="med"/>
-                    </a:lnT>
-                    <a:lnB w="12700" cap="flat" cmpd="sng" algn="ctr">
-                      <a:solidFill>
-                        <a:srgbClr val="44546A">
-                          <a:alpha val="25098"/>
-                        </a:srgbClr>
-                      </a:solidFill>
-                      <a:prstDash val="solid"/>
-                      <a:round/>
-                      <a:headEnd type="none" w="med" len="med"/>
-                      <a:tailEnd type="none" w="med" len="med"/>
-                    </a:lnB>
-                    <a:lnTlToBr w="12700" cmpd="sng">
-                      <a:noFill/>
-                      <a:prstDash val="solid"/>
-                    </a:lnTlToBr>
-                    <a:lnBlToTr w="12700" cmpd="sng">
-                      <a:noFill/>
-                      <a:prstDash val="solid"/>
-                    </a:lnBlToTr>
-                    <a:noFill/>
-                  </a:tcPr>
-                </a:tc>
-                <a:tc>
-                  <a:txBody>
-                    <a:bodyPr/>
-                    <a:lstStyle/>
-                    <a:p>
-                      <a:r>
-                        <a:rPr lang="en-US" sz="1050" dirty="0">
-                          <a:solidFill>
-                            <a:srgbClr val="CCCCCC"/>
-                          </a:solidFill>
-                          <a:latin typeface="Liberation Sans" panose="020B0604020202020204" pitchFamily="34" charset="0"/>
-                          <a:ea typeface="Liberation Sans" panose="020B0604020202020204" pitchFamily="34" charset="0"/>
-                          <a:cs typeface="Liberation Sans" panose="020B0604020202020204" pitchFamily="34" charset="0"/>
-                        </a:rPr>
-                        <a:t>7</a:t>
-                      </a:r>
-                    </a:p>
-                  </a:txBody>
-                  <a:tcPr>
-                    <a:lnL w="12700" cap="flat" cmpd="sng" algn="ctr">
-                      <a:solidFill>
-                        <a:srgbClr val="44546A">
-                          <a:alpha val="25098"/>
-                        </a:srgbClr>
-                      </a:solidFill>
-                      <a:prstDash val="solid"/>
-                      <a:round/>
-                      <a:headEnd type="none" w="med" len="med"/>
-                      <a:tailEnd type="none" w="med" len="med"/>
-                    </a:lnL>
-                    <a:lnR w="12700" cap="flat" cmpd="sng" algn="ctr">
-                      <a:solidFill>
-                        <a:srgbClr val="44546A">
-                          <a:alpha val="25098"/>
-                        </a:srgbClr>
-                      </a:solidFill>
-                      <a:prstDash val="solid"/>
-                      <a:round/>
-                      <a:headEnd type="none" w="med" len="med"/>
-                      <a:tailEnd type="none" w="med" len="med"/>
-                    </a:lnR>
-                    <a:lnT w="12700" cap="flat" cmpd="sng" algn="ctr">
-                      <a:solidFill>
-                        <a:srgbClr val="44546A">
-                          <a:alpha val="25098"/>
-                        </a:srgbClr>
-                      </a:solidFill>
-                      <a:prstDash val="solid"/>
-                      <a:round/>
-                      <a:headEnd type="none" w="med" len="med"/>
-                      <a:tailEnd type="none" w="med" len="med"/>
-                    </a:lnT>
-                    <a:lnB w="12700" cap="flat" cmpd="sng" algn="ctr">
-                      <a:solidFill>
-                        <a:srgbClr val="44546A">
-                          <a:alpha val="25098"/>
-                        </a:srgbClr>
-                      </a:solidFill>
-                      <a:prstDash val="solid"/>
-                      <a:round/>
-                      <a:headEnd type="none" w="med" len="med"/>
-                      <a:tailEnd type="none" w="med" len="med"/>
-                    </a:lnB>
-                    <a:lnTlToBr w="12700" cmpd="sng">
-                      <a:noFill/>
-                      <a:prstDash val="solid"/>
-                    </a:lnTlToBr>
-                    <a:lnBlToTr w="12700" cmpd="sng">
-                      <a:noFill/>
-                      <a:prstDash val="solid"/>
-                    </a:lnBlToTr>
-                    <a:noFill/>
-                  </a:tcPr>
-                </a:tc>
-                <a:tc>
-                  <a:txBody>
-                    <a:bodyPr/>
-                    <a:lstStyle/>
-                    <a:p>
-                      <a:r>
-                        <a:rPr lang="en-US" sz="1050" dirty="0">
-                          <a:solidFill>
-                            <a:srgbClr val="CCCCCC"/>
-                          </a:solidFill>
-                          <a:latin typeface="Liberation Sans" panose="020B0604020202020204" pitchFamily="34" charset="0"/>
-                          <a:ea typeface="Liberation Sans" panose="020B0604020202020204" pitchFamily="34" charset="0"/>
-                          <a:cs typeface="Liberation Sans" panose="020B0604020202020204" pitchFamily="34" charset="0"/>
-                        </a:rPr>
-                        <a:t>CITY:1</a:t>
-                      </a:r>
-                    </a:p>
-                  </a:txBody>
-                  <a:tcPr>
-                    <a:lnL w="12700" cap="flat" cmpd="sng" algn="ctr">
-                      <a:solidFill>
-                        <a:srgbClr val="44546A">
-                          <a:alpha val="25098"/>
-                        </a:srgbClr>
-                      </a:solidFill>
-                      <a:prstDash val="solid"/>
-                      <a:round/>
-                      <a:headEnd type="none" w="med" len="med"/>
-                      <a:tailEnd type="none" w="med" len="med"/>
-                    </a:lnL>
-                    <a:lnR w="12700" cap="flat" cmpd="sng" algn="ctr">
-                      <a:solidFill>
-                        <a:srgbClr val="44546A">
-                          <a:alpha val="25098"/>
-                        </a:srgbClr>
-                      </a:solidFill>
-                      <a:prstDash val="solid"/>
-                      <a:round/>
-                      <a:headEnd type="none" w="med" len="med"/>
-                      <a:tailEnd type="none" w="med" len="med"/>
-                    </a:lnR>
-                    <a:lnT w="12700" cap="flat" cmpd="sng" algn="ctr">
-                      <a:solidFill>
-                        <a:srgbClr val="44546A">
-                          <a:alpha val="25098"/>
-                        </a:srgbClr>
-                      </a:solidFill>
-                      <a:prstDash val="solid"/>
-                      <a:round/>
-                      <a:headEnd type="none" w="med" len="med"/>
-                      <a:tailEnd type="none" w="med" len="med"/>
-                    </a:lnT>
-                    <a:lnB w="12700" cap="flat" cmpd="sng" algn="ctr">
-                      <a:solidFill>
-                        <a:srgbClr val="44546A">
-                          <a:alpha val="25098"/>
-                        </a:srgbClr>
-                      </a:solidFill>
-                      <a:prstDash val="solid"/>
-                      <a:round/>
-                      <a:headEnd type="none" w="med" len="med"/>
-                      <a:tailEnd type="none" w="med" len="med"/>
-                    </a:lnB>
-                    <a:lnTlToBr w="12700" cmpd="sng">
-                      <a:noFill/>
-                      <a:prstDash val="solid"/>
-                    </a:lnTlToBr>
-                    <a:lnBlToTr w="12700" cmpd="sng">
-                      <a:noFill/>
-                      <a:prstDash val="solid"/>
-                    </a:lnBlToTr>
-                    <a:noFill/>
-                  </a:tcPr>
-                </a:tc>
-                <a:tc>
-                  <a:txBody>
-                    <a:bodyPr/>
-                    <a:lstStyle/>
-                    <a:p>
-                      <a:r>
-                        <a:rPr lang="en-US" sz="1050" dirty="0">
-                          <a:solidFill>
-                            <a:srgbClr val="CCCCCC"/>
-                          </a:solidFill>
-                          <a:latin typeface="Liberation Sans" panose="020B0604020202020204" pitchFamily="34" charset="0"/>
-                          <a:ea typeface="Liberation Sans" panose="020B0604020202020204" pitchFamily="34" charset="0"/>
-                          <a:cs typeface="Liberation Sans" panose="020B0604020202020204" pitchFamily="34" charset="0"/>
-                        </a:rPr>
-                        <a:t>C</a:t>
-                      </a:r>
-                    </a:p>
-                  </a:txBody>
-                  <a:tcPr>
-                    <a:lnL w="12700" cap="flat" cmpd="sng" algn="ctr">
-                      <a:solidFill>
-                        <a:srgbClr val="44546A">
-                          <a:alpha val="25098"/>
-                        </a:srgbClr>
-                      </a:solidFill>
-                      <a:prstDash val="solid"/>
-                      <a:round/>
-                      <a:headEnd type="none" w="med" len="med"/>
-                      <a:tailEnd type="none" w="med" len="med"/>
-                    </a:lnL>
-                    <a:lnR w="12700" cmpd="sng">
-                      <a:noFill/>
-                    </a:lnR>
-                    <a:lnT w="12700" cap="flat" cmpd="sng" algn="ctr">
-                      <a:solidFill>
-                        <a:srgbClr val="44546A">
-                          <a:alpha val="25098"/>
-                        </a:srgbClr>
-                      </a:solidFill>
-                      <a:prstDash val="solid"/>
-                      <a:round/>
-                      <a:headEnd type="none" w="med" len="med"/>
-                      <a:tailEnd type="none" w="med" len="med"/>
-                    </a:lnT>
-                    <a:lnB w="12700" cap="flat" cmpd="sng" algn="ctr">
-                      <a:solidFill>
-                        <a:srgbClr val="44546A">
-                          <a:alpha val="25098"/>
-                        </a:srgbClr>
-                      </a:solidFill>
-                      <a:prstDash val="solid"/>
-                      <a:round/>
-                      <a:headEnd type="none" w="med" len="med"/>
-                      <a:tailEnd type="none" w="med" len="med"/>
-                    </a:lnB>
-                    <a:lnTlToBr w="12700" cmpd="sng">
-                      <a:noFill/>
-                      <a:prstDash val="solid"/>
-                    </a:lnTlToBr>
-                    <a:lnBlToTr w="12700" cmpd="sng">
-                      <a:noFill/>
-                      <a:prstDash val="solid"/>
-                    </a:lnBlToTr>
-                    <a:noFill/>
-                  </a:tcPr>
-                </a:tc>
-                <a:extLst>
-                  <a:ext uri="{0D108BD9-81ED-4DB2-BD59-A6C34878D82A}">
-                    <a16:rowId xmlns:a16="http://schemas.microsoft.com/office/drawing/2014/main" val="2065849670"/>
-                  </a:ext>
-                </a:extLst>
-              </a:tr>
-              <a:tr h="0">
-                <a:tc>
-                  <a:txBody>
-                    <a:bodyPr/>
-                    <a:lstStyle/>
-                    <a:p>
-                      <a:r>
-                        <a:rPr lang="en-US" sz="1050" dirty="0">
-                          <a:solidFill>
-                            <a:srgbClr val="CCCCCC"/>
-                          </a:solidFill>
-                          <a:latin typeface="Liberation Sans" panose="020B0604020202020204" pitchFamily="34" charset="0"/>
-                          <a:ea typeface="Liberation Sans" panose="020B0604020202020204" pitchFamily="34" charset="0"/>
-                          <a:cs typeface="Liberation Sans" panose="020B0604020202020204" pitchFamily="34" charset="0"/>
-                        </a:rPr>
-                        <a:t>9</a:t>
-                      </a:r>
-                    </a:p>
-                  </a:txBody>
-                  <a:tcPr>
-                    <a:lnL w="12700" cmpd="sng">
-                      <a:noFill/>
-                    </a:lnL>
-                    <a:lnR w="12700" cap="flat" cmpd="sng" algn="ctr">
-                      <a:solidFill>
-                        <a:srgbClr val="44546A">
-                          <a:alpha val="25098"/>
-                        </a:srgbClr>
-                      </a:solidFill>
-                      <a:prstDash val="solid"/>
-                      <a:round/>
-                      <a:headEnd type="none" w="med" len="med"/>
-                      <a:tailEnd type="none" w="med" len="med"/>
-                    </a:lnR>
-                    <a:lnT w="12700" cap="flat" cmpd="sng" algn="ctr">
-                      <a:solidFill>
-                        <a:srgbClr val="44546A">
-                          <a:alpha val="25098"/>
-                        </a:srgbClr>
-                      </a:solidFill>
-                      <a:prstDash val="solid"/>
-                      <a:round/>
-                      <a:headEnd type="none" w="med" len="med"/>
-                      <a:tailEnd type="none" w="med" len="med"/>
-                    </a:lnT>
-                    <a:lnB w="12700" cap="flat" cmpd="sng" algn="ctr">
-                      <a:solidFill>
-                        <a:srgbClr val="44546A">
-                          <a:alpha val="25098"/>
-                        </a:srgbClr>
-                      </a:solidFill>
-                      <a:prstDash val="solid"/>
-                      <a:round/>
-                      <a:headEnd type="none" w="med" len="med"/>
-                      <a:tailEnd type="none" w="med" len="med"/>
-                    </a:lnB>
-                    <a:lnTlToBr w="12700" cmpd="sng">
-                      <a:noFill/>
-                      <a:prstDash val="solid"/>
-                    </a:lnTlToBr>
-                    <a:lnBlToTr w="12700" cmpd="sng">
-                      <a:noFill/>
-                      <a:prstDash val="solid"/>
-                    </a:lnBlToTr>
-                    <a:noFill/>
-                  </a:tcPr>
-                </a:tc>
-                <a:tc>
-                  <a:txBody>
-                    <a:bodyPr/>
-                    <a:lstStyle/>
-                    <a:p>
-                      <a:r>
-                        <a:rPr lang="en-US" sz="1050" dirty="0">
-                          <a:solidFill>
-                            <a:srgbClr val="CCCCCC"/>
-                          </a:solidFill>
-                          <a:latin typeface="Liberation Sans" panose="020B0604020202020204" pitchFamily="34" charset="0"/>
-                          <a:ea typeface="Liberation Sans" panose="020B0604020202020204" pitchFamily="34" charset="0"/>
-                          <a:cs typeface="Liberation Sans" panose="020B0604020202020204" pitchFamily="34" charset="0"/>
-                        </a:rPr>
-                        <a:t>7</a:t>
-                      </a:r>
-                    </a:p>
-                  </a:txBody>
-                  <a:tcPr>
-                    <a:lnL w="12700" cap="flat" cmpd="sng" algn="ctr">
-                      <a:solidFill>
-                        <a:srgbClr val="44546A">
-                          <a:alpha val="25098"/>
-                        </a:srgbClr>
-                      </a:solidFill>
-                      <a:prstDash val="solid"/>
-                      <a:round/>
-                      <a:headEnd type="none" w="med" len="med"/>
-                      <a:tailEnd type="none" w="med" len="med"/>
-                    </a:lnL>
-                    <a:lnR w="12700" cap="flat" cmpd="sng" algn="ctr">
-                      <a:solidFill>
-                        <a:srgbClr val="44546A">
-                          <a:alpha val="25098"/>
-                        </a:srgbClr>
-                      </a:solidFill>
-                      <a:prstDash val="solid"/>
-                      <a:round/>
-                      <a:headEnd type="none" w="med" len="med"/>
-                      <a:tailEnd type="none" w="med" len="med"/>
-                    </a:lnR>
-                    <a:lnT w="12700" cap="flat" cmpd="sng" algn="ctr">
-                      <a:solidFill>
-                        <a:srgbClr val="44546A">
-                          <a:alpha val="25098"/>
-                        </a:srgbClr>
-                      </a:solidFill>
-                      <a:prstDash val="solid"/>
-                      <a:round/>
-                      <a:headEnd type="none" w="med" len="med"/>
-                      <a:tailEnd type="none" w="med" len="med"/>
-                    </a:lnT>
-                    <a:lnB w="12700" cap="flat" cmpd="sng" algn="ctr">
-                      <a:solidFill>
-                        <a:srgbClr val="44546A">
-                          <a:alpha val="25098"/>
-                        </a:srgbClr>
-                      </a:solidFill>
-                      <a:prstDash val="solid"/>
-                      <a:round/>
-                      <a:headEnd type="none" w="med" len="med"/>
-                      <a:tailEnd type="none" w="med" len="med"/>
-                    </a:lnB>
-                    <a:lnTlToBr w="12700" cmpd="sng">
-                      <a:noFill/>
-                      <a:prstDash val="solid"/>
-                    </a:lnTlToBr>
-                    <a:lnBlToTr w="12700" cmpd="sng">
-                      <a:noFill/>
-                      <a:prstDash val="solid"/>
-                    </a:lnBlToTr>
-                    <a:noFill/>
-                  </a:tcPr>
-                </a:tc>
-                <a:tc>
-                  <a:txBody>
-                    <a:bodyPr/>
-                    <a:lstStyle/>
-                    <a:p>
-                      <a:r>
-                        <a:rPr lang="en-US" sz="1050" dirty="0">
-                          <a:solidFill>
-                            <a:srgbClr val="CCCCCC"/>
-                          </a:solidFill>
-                          <a:latin typeface="Liberation Sans" panose="020B0604020202020204" pitchFamily="34" charset="0"/>
-                          <a:ea typeface="Liberation Sans" panose="020B0604020202020204" pitchFamily="34" charset="0"/>
-                          <a:cs typeface="Liberation Sans" panose="020B0604020202020204" pitchFamily="34" charset="0"/>
-                        </a:rPr>
-                        <a:t>AIRPORT:1</a:t>
-                      </a:r>
-                    </a:p>
-                  </a:txBody>
-                  <a:tcPr>
-                    <a:lnL w="12700" cap="flat" cmpd="sng" algn="ctr">
-                      <a:solidFill>
-                        <a:srgbClr val="44546A">
-                          <a:alpha val="25098"/>
-                        </a:srgbClr>
-                      </a:solidFill>
-                      <a:prstDash val="solid"/>
-                      <a:round/>
-                      <a:headEnd type="none" w="med" len="med"/>
-                      <a:tailEnd type="none" w="med" len="med"/>
-                    </a:lnL>
-                    <a:lnR w="12700" cap="flat" cmpd="sng" algn="ctr">
-                      <a:solidFill>
-                        <a:srgbClr val="44546A">
-                          <a:alpha val="25098"/>
-                        </a:srgbClr>
-                      </a:solidFill>
-                      <a:prstDash val="solid"/>
-                      <a:round/>
-                      <a:headEnd type="none" w="med" len="med"/>
-                      <a:tailEnd type="none" w="med" len="med"/>
-                    </a:lnR>
-                    <a:lnT w="12700" cap="flat" cmpd="sng" algn="ctr">
-                      <a:solidFill>
-                        <a:srgbClr val="44546A">
-                          <a:alpha val="25098"/>
-                        </a:srgbClr>
-                      </a:solidFill>
-                      <a:prstDash val="solid"/>
-                      <a:round/>
-                      <a:headEnd type="none" w="med" len="med"/>
-                      <a:tailEnd type="none" w="med" len="med"/>
-                    </a:lnT>
-                    <a:lnB w="12700" cap="flat" cmpd="sng" algn="ctr">
-                      <a:solidFill>
-                        <a:srgbClr val="44546A">
-                          <a:alpha val="25098"/>
-                        </a:srgbClr>
-                      </a:solidFill>
-                      <a:prstDash val="solid"/>
-                      <a:round/>
-                      <a:headEnd type="none" w="med" len="med"/>
-                      <a:tailEnd type="none" w="med" len="med"/>
-                    </a:lnB>
-                    <a:lnTlToBr w="12700" cmpd="sng">
-                      <a:noFill/>
-                      <a:prstDash val="solid"/>
-                    </a:lnTlToBr>
-                    <a:lnBlToTr w="12700" cmpd="sng">
-                      <a:noFill/>
-                      <a:prstDash val="solid"/>
-                    </a:lnBlToTr>
-                    <a:noFill/>
-                  </a:tcPr>
-                </a:tc>
-                <a:tc>
-                  <a:txBody>
-                    <a:bodyPr/>
-                    <a:lstStyle/>
-                    <a:p>
-                      <a:r>
-                        <a:rPr lang="en-US" sz="1050" dirty="0">
-                          <a:solidFill>
-                            <a:srgbClr val="CCCCCC"/>
-                          </a:solidFill>
-                          <a:latin typeface="Liberation Sans" panose="020B0604020202020204" pitchFamily="34" charset="0"/>
-                          <a:ea typeface="Liberation Sans" panose="020B0604020202020204" pitchFamily="34" charset="0"/>
-                          <a:cs typeface="Liberation Sans" panose="020B0604020202020204" pitchFamily="34" charset="0"/>
-                        </a:rPr>
-                        <a:t>H</a:t>
-                      </a:r>
-                    </a:p>
-                  </a:txBody>
-                  <a:tcPr>
-                    <a:lnL w="12700" cap="flat" cmpd="sng" algn="ctr">
-                      <a:solidFill>
-                        <a:srgbClr val="44546A">
-                          <a:alpha val="25098"/>
-                        </a:srgbClr>
-                      </a:solidFill>
-                      <a:prstDash val="solid"/>
-                      <a:round/>
-                      <a:headEnd type="none" w="med" len="med"/>
-                      <a:tailEnd type="none" w="med" len="med"/>
-                    </a:lnL>
-                    <a:lnR w="12700" cmpd="sng">
-                      <a:noFill/>
-                    </a:lnR>
-                    <a:lnT w="12700" cap="flat" cmpd="sng" algn="ctr">
-                      <a:solidFill>
-                        <a:srgbClr val="44546A">
-                          <a:alpha val="25098"/>
-                        </a:srgbClr>
-                      </a:solidFill>
-                      <a:prstDash val="solid"/>
-                      <a:round/>
-                      <a:headEnd type="none" w="med" len="med"/>
-                      <a:tailEnd type="none" w="med" len="med"/>
-                    </a:lnT>
-                    <a:lnB w="12700" cap="flat" cmpd="sng" algn="ctr">
-                      <a:solidFill>
-                        <a:srgbClr val="44546A">
-                          <a:alpha val="25098"/>
-                        </a:srgbClr>
-                      </a:solidFill>
-                      <a:prstDash val="solid"/>
-                      <a:round/>
-                      <a:headEnd type="none" w="med" len="med"/>
-                      <a:tailEnd type="none" w="med" len="med"/>
-                    </a:lnB>
-                    <a:lnTlToBr w="12700" cmpd="sng">
-                      <a:noFill/>
-                      <a:prstDash val="solid"/>
-                    </a:lnTlToBr>
-                    <a:lnBlToTr w="12700" cmpd="sng">
-                      <a:noFill/>
-                      <a:prstDash val="solid"/>
-                    </a:lnBlToTr>
-                    <a:noFill/>
-                  </a:tcPr>
-                </a:tc>
-                <a:extLst>
-                  <a:ext uri="{0D108BD9-81ED-4DB2-BD59-A6C34878D82A}">
-                    <a16:rowId xmlns:a16="http://schemas.microsoft.com/office/drawing/2014/main" val="994101258"/>
-                  </a:ext>
-                </a:extLst>
-              </a:tr>
-              <a:tr h="0">
-                <a:tc>
-                  <a:txBody>
-                    <a:bodyPr/>
-                    <a:lstStyle/>
-                    <a:p>
-                      <a:r>
-                        <a:rPr lang="en-US" sz="1050" dirty="0">
-                          <a:solidFill>
-                            <a:srgbClr val="CCCCCC"/>
-                          </a:solidFill>
-                          <a:latin typeface="Liberation Sans" panose="020B0604020202020204" pitchFamily="34" charset="0"/>
-                          <a:ea typeface="Liberation Sans" panose="020B0604020202020204" pitchFamily="34" charset="0"/>
-                          <a:cs typeface="Liberation Sans" panose="020B0604020202020204" pitchFamily="34" charset="0"/>
-                        </a:rPr>
-                        <a:t>7</a:t>
-                      </a:r>
-                    </a:p>
-                  </a:txBody>
-                  <a:tcPr>
-                    <a:lnL w="12700" cmpd="sng">
-                      <a:noFill/>
-                    </a:lnL>
-                    <a:lnR w="12700" cap="flat" cmpd="sng" algn="ctr">
-                      <a:solidFill>
-                        <a:srgbClr val="44546A">
-                          <a:alpha val="25098"/>
-                        </a:srgbClr>
-                      </a:solidFill>
-                      <a:prstDash val="solid"/>
-                      <a:round/>
-                      <a:headEnd type="none" w="med" len="med"/>
-                      <a:tailEnd type="none" w="med" len="med"/>
-                    </a:lnR>
-                    <a:lnT w="12700" cap="flat" cmpd="sng" algn="ctr">
-                      <a:solidFill>
-                        <a:srgbClr val="44546A">
-                          <a:alpha val="25098"/>
-                        </a:srgbClr>
-                      </a:solidFill>
-                      <a:prstDash val="solid"/>
-                      <a:round/>
-                      <a:headEnd type="none" w="med" len="med"/>
-                      <a:tailEnd type="none" w="med" len="med"/>
-                    </a:lnT>
-                    <a:lnB w="12700" cap="flat" cmpd="sng" algn="ctr">
-                      <a:solidFill>
-                        <a:srgbClr val="44546A">
-                          <a:alpha val="25098"/>
-                        </a:srgbClr>
-                      </a:solidFill>
-                      <a:prstDash val="solid"/>
-                      <a:round/>
-                      <a:headEnd type="none" w="med" len="med"/>
-                      <a:tailEnd type="none" w="med" len="med"/>
-                    </a:lnB>
-                    <a:lnTlToBr w="12700" cmpd="sng">
-                      <a:noFill/>
-                      <a:prstDash val="solid"/>
-                    </a:lnTlToBr>
-                    <a:lnBlToTr w="12700" cmpd="sng">
-                      <a:noFill/>
-                      <a:prstDash val="solid"/>
-                    </a:lnBlToTr>
-                    <a:noFill/>
-                  </a:tcPr>
-                </a:tc>
-                <a:tc>
-                  <a:txBody>
-                    <a:bodyPr/>
-                    <a:lstStyle/>
-                    <a:p>
-                      <a:r>
-                        <a:rPr lang="en-US" sz="1050" dirty="0">
-                          <a:solidFill>
-                            <a:srgbClr val="CCCCCC"/>
-                          </a:solidFill>
-                          <a:latin typeface="Liberation Sans" panose="020B0604020202020204" pitchFamily="34" charset="0"/>
-                          <a:ea typeface="Liberation Sans" panose="020B0604020202020204" pitchFamily="34" charset="0"/>
-                          <a:cs typeface="Liberation Sans" panose="020B0604020202020204" pitchFamily="34" charset="0"/>
-                        </a:rPr>
-                        <a:t>8</a:t>
-                      </a:r>
-                    </a:p>
-                  </a:txBody>
-                  <a:tcPr>
-                    <a:lnL w="12700" cap="flat" cmpd="sng" algn="ctr">
-                      <a:solidFill>
-                        <a:srgbClr val="44546A">
-                          <a:alpha val="25098"/>
-                        </a:srgbClr>
-                      </a:solidFill>
-                      <a:prstDash val="solid"/>
-                      <a:round/>
-                      <a:headEnd type="none" w="med" len="med"/>
-                      <a:tailEnd type="none" w="med" len="med"/>
-                    </a:lnL>
-                    <a:lnR w="12700" cap="flat" cmpd="sng" algn="ctr">
-                      <a:solidFill>
-                        <a:srgbClr val="44546A">
-                          <a:alpha val="25098"/>
-                        </a:srgbClr>
-                      </a:solidFill>
-                      <a:prstDash val="solid"/>
-                      <a:round/>
-                      <a:headEnd type="none" w="med" len="med"/>
-                      <a:tailEnd type="none" w="med" len="med"/>
-                    </a:lnR>
-                    <a:lnT w="12700" cap="flat" cmpd="sng" algn="ctr">
-                      <a:solidFill>
-                        <a:srgbClr val="44546A">
-                          <a:alpha val="25098"/>
-                        </a:srgbClr>
-                      </a:solidFill>
-                      <a:prstDash val="solid"/>
-                      <a:round/>
-                      <a:headEnd type="none" w="med" len="med"/>
-                      <a:tailEnd type="none" w="med" len="med"/>
-                    </a:lnT>
-                    <a:lnB w="12700" cap="flat" cmpd="sng" algn="ctr">
-                      <a:solidFill>
-                        <a:srgbClr val="44546A">
-                          <a:alpha val="25098"/>
-                        </a:srgbClr>
-                      </a:solidFill>
-                      <a:prstDash val="solid"/>
-                      <a:round/>
-                      <a:headEnd type="none" w="med" len="med"/>
-                      <a:tailEnd type="none" w="med" len="med"/>
-                    </a:lnB>
-                    <a:lnTlToBr w="12700" cmpd="sng">
-                      <a:noFill/>
-                      <a:prstDash val="solid"/>
-                    </a:lnTlToBr>
-                    <a:lnBlToTr w="12700" cmpd="sng">
-                      <a:noFill/>
-                      <a:prstDash val="solid"/>
-                    </a:lnBlToTr>
-                    <a:noFill/>
-                  </a:tcPr>
-                </a:tc>
-                <a:tc>
-                  <a:txBody>
-                    <a:bodyPr/>
-                    <a:lstStyle/>
-                    <a:p>
-                      <a:r>
-                        <a:rPr lang="en-US" sz="1050" dirty="0">
-                          <a:solidFill>
-                            <a:srgbClr val="CCCCCC"/>
-                          </a:solidFill>
-                          <a:latin typeface="Liberation Sans" panose="020B0604020202020204" pitchFamily="34" charset="0"/>
-                          <a:ea typeface="Liberation Sans" panose="020B0604020202020204" pitchFamily="34" charset="0"/>
-                          <a:cs typeface="Liberation Sans" panose="020B0604020202020204" pitchFamily="34" charset="0"/>
-                        </a:rPr>
-                        <a:t>POWERPLANT:1</a:t>
-                      </a:r>
-                    </a:p>
-                  </a:txBody>
-                  <a:tcPr>
-                    <a:lnL w="12700" cap="flat" cmpd="sng" algn="ctr">
-                      <a:solidFill>
-                        <a:srgbClr val="44546A">
-                          <a:alpha val="25098"/>
-                        </a:srgbClr>
-                      </a:solidFill>
-                      <a:prstDash val="solid"/>
-                      <a:round/>
-                      <a:headEnd type="none" w="med" len="med"/>
-                      <a:tailEnd type="none" w="med" len="med"/>
-                    </a:lnL>
-                    <a:lnR w="12700" cap="flat" cmpd="sng" algn="ctr">
-                      <a:solidFill>
-                        <a:srgbClr val="44546A">
-                          <a:alpha val="25098"/>
-                        </a:srgbClr>
-                      </a:solidFill>
-                      <a:prstDash val="solid"/>
-                      <a:round/>
-                      <a:headEnd type="none" w="med" len="med"/>
-                      <a:tailEnd type="none" w="med" len="med"/>
-                    </a:lnR>
-                    <a:lnT w="12700" cap="flat" cmpd="sng" algn="ctr">
-                      <a:solidFill>
-                        <a:srgbClr val="44546A">
-                          <a:alpha val="25098"/>
-                        </a:srgbClr>
-                      </a:solidFill>
-                      <a:prstDash val="solid"/>
-                      <a:round/>
-                      <a:headEnd type="none" w="med" len="med"/>
-                      <a:tailEnd type="none" w="med" len="med"/>
-                    </a:lnT>
-                    <a:lnB w="12700" cap="flat" cmpd="sng" algn="ctr">
-                      <a:solidFill>
-                        <a:srgbClr val="44546A">
-                          <a:alpha val="25098"/>
-                        </a:srgbClr>
-                      </a:solidFill>
-                      <a:prstDash val="solid"/>
-                      <a:round/>
-                      <a:headEnd type="none" w="med" len="med"/>
-                      <a:tailEnd type="none" w="med" len="med"/>
-                    </a:lnB>
-                    <a:lnTlToBr w="12700" cmpd="sng">
-                      <a:noFill/>
-                      <a:prstDash val="solid"/>
-                    </a:lnTlToBr>
-                    <a:lnBlToTr w="12700" cmpd="sng">
-                      <a:noFill/>
-                      <a:prstDash val="solid"/>
-                    </a:lnBlToTr>
-                    <a:noFill/>
-                  </a:tcPr>
-                </a:tc>
-                <a:tc>
-                  <a:txBody>
-                    <a:bodyPr/>
-                    <a:lstStyle/>
-                    <a:p>
-                      <a:r>
-                        <a:rPr lang="en-US" sz="1050" dirty="0">
-                          <a:solidFill>
-                            <a:srgbClr val="CCCCCC"/>
-                          </a:solidFill>
-                          <a:latin typeface="Liberation Sans" panose="020B0604020202020204" pitchFamily="34" charset="0"/>
-                          <a:ea typeface="Liberation Sans" panose="020B0604020202020204" pitchFamily="34" charset="0"/>
-                          <a:cs typeface="Liberation Sans" panose="020B0604020202020204" pitchFamily="34" charset="0"/>
-                        </a:rPr>
-                        <a:t>P</a:t>
-                      </a:r>
-                    </a:p>
-                  </a:txBody>
-                  <a:tcPr>
-                    <a:lnL w="12700" cap="flat" cmpd="sng" algn="ctr">
-                      <a:solidFill>
-                        <a:srgbClr val="44546A">
-                          <a:alpha val="25098"/>
-                        </a:srgbClr>
-                      </a:solidFill>
-                      <a:prstDash val="solid"/>
-                      <a:round/>
-                      <a:headEnd type="none" w="med" len="med"/>
-                      <a:tailEnd type="none" w="med" len="med"/>
-                    </a:lnL>
-                    <a:lnR w="12700" cmpd="sng">
-                      <a:noFill/>
-                    </a:lnR>
-                    <a:lnT w="12700" cap="flat" cmpd="sng" algn="ctr">
-                      <a:solidFill>
-                        <a:srgbClr val="44546A">
-                          <a:alpha val="25098"/>
-                        </a:srgbClr>
-                      </a:solidFill>
-                      <a:prstDash val="solid"/>
-                      <a:round/>
-                      <a:headEnd type="none" w="med" len="med"/>
-                      <a:tailEnd type="none" w="med" len="med"/>
-                    </a:lnT>
-                    <a:lnB w="12700" cap="flat" cmpd="sng" algn="ctr">
-                      <a:solidFill>
-                        <a:srgbClr val="44546A">
-                          <a:alpha val="25098"/>
-                        </a:srgbClr>
-                      </a:solidFill>
-                      <a:prstDash val="solid"/>
-                      <a:round/>
-                      <a:headEnd type="none" w="med" len="med"/>
-                      <a:tailEnd type="none" w="med" len="med"/>
-                    </a:lnB>
-                    <a:lnTlToBr w="12700" cmpd="sng">
-                      <a:noFill/>
-                      <a:prstDash val="solid"/>
-                    </a:lnTlToBr>
-                    <a:lnBlToTr w="12700" cmpd="sng">
-                      <a:noFill/>
-                      <a:prstDash val="solid"/>
-                    </a:lnBlToTr>
-                    <a:noFill/>
-                  </a:tcPr>
-                </a:tc>
-                <a:extLst>
-                  <a:ext uri="{0D108BD9-81ED-4DB2-BD59-A6C34878D82A}">
-                    <a16:rowId xmlns:a16="http://schemas.microsoft.com/office/drawing/2014/main" val="1021616608"/>
-                  </a:ext>
-                </a:extLst>
-              </a:tr>
-              <a:tr h="0">
-                <a:tc>
-                  <a:txBody>
-                    <a:bodyPr/>
-                    <a:lstStyle/>
-                    <a:p>
-                      <a:r>
-                        <a:rPr lang="en-US" sz="1050" dirty="0">
-                          <a:solidFill>
-                            <a:srgbClr val="CCCCCC"/>
-                          </a:solidFill>
-                          <a:latin typeface="Liberation Sans" panose="020B0604020202020204" pitchFamily="34" charset="0"/>
-                          <a:ea typeface="Liberation Sans" panose="020B0604020202020204" pitchFamily="34" charset="0"/>
-                          <a:cs typeface="Liberation Sans" panose="020B0604020202020204" pitchFamily="34" charset="0"/>
-                        </a:rPr>
-                        <a:t>9</a:t>
-                      </a:r>
-                    </a:p>
-                  </a:txBody>
-                  <a:tcPr>
-                    <a:lnL w="12700" cmpd="sng">
-                      <a:noFill/>
-                    </a:lnL>
-                    <a:lnR w="12700" cap="flat" cmpd="sng" algn="ctr">
-                      <a:solidFill>
-                        <a:srgbClr val="44546A">
-                          <a:alpha val="25098"/>
-                        </a:srgbClr>
-                      </a:solidFill>
-                      <a:prstDash val="solid"/>
-                      <a:round/>
-                      <a:headEnd type="none" w="med" len="med"/>
-                      <a:tailEnd type="none" w="med" len="med"/>
-                    </a:lnR>
-                    <a:lnT w="12700" cap="flat" cmpd="sng" algn="ctr">
-                      <a:solidFill>
-                        <a:srgbClr val="44546A">
-                          <a:alpha val="25098"/>
-                        </a:srgbClr>
-                      </a:solidFill>
-                      <a:prstDash val="solid"/>
-                      <a:round/>
-                      <a:headEnd type="none" w="med" len="med"/>
-                      <a:tailEnd type="none" w="med" len="med"/>
-                    </a:lnT>
-                    <a:lnB w="12700" cap="flat" cmpd="sng" algn="ctr">
-                      <a:solidFill>
-                        <a:srgbClr val="44546A">
-                          <a:alpha val="25098"/>
-                        </a:srgbClr>
-                      </a:solidFill>
-                      <a:prstDash val="solid"/>
-                      <a:round/>
-                      <a:headEnd type="none" w="med" len="med"/>
-                      <a:tailEnd type="none" w="med" len="med"/>
-                    </a:lnB>
-                    <a:lnTlToBr w="12700" cmpd="sng">
-                      <a:noFill/>
-                      <a:prstDash val="solid"/>
-                    </a:lnTlToBr>
-                    <a:lnBlToTr w="12700" cmpd="sng">
-                      <a:noFill/>
-                      <a:prstDash val="solid"/>
-                    </a:lnBlToTr>
-                    <a:noFill/>
-                  </a:tcPr>
-                </a:tc>
-                <a:tc>
-                  <a:txBody>
-                    <a:bodyPr/>
-                    <a:lstStyle/>
-                    <a:p>
-                      <a:r>
-                        <a:rPr lang="en-US" sz="1050" dirty="0">
-                          <a:solidFill>
-                            <a:srgbClr val="CCCCCC"/>
-                          </a:solidFill>
-                          <a:latin typeface="Liberation Sans" panose="020B0604020202020204" pitchFamily="34" charset="0"/>
-                          <a:ea typeface="Liberation Sans" panose="020B0604020202020204" pitchFamily="34" charset="0"/>
-                          <a:cs typeface="Liberation Sans" panose="020B0604020202020204" pitchFamily="34" charset="0"/>
-                        </a:rPr>
-                        <a:t>8</a:t>
-                      </a:r>
-                    </a:p>
-                  </a:txBody>
-                  <a:tcPr>
-                    <a:lnL w="12700" cap="flat" cmpd="sng" algn="ctr">
-                      <a:solidFill>
-                        <a:srgbClr val="44546A">
-                          <a:alpha val="25098"/>
-                        </a:srgbClr>
-                      </a:solidFill>
-                      <a:prstDash val="solid"/>
-                      <a:round/>
-                      <a:headEnd type="none" w="med" len="med"/>
-                      <a:tailEnd type="none" w="med" len="med"/>
-                    </a:lnL>
-                    <a:lnR w="12700" cap="flat" cmpd="sng" algn="ctr">
-                      <a:solidFill>
-                        <a:srgbClr val="44546A">
-                          <a:alpha val="25098"/>
-                        </a:srgbClr>
-                      </a:solidFill>
-                      <a:prstDash val="solid"/>
-                      <a:round/>
-                      <a:headEnd type="none" w="med" len="med"/>
-                      <a:tailEnd type="none" w="med" len="med"/>
-                    </a:lnR>
-                    <a:lnT w="12700" cap="flat" cmpd="sng" algn="ctr">
-                      <a:solidFill>
-                        <a:srgbClr val="44546A">
-                          <a:alpha val="25098"/>
-                        </a:srgbClr>
-                      </a:solidFill>
-                      <a:prstDash val="solid"/>
-                      <a:round/>
-                      <a:headEnd type="none" w="med" len="med"/>
-                      <a:tailEnd type="none" w="med" len="med"/>
-                    </a:lnT>
-                    <a:lnB w="12700" cap="flat" cmpd="sng" algn="ctr">
-                      <a:solidFill>
-                        <a:srgbClr val="44546A">
-                          <a:alpha val="25098"/>
-                        </a:srgbClr>
-                      </a:solidFill>
-                      <a:prstDash val="solid"/>
-                      <a:round/>
-                      <a:headEnd type="none" w="med" len="med"/>
-                      <a:tailEnd type="none" w="med" len="med"/>
-                    </a:lnB>
-                    <a:lnTlToBr w="12700" cmpd="sng">
-                      <a:noFill/>
-                      <a:prstDash val="solid"/>
-                    </a:lnTlToBr>
-                    <a:lnBlToTr w="12700" cmpd="sng">
-                      <a:noFill/>
-                      <a:prstDash val="solid"/>
-                    </a:lnBlToTr>
-                    <a:noFill/>
-                  </a:tcPr>
-                </a:tc>
-                <a:tc>
-                  <a:txBody>
-                    <a:bodyPr/>
-                    <a:lstStyle/>
-                    <a:p>
-                      <a:r>
-                        <a:rPr lang="en-US" sz="1050" dirty="0">
-                          <a:solidFill>
-                            <a:srgbClr val="CCCCCC"/>
-                          </a:solidFill>
-                          <a:latin typeface="Liberation Sans" panose="020B0604020202020204" pitchFamily="34" charset="0"/>
-                          <a:ea typeface="Liberation Sans" panose="020B0604020202020204" pitchFamily="34" charset="0"/>
-                          <a:cs typeface="Liberation Sans" panose="020B0604020202020204" pitchFamily="34" charset="0"/>
-                        </a:rPr>
-                        <a:t>FACTORY:0</a:t>
-                      </a:r>
-                    </a:p>
-                  </a:txBody>
-                  <a:tcPr>
-                    <a:lnL w="12700" cap="flat" cmpd="sng" algn="ctr">
-                      <a:solidFill>
-                        <a:srgbClr val="44546A">
-                          <a:alpha val="25098"/>
-                        </a:srgbClr>
-                      </a:solidFill>
-                      <a:prstDash val="solid"/>
-                      <a:round/>
-                      <a:headEnd type="none" w="med" len="med"/>
-                      <a:tailEnd type="none" w="med" len="med"/>
-                    </a:lnL>
-                    <a:lnR w="12700" cap="flat" cmpd="sng" algn="ctr">
-                      <a:solidFill>
-                        <a:srgbClr val="44546A">
-                          <a:alpha val="25098"/>
-                        </a:srgbClr>
-                      </a:solidFill>
-                      <a:prstDash val="solid"/>
-                      <a:round/>
-                      <a:headEnd type="none" w="med" len="med"/>
-                      <a:tailEnd type="none" w="med" len="med"/>
-                    </a:lnR>
-                    <a:lnT w="12700" cap="flat" cmpd="sng" algn="ctr">
-                      <a:solidFill>
-                        <a:srgbClr val="44546A">
-                          <a:alpha val="25098"/>
-                        </a:srgbClr>
-                      </a:solidFill>
-                      <a:prstDash val="solid"/>
-                      <a:round/>
-                      <a:headEnd type="none" w="med" len="med"/>
-                      <a:tailEnd type="none" w="med" len="med"/>
-                    </a:lnT>
-                    <a:lnB w="12700" cap="flat" cmpd="sng" algn="ctr">
-                      <a:solidFill>
-                        <a:srgbClr val="44546A">
-                          <a:alpha val="25098"/>
-                        </a:srgbClr>
-                      </a:solidFill>
-                      <a:prstDash val="solid"/>
-                      <a:round/>
-                      <a:headEnd type="none" w="med" len="med"/>
-                      <a:tailEnd type="none" w="med" len="med"/>
-                    </a:lnB>
-                    <a:lnTlToBr w="12700" cmpd="sng">
-                      <a:noFill/>
-                      <a:prstDash val="solid"/>
-                    </a:lnTlToBr>
-                    <a:lnBlToTr w="12700" cmpd="sng">
-                      <a:noFill/>
-                      <a:prstDash val="solid"/>
-                    </a:lnBlToTr>
-                    <a:noFill/>
-                  </a:tcPr>
-                </a:tc>
-                <a:tc>
-                  <a:txBody>
-                    <a:bodyPr/>
-                    <a:lstStyle/>
-                    <a:p>
-                      <a:r>
-                        <a:rPr lang="en-US" sz="1050" dirty="0">
-                          <a:solidFill>
-                            <a:srgbClr val="CCCCCC"/>
-                          </a:solidFill>
-                          <a:latin typeface="Liberation Sans" panose="020B0604020202020204" pitchFamily="34" charset="0"/>
-                          <a:ea typeface="Liberation Sans" panose="020B0604020202020204" pitchFamily="34" charset="0"/>
-                          <a:cs typeface="Liberation Sans" panose="020B0604020202020204" pitchFamily="34" charset="0"/>
-                        </a:rPr>
-                        <a:t>P</a:t>
-                      </a:r>
-                    </a:p>
-                  </a:txBody>
-                  <a:tcPr>
-                    <a:lnL w="12700" cap="flat" cmpd="sng" algn="ctr">
-                      <a:solidFill>
-                        <a:srgbClr val="44546A">
-                          <a:alpha val="25098"/>
-                        </a:srgbClr>
-                      </a:solidFill>
-                      <a:prstDash val="solid"/>
-                      <a:round/>
-                      <a:headEnd type="none" w="med" len="med"/>
-                      <a:tailEnd type="none" w="med" len="med"/>
-                    </a:lnL>
-                    <a:lnR w="12700" cmpd="sng">
-                      <a:noFill/>
-                    </a:lnR>
-                    <a:lnT w="12700" cap="flat" cmpd="sng" algn="ctr">
-                      <a:solidFill>
-                        <a:srgbClr val="44546A">
-                          <a:alpha val="25098"/>
-                        </a:srgbClr>
-                      </a:solidFill>
-                      <a:prstDash val="solid"/>
-                      <a:round/>
-                      <a:headEnd type="none" w="med" len="med"/>
-                      <a:tailEnd type="none" w="med" len="med"/>
-                    </a:lnT>
-                    <a:lnB w="12700" cap="flat" cmpd="sng" algn="ctr">
-                      <a:solidFill>
-                        <a:srgbClr val="44546A">
-                          <a:alpha val="25098"/>
-                        </a:srgbClr>
-                      </a:solidFill>
-                      <a:prstDash val="solid"/>
-                      <a:round/>
-                      <a:headEnd type="none" w="med" len="med"/>
-                      <a:tailEnd type="none" w="med" len="med"/>
-                    </a:lnB>
-                    <a:lnTlToBr w="12700" cmpd="sng">
-                      <a:noFill/>
-                      <a:prstDash val="solid"/>
-                    </a:lnTlToBr>
-                    <a:lnBlToTr w="12700" cmpd="sng">
-                      <a:noFill/>
-                      <a:prstDash val="solid"/>
-                    </a:lnBlToTr>
-                    <a:noFill/>
-                  </a:tcPr>
-                </a:tc>
-                <a:extLst>
-                  <a:ext uri="{0D108BD9-81ED-4DB2-BD59-A6C34878D82A}">
-                    <a16:rowId xmlns:a16="http://schemas.microsoft.com/office/drawing/2014/main" val="3712283072"/>
-                  </a:ext>
-                </a:extLst>
-              </a:tr>
-              <a:tr h="0">
-                <a:tc>
-                  <a:txBody>
-                    <a:bodyPr/>
-                    <a:lstStyle/>
-                    <a:p>
-                      <a:r>
-                        <a:rPr lang="en-US" sz="1050" dirty="0">
-                          <a:solidFill>
-                            <a:srgbClr val="CCCCCC"/>
-                          </a:solidFill>
-                          <a:latin typeface="Liberation Sans" panose="020B0604020202020204" pitchFamily="34" charset="0"/>
-                          <a:ea typeface="Liberation Sans" panose="020B0604020202020204" pitchFamily="34" charset="0"/>
-                          <a:cs typeface="Liberation Sans" panose="020B0604020202020204" pitchFamily="34" charset="0"/>
-                        </a:rPr>
-                        <a:t>9</a:t>
-                      </a:r>
-                    </a:p>
-                  </a:txBody>
-                  <a:tcPr>
-                    <a:lnL w="12700" cmpd="sng">
-                      <a:noFill/>
-                    </a:lnL>
-                    <a:lnR w="12700" cap="flat" cmpd="sng" algn="ctr">
-                      <a:solidFill>
-                        <a:srgbClr val="44546A">
-                          <a:alpha val="25098"/>
-                        </a:srgbClr>
-                      </a:solidFill>
-                      <a:prstDash val="solid"/>
-                      <a:round/>
-                      <a:headEnd type="none" w="med" len="med"/>
-                      <a:tailEnd type="none" w="med" len="med"/>
-                    </a:lnR>
-                    <a:lnT w="12700" cap="flat" cmpd="sng" algn="ctr">
-                      <a:solidFill>
-                        <a:srgbClr val="44546A">
-                          <a:alpha val="25098"/>
-                        </a:srgbClr>
-                      </a:solidFill>
-                      <a:prstDash val="solid"/>
-                      <a:round/>
-                      <a:headEnd type="none" w="med" len="med"/>
-                      <a:tailEnd type="none" w="med" len="med"/>
-                    </a:lnT>
-                    <a:lnB w="12700" cap="flat" cmpd="sng" algn="ctr">
-                      <a:solidFill>
-                        <a:srgbClr val="44546A">
-                          <a:alpha val="25098"/>
-                        </a:srgbClr>
-                      </a:solidFill>
-                      <a:prstDash val="solid"/>
-                      <a:round/>
-                      <a:headEnd type="none" w="med" len="med"/>
-                      <a:tailEnd type="none" w="med" len="med"/>
-                    </a:lnB>
-                    <a:lnTlToBr w="12700" cmpd="sng">
-                      <a:noFill/>
-                      <a:prstDash val="solid"/>
-                    </a:lnTlToBr>
-                    <a:lnBlToTr w="12700" cmpd="sng">
-                      <a:noFill/>
-                      <a:prstDash val="solid"/>
-                    </a:lnBlToTr>
-                    <a:noFill/>
-                  </a:tcPr>
-                </a:tc>
                 <a:tc>
                   <a:txBody>
                     <a:bodyPr/>
@@ -20906,227 +21143,6 @@
                           <a:cs typeface="Liberation Sans" panose="020B0604020202020204" pitchFamily="34" charset="0"/>
                         </a:rPr>
                         <a:t>11</a:t>
-                      </a:r>
-                    </a:p>
-                  </a:txBody>
-                  <a:tcPr>
-                    <a:lnL w="12700" cap="flat" cmpd="sng" algn="ctr">
-                      <a:solidFill>
-                        <a:srgbClr val="44546A">
-                          <a:alpha val="25098"/>
-                        </a:srgbClr>
-                      </a:solidFill>
-                      <a:prstDash val="solid"/>
-                      <a:round/>
-                      <a:headEnd type="none" w="med" len="med"/>
-                      <a:tailEnd type="none" w="med" len="med"/>
-                    </a:lnL>
-                    <a:lnR w="12700" cap="flat" cmpd="sng" algn="ctr">
-                      <a:solidFill>
-                        <a:srgbClr val="44546A">
-                          <a:alpha val="25098"/>
-                        </a:srgbClr>
-                      </a:solidFill>
-                      <a:prstDash val="solid"/>
-                      <a:round/>
-                      <a:headEnd type="none" w="med" len="med"/>
-                      <a:tailEnd type="none" w="med" len="med"/>
-                    </a:lnR>
-                    <a:lnT w="12700" cap="flat" cmpd="sng" algn="ctr">
-                      <a:solidFill>
-                        <a:srgbClr val="44546A">
-                          <a:alpha val="25098"/>
-                        </a:srgbClr>
-                      </a:solidFill>
-                      <a:prstDash val="solid"/>
-                      <a:round/>
-                      <a:headEnd type="none" w="med" len="med"/>
-                      <a:tailEnd type="none" w="med" len="med"/>
-                    </a:lnT>
-                    <a:lnB w="12700" cap="flat" cmpd="sng" algn="ctr">
-                      <a:solidFill>
-                        <a:srgbClr val="44546A">
-                          <a:alpha val="25098"/>
-                        </a:srgbClr>
-                      </a:solidFill>
-                      <a:prstDash val="solid"/>
-                      <a:round/>
-                      <a:headEnd type="none" w="med" len="med"/>
-                      <a:tailEnd type="none" w="med" len="med"/>
-                    </a:lnB>
-                    <a:lnTlToBr w="12700" cmpd="sng">
-                      <a:noFill/>
-                      <a:prstDash val="solid"/>
-                    </a:lnTlToBr>
-                    <a:lnBlToTr w="12700" cmpd="sng">
-                      <a:noFill/>
-                      <a:prstDash val="solid"/>
-                    </a:lnBlToTr>
-                    <a:noFill/>
-                  </a:tcPr>
-                </a:tc>
-                <a:tc>
-                  <a:txBody>
-                    <a:bodyPr/>
-                    <a:lstStyle/>
-                    <a:p>
-                      <a:r>
-                        <a:rPr lang="en-US" sz="1050" dirty="0">
-                          <a:solidFill>
-                            <a:srgbClr val="CCCCCC"/>
-                          </a:solidFill>
-                          <a:latin typeface="Liberation Sans" panose="020B0604020202020204" pitchFamily="34" charset="0"/>
-                          <a:ea typeface="Liberation Sans" panose="020B0604020202020204" pitchFamily="34" charset="0"/>
-                          <a:cs typeface="Liberation Sans" panose="020B0604020202020204" pitchFamily="34" charset="0"/>
-                        </a:rPr>
-                        <a:t>LUMBERMILL:0</a:t>
-                      </a:r>
-                    </a:p>
-                  </a:txBody>
-                  <a:tcPr>
-                    <a:lnL w="12700" cap="flat" cmpd="sng" algn="ctr">
-                      <a:solidFill>
-                        <a:srgbClr val="44546A">
-                          <a:alpha val="25098"/>
-                        </a:srgbClr>
-                      </a:solidFill>
-                      <a:prstDash val="solid"/>
-                      <a:round/>
-                      <a:headEnd type="none" w="med" len="med"/>
-                      <a:tailEnd type="none" w="med" len="med"/>
-                    </a:lnL>
-                    <a:lnR w="12700" cap="flat" cmpd="sng" algn="ctr">
-                      <a:solidFill>
-                        <a:srgbClr val="44546A">
-                          <a:alpha val="25098"/>
-                        </a:srgbClr>
-                      </a:solidFill>
-                      <a:prstDash val="solid"/>
-                      <a:round/>
-                      <a:headEnd type="none" w="med" len="med"/>
-                      <a:tailEnd type="none" w="med" len="med"/>
-                    </a:lnR>
-                    <a:lnT w="12700" cap="flat" cmpd="sng" algn="ctr">
-                      <a:solidFill>
-                        <a:srgbClr val="44546A">
-                          <a:alpha val="25098"/>
-                        </a:srgbClr>
-                      </a:solidFill>
-                      <a:prstDash val="solid"/>
-                      <a:round/>
-                      <a:headEnd type="none" w="med" len="med"/>
-                      <a:tailEnd type="none" w="med" len="med"/>
-                    </a:lnT>
-                    <a:lnB w="12700" cap="flat" cmpd="sng" algn="ctr">
-                      <a:solidFill>
-                        <a:srgbClr val="44546A">
-                          <a:alpha val="25098"/>
-                        </a:srgbClr>
-                      </a:solidFill>
-                      <a:prstDash val="solid"/>
-                      <a:round/>
-                      <a:headEnd type="none" w="med" len="med"/>
-                      <a:tailEnd type="none" w="med" len="med"/>
-                    </a:lnB>
-                    <a:lnTlToBr w="12700" cmpd="sng">
-                      <a:noFill/>
-                      <a:prstDash val="solid"/>
-                    </a:lnTlToBr>
-                    <a:lnBlToTr w="12700" cmpd="sng">
-                      <a:noFill/>
-                      <a:prstDash val="solid"/>
-                    </a:lnBlToTr>
-                    <a:noFill/>
-                  </a:tcPr>
-                </a:tc>
-                <a:tc>
-                  <a:txBody>
-                    <a:bodyPr/>
-                    <a:lstStyle/>
-                    <a:p>
-                      <a:r>
-                        <a:rPr lang="en-US" sz="1050" dirty="0">
-                          <a:solidFill>
-                            <a:srgbClr val="CCCCCC"/>
-                          </a:solidFill>
-                          <a:latin typeface="Liberation Sans" panose="020B0604020202020204" pitchFamily="34" charset="0"/>
-                          <a:ea typeface="Liberation Sans" panose="020B0604020202020204" pitchFamily="34" charset="0"/>
-                          <a:cs typeface="Liberation Sans" panose="020B0604020202020204" pitchFamily="34" charset="0"/>
-                        </a:rPr>
-                        <a:t>P</a:t>
-                      </a:r>
-                    </a:p>
-                  </a:txBody>
-                  <a:tcPr>
-                    <a:lnL w="12700" cap="flat" cmpd="sng" algn="ctr">
-                      <a:solidFill>
-                        <a:srgbClr val="44546A">
-                          <a:alpha val="25098"/>
-                        </a:srgbClr>
-                      </a:solidFill>
-                      <a:prstDash val="solid"/>
-                      <a:round/>
-                      <a:headEnd type="none" w="med" len="med"/>
-                      <a:tailEnd type="none" w="med" len="med"/>
-                    </a:lnL>
-                    <a:lnR w="12700" cmpd="sng">
-                      <a:noFill/>
-                    </a:lnR>
-                    <a:lnT w="12700" cap="flat" cmpd="sng" algn="ctr">
-                      <a:solidFill>
-                        <a:srgbClr val="44546A">
-                          <a:alpha val="25098"/>
-                        </a:srgbClr>
-                      </a:solidFill>
-                      <a:prstDash val="solid"/>
-                      <a:round/>
-                      <a:headEnd type="none" w="med" len="med"/>
-                      <a:tailEnd type="none" w="med" len="med"/>
-                    </a:lnT>
-                    <a:lnB w="12700" cap="flat" cmpd="sng" algn="ctr">
-                      <a:solidFill>
-                        <a:srgbClr val="44546A">
-                          <a:alpha val="25098"/>
-                        </a:srgbClr>
-                      </a:solidFill>
-                      <a:prstDash val="solid"/>
-                      <a:round/>
-                      <a:headEnd type="none" w="med" len="med"/>
-                      <a:tailEnd type="none" w="med" len="med"/>
-                    </a:lnB>
-                    <a:lnTlToBr w="12700" cmpd="sng">
-                      <a:noFill/>
-                      <a:prstDash val="solid"/>
-                    </a:lnTlToBr>
-                    <a:lnBlToTr w="12700" cmpd="sng">
-                      <a:noFill/>
-                      <a:prstDash val="solid"/>
-                    </a:lnBlToTr>
-                    <a:noFill/>
-                  </a:tcPr>
-                </a:tc>
-                <a:extLst>
-                  <a:ext uri="{0D108BD9-81ED-4DB2-BD59-A6C34878D82A}">
-                    <a16:rowId xmlns:a16="http://schemas.microsoft.com/office/drawing/2014/main" val="3862559551"/>
-                  </a:ext>
-                </a:extLst>
-              </a:tr>
-              <a:tr h="0">
-                <a:tc>
-                  <a:txBody>
-                    <a:bodyPr/>
-                    <a:lstStyle/>
-                    <a:p>
-                      <a:r>
-                        <a:rPr lang="en-US" sz="1050" dirty="0">
-                          <a:solidFill>
-                            <a:srgbClr val="CCCCCC"/>
-                          </a:solidFill>
-                          <a:latin typeface="Liberation Sans" panose="020B0604020202020204" pitchFamily="34" charset="0"/>
-                          <a:ea typeface="Liberation Sans" panose="020B0604020202020204" pitchFamily="34" charset="0"/>
-                          <a:cs typeface="Liberation Sans" panose="020B0604020202020204" pitchFamily="34" charset="0"/>
-                        </a:rPr>
-                        <a:t>10</a:t>
                       </a:r>
                     </a:p>
                   </a:txBody>
@@ -22098,7 +22114,7 @@
         </p:blipFill>
         <p:spPr>
           <a:xfrm>
-            <a:off x="3191422" y="2725444"/>
+            <a:off x="2468611" y="2725444"/>
             <a:ext cx="356088" cy="356088"/>
           </a:xfrm>
           <a:prstGeom prst="rect">
@@ -22137,7 +22153,7 @@
         </p:blipFill>
         <p:spPr>
           <a:xfrm>
-            <a:off x="7498571" y="4245005"/>
+            <a:off x="6752918" y="3247417"/>
             <a:ext cx="356088" cy="356088"/>
           </a:xfrm>
           <a:prstGeom prst="rect">

--- a/v3/assets/wiki-assets/Map.pptx
+++ b/v3/assets/wiki-assets/Map.pptx
@@ -3709,7 +3709,7 @@
           <p:nvPr>
             <p:extLst>
               <p:ext uri="{D42A27DB-BD31-4B8C-83A1-F6EECF244321}">
-                <p14:modId xmlns:p14="http://schemas.microsoft.com/office/powerpoint/2010/main" val="1174649216"/>
+                <p14:modId xmlns:p14="http://schemas.microsoft.com/office/powerpoint/2010/main" val="772033523"/>
               </p:ext>
             </p:extLst>
           </p:nvPr>
@@ -7167,10 +7167,23 @@
                     <a:lstStyle/>
                     <a:p>
                       <a:pPr algn="ctr"/>
-                      <a:endParaRPr lang="en-US" sz="800" dirty="0">
-                        <a:latin typeface="3270-MEDIUM" panose="02000609000000000000" pitchFamily="49" charset="77"/>
-                        <a:ea typeface="3270-MEDIUM" panose="02000609000000000000" pitchFamily="49" charset="77"/>
-                      </a:endParaRPr>
+                      <a:r>
+                        <a:rPr lang="en-US" sz="800" dirty="0">
+                          <a:latin typeface="3270-MEDIUM" panose="02000609000000000000" pitchFamily="49" charset="77"/>
+                          <a:ea typeface="3270-MEDIUM" panose="02000609000000000000" pitchFamily="49" charset="77"/>
+                        </a:rPr>
+                        <a:t>Port</a:t>
+                      </a:r>
+                    </a:p>
+                    <a:p>
+                      <a:pPr algn="ctr"/>
+                      <a:r>
+                        <a:rPr lang="en-US" sz="800" dirty="0">
+                          <a:latin typeface="3270-MEDIUM" panose="02000609000000000000" pitchFamily="49" charset="77"/>
+                          <a:ea typeface="3270-MEDIUM" panose="02000609000000000000" pitchFamily="49" charset="77"/>
+                        </a:rPr>
+                        <a:t>0</a:t>
+                      </a:r>
                     </a:p>
                   </a:txBody>
                   <a:tcPr anchor="ctr">
@@ -7229,7 +7242,7 @@
                     <a:lstStyle/>
                     <a:p>
                       <a:pPr algn="ctr"/>
-                      <a:endParaRPr lang="en-US" sz="800">
+                      <a:endParaRPr lang="en-US" sz="800" dirty="0">
                         <a:latin typeface="3270-MEDIUM" panose="02000609000000000000" pitchFamily="49" charset="77"/>
                         <a:ea typeface="3270-MEDIUM" panose="02000609000000000000" pitchFamily="49" charset="77"/>
                       </a:endParaRPr>
@@ -7930,7 +7943,7 @@
                       <a:tailEnd type="none" w="med" len="med"/>
                     </a:lnB>
                     <a:solidFill>
-                      <a:schemeClr val="accent6"/>
+                      <a:schemeClr val="accent1"/>
                     </a:solidFill>
                   </a:tcPr>
                 </a:tc>
@@ -8064,23 +8077,10 @@
                     <a:lstStyle/>
                     <a:p>
                       <a:pPr algn="ctr"/>
-                      <a:r>
-                        <a:rPr lang="en-US" sz="800" dirty="0">
-                          <a:latin typeface="3270-MEDIUM" panose="02000609000000000000" pitchFamily="49" charset="77"/>
-                          <a:ea typeface="3270-MEDIUM" panose="02000609000000000000" pitchFamily="49" charset="77"/>
-                        </a:rPr>
-                        <a:t>Port</a:t>
-                      </a:r>
-                    </a:p>
-                    <a:p>
-                      <a:pPr algn="ctr"/>
-                      <a:r>
-                        <a:rPr lang="en-US" sz="800" dirty="0">
-                          <a:latin typeface="3270-MEDIUM" panose="02000609000000000000" pitchFamily="49" charset="77"/>
-                          <a:ea typeface="3270-MEDIUM" panose="02000609000000000000" pitchFamily="49" charset="77"/>
-                        </a:rPr>
-                        <a:t>0</a:t>
-                      </a:r>
+                      <a:endParaRPr lang="en-US" sz="800" dirty="0">
+                        <a:latin typeface="3270-MEDIUM" panose="02000609000000000000" pitchFamily="49" charset="77"/>
+                        <a:ea typeface="3270-MEDIUM" panose="02000609000000000000" pitchFamily="49" charset="77"/>
+                      </a:endParaRPr>
                     </a:p>
                   </a:txBody>
                   <a:tcPr anchor="ctr">
@@ -8201,7 +8201,7 @@
                     <a:lstStyle/>
                     <a:p>
                       <a:pPr algn="ctr"/>
-                      <a:endParaRPr lang="en-US" sz="800">
+                      <a:endParaRPr lang="en-US" sz="800" dirty="0">
                         <a:latin typeface="3270-MEDIUM" panose="02000609000000000000" pitchFamily="49" charset="77"/>
                         <a:ea typeface="3270-MEDIUM" panose="02000609000000000000" pitchFamily="49" charset="77"/>
                       </a:endParaRPr>
@@ -9874,6 +9874,68 @@
                     <a:lstStyle/>
                     <a:p>
                       <a:pPr algn="ctr"/>
+                      <a:endParaRPr lang="en-US" sz="800" dirty="0">
+                        <a:latin typeface="3270-MEDIUM" panose="02000609000000000000" pitchFamily="49" charset="77"/>
+                        <a:ea typeface="3270-MEDIUM" panose="02000609000000000000" pitchFamily="49" charset="77"/>
+                      </a:endParaRPr>
+                    </a:p>
+                  </a:txBody>
+                  <a:tcPr anchor="ctr">
+                    <a:lnL w="12700" cap="flat" cmpd="sng" algn="ctr">
+                      <a:solidFill>
+                        <a:srgbClr val="44546A">
+                          <a:alpha val="25098"/>
+                        </a:srgbClr>
+                      </a:solidFill>
+                      <a:prstDash val="solid"/>
+                      <a:round/>
+                      <a:headEnd type="none" w="med" len="med"/>
+                      <a:tailEnd type="none" w="med" len="med"/>
+                    </a:lnL>
+                    <a:lnR w="12700" cap="flat" cmpd="sng" algn="ctr">
+                      <a:solidFill>
+                        <a:srgbClr val="44546A">
+                          <a:alpha val="25098"/>
+                        </a:srgbClr>
+                      </a:solidFill>
+                      <a:prstDash val="solid"/>
+                      <a:round/>
+                      <a:headEnd type="none" w="med" len="med"/>
+                      <a:tailEnd type="none" w="med" len="med"/>
+                    </a:lnR>
+                    <a:lnT w="12700" cap="flat" cmpd="sng" algn="ctr">
+                      <a:solidFill>
+                        <a:srgbClr val="44546A">
+                          <a:alpha val="25098"/>
+                        </a:srgbClr>
+                      </a:solidFill>
+                      <a:prstDash val="solid"/>
+                      <a:round/>
+                      <a:headEnd type="none" w="med" len="med"/>
+                      <a:tailEnd type="none" w="med" len="med"/>
+                    </a:lnT>
+                    <a:lnB w="12700" cap="flat" cmpd="sng" algn="ctr">
+                      <a:solidFill>
+                        <a:srgbClr val="44546A">
+                          <a:alpha val="25098"/>
+                        </a:srgbClr>
+                      </a:solidFill>
+                      <a:prstDash val="solid"/>
+                      <a:round/>
+                      <a:headEnd type="none" w="med" len="med"/>
+                      <a:tailEnd type="none" w="med" len="med"/>
+                    </a:lnB>
+                    <a:solidFill>
+                      <a:schemeClr val="accent6"/>
+                    </a:solidFill>
+                  </a:tcPr>
+                </a:tc>
+                <a:tc>
+                  <a:txBody>
+                    <a:bodyPr/>
+                    <a:lstStyle/>
+                    <a:p>
+                      <a:pPr algn="ctr"/>
                       <a:r>
                         <a:rPr lang="en-US" sz="800" dirty="0">
                           <a:latin typeface="3270-MEDIUM" panose="02000609000000000000" pitchFamily="49" charset="77"/>
@@ -9891,68 +9953,6 @@
                         </a:rPr>
                         <a:t>1</a:t>
                       </a:r>
-                    </a:p>
-                  </a:txBody>
-                  <a:tcPr anchor="ctr">
-                    <a:lnL w="12700" cap="flat" cmpd="sng" algn="ctr">
-                      <a:solidFill>
-                        <a:srgbClr val="44546A">
-                          <a:alpha val="25098"/>
-                        </a:srgbClr>
-                      </a:solidFill>
-                      <a:prstDash val="solid"/>
-                      <a:round/>
-                      <a:headEnd type="none" w="med" len="med"/>
-                      <a:tailEnd type="none" w="med" len="med"/>
-                    </a:lnL>
-                    <a:lnR w="12700" cap="flat" cmpd="sng" algn="ctr">
-                      <a:solidFill>
-                        <a:srgbClr val="44546A">
-                          <a:alpha val="25098"/>
-                        </a:srgbClr>
-                      </a:solidFill>
-                      <a:prstDash val="solid"/>
-                      <a:round/>
-                      <a:headEnd type="none" w="med" len="med"/>
-                      <a:tailEnd type="none" w="med" len="med"/>
-                    </a:lnR>
-                    <a:lnT w="12700" cap="flat" cmpd="sng" algn="ctr">
-                      <a:solidFill>
-                        <a:srgbClr val="44546A">
-                          <a:alpha val="25098"/>
-                        </a:srgbClr>
-                      </a:solidFill>
-                      <a:prstDash val="solid"/>
-                      <a:round/>
-                      <a:headEnd type="none" w="med" len="med"/>
-                      <a:tailEnd type="none" w="med" len="med"/>
-                    </a:lnT>
-                    <a:lnB w="12700" cap="flat" cmpd="sng" algn="ctr">
-                      <a:solidFill>
-                        <a:srgbClr val="44546A">
-                          <a:alpha val="25098"/>
-                        </a:srgbClr>
-                      </a:solidFill>
-                      <a:prstDash val="solid"/>
-                      <a:round/>
-                      <a:headEnd type="none" w="med" len="med"/>
-                      <a:tailEnd type="none" w="med" len="med"/>
-                    </a:lnB>
-                    <a:solidFill>
-                      <a:schemeClr val="accent6"/>
-                    </a:solidFill>
-                  </a:tcPr>
-                </a:tc>
-                <a:tc>
-                  <a:txBody>
-                    <a:bodyPr/>
-                    <a:lstStyle/>
-                    <a:p>
-                      <a:pPr algn="ctr"/>
-                      <a:endParaRPr lang="en-US" sz="800">
-                        <a:latin typeface="3270-MEDIUM" panose="02000609000000000000" pitchFamily="49" charset="77"/>
-                        <a:ea typeface="3270-MEDIUM" panose="02000609000000000000" pitchFamily="49" charset="77"/>
-                      </a:endParaRPr>
                     </a:p>
                   </a:txBody>
                   <a:tcPr anchor="ctr">
@@ -15066,7 +15066,7 @@
           <p:nvPr>
             <p:extLst>
               <p:ext uri="{D42A27DB-BD31-4B8C-83A1-F6EECF244321}">
-                <p14:modId xmlns:p14="http://schemas.microsoft.com/office/powerpoint/2010/main" val="251717687"/>
+                <p14:modId xmlns:p14="http://schemas.microsoft.com/office/powerpoint/2010/main" val="4052622670"/>
               </p:ext>
             </p:extLst>
           </p:nvPr>
@@ -18912,7 +18912,7 @@
                           <a:ea typeface="Liberation Sans" panose="020B0604020202020204" pitchFamily="34" charset="0"/>
                           <a:cs typeface="Liberation Sans" panose="020B0604020202020204" pitchFamily="34" charset="0"/>
                         </a:rPr>
-                        <a:t>3</a:t>
+                        <a:t>2</a:t>
                       </a:r>
                     </a:p>
                   </a:txBody>
@@ -19133,7 +19133,7 @@
                           <a:ea typeface="Liberation Sans" panose="020B0604020202020204" pitchFamily="34" charset="0"/>
                           <a:cs typeface="Liberation Sans" panose="020B0604020202020204" pitchFamily="34" charset="0"/>
                         </a:rPr>
-                        <a:t>10</a:t>
+                        <a:t>11</a:t>
                       </a:r>
                     </a:p>
                   </a:txBody>
@@ -19994,7 +19994,7 @@
                           <a:ea typeface="Liberation Sans" panose="020B0604020202020204" pitchFamily="34" charset="0"/>
                           <a:cs typeface="Liberation Sans" panose="020B0604020202020204" pitchFamily="34" charset="0"/>
                         </a:rPr>
-                        <a:t>8</a:t>
+                        <a:t>9</a:t>
                       </a:r>
                     </a:p>
                   </a:txBody>
@@ -20060,7 +20060,7 @@
                           <a:ea typeface="Liberation Sans" panose="020B0604020202020204" pitchFamily="34" charset="0"/>
                           <a:cs typeface="Liberation Sans" panose="020B0604020202020204" pitchFamily="34" charset="0"/>
                         </a:rPr>
-                        <a:t>5</a:t>
+                        <a:t>9</a:t>
                       </a:r>
                     </a:p>
                   </a:txBody>
@@ -22153,7 +22153,7 @@
         </p:blipFill>
         <p:spPr>
           <a:xfrm>
-            <a:off x="6752918" y="3247417"/>
+            <a:off x="7484438" y="5224262"/>
             <a:ext cx="356088" cy="356088"/>
           </a:xfrm>
           <a:prstGeom prst="rect">
